--- a/session_two/session_two_presentation.pptx
+++ b/session_two/session_two_presentation.pptx
@@ -8,37 +8,38 @@
     <p:sldMasterId id="2147483656" r:id="rId8"/>
   </p:sldMasterIdLst>
   <p:notesMasterIdLst>
-    <p:notesMasterId r:id="rId29"/>
+    <p:notesMasterId r:id="rId30"/>
   </p:notesMasterIdLst>
   <p:handoutMasterIdLst>
-    <p:handoutMasterId r:id="rId30"/>
+    <p:handoutMasterId r:id="rId31"/>
   </p:handoutMasterIdLst>
   <p:sldIdLst>
     <p:sldId id="359" r:id="rId9"/>
     <p:sldId id="422" r:id="rId10"/>
-    <p:sldId id="365" r:id="rId11"/>
-    <p:sldId id="423" r:id="rId12"/>
-    <p:sldId id="424" r:id="rId13"/>
-    <p:sldId id="425" r:id="rId14"/>
-    <p:sldId id="426" r:id="rId15"/>
-    <p:sldId id="438" r:id="rId16"/>
-    <p:sldId id="400" r:id="rId17"/>
-    <p:sldId id="427" r:id="rId18"/>
-    <p:sldId id="428" r:id="rId19"/>
-    <p:sldId id="429" r:id="rId20"/>
-    <p:sldId id="430" r:id="rId21"/>
-    <p:sldId id="431" r:id="rId22"/>
-    <p:sldId id="432" r:id="rId23"/>
-    <p:sldId id="433" r:id="rId24"/>
-    <p:sldId id="434" r:id="rId25"/>
-    <p:sldId id="435" r:id="rId26"/>
-    <p:sldId id="436" r:id="rId27"/>
-    <p:sldId id="437" r:id="rId28"/>
+    <p:sldId id="439" r:id="rId11"/>
+    <p:sldId id="365" r:id="rId12"/>
+    <p:sldId id="423" r:id="rId13"/>
+    <p:sldId id="424" r:id="rId14"/>
+    <p:sldId id="425" r:id="rId15"/>
+    <p:sldId id="426" r:id="rId16"/>
+    <p:sldId id="438" r:id="rId17"/>
+    <p:sldId id="400" r:id="rId18"/>
+    <p:sldId id="427" r:id="rId19"/>
+    <p:sldId id="428" r:id="rId20"/>
+    <p:sldId id="429" r:id="rId21"/>
+    <p:sldId id="430" r:id="rId22"/>
+    <p:sldId id="431" r:id="rId23"/>
+    <p:sldId id="432" r:id="rId24"/>
+    <p:sldId id="433" r:id="rId25"/>
+    <p:sldId id="434" r:id="rId26"/>
+    <p:sldId id="435" r:id="rId27"/>
+    <p:sldId id="436" r:id="rId28"/>
+    <p:sldId id="437" r:id="rId29"/>
   </p:sldIdLst>
   <p:sldSz cx="9144000" cy="5143500" type="screen16x9"/>
   <p:notesSz cx="6670675" cy="9875838"/>
   <p:custDataLst>
-    <p:tags r:id="rId31"/>
+    <p:tags r:id="rId32"/>
   </p:custDataLst>
   <p:defaultTextStyle>
     <a:defPPr>
@@ -843,7 +844,7 @@
             <a:fld id="{3BBED7E8-0829-F34C-B479-A757805E6C1B}" type="datetimeFigureOut">
               <a:rPr lang="en-US" smtClean="0"/>
               <a:pPr/>
-              <a:t>4/2/2020</a:t>
+              <a:t>4/3/2020</a:t>
             </a:fld>
             <a:endParaRPr lang="en-US"/>
           </a:p>
@@ -1011,7 +1012,7 @@
             <a:fld id="{6C7E4F11-7667-5045-A00B-01970EA44BB5}" type="datetimeFigureOut">
               <a:rPr lang="en-US" smtClean="0"/>
               <a:pPr/>
-              <a:t>4/2/2020</a:t>
+              <a:t>4/3/2020</a:t>
             </a:fld>
             <a:endParaRPr lang="en-US"/>
           </a:p>
@@ -26911,7 +26912,7 @@
                 <a:latin typeface="Arial"/>
                 <a:cs typeface="Arial"/>
               </a:rPr>
-              <a:t>Variable Types Puzzles Solutions</a:t>
+              <a:t>Variable Types Puzzles</a:t>
             </a:r>
             <a:endParaRPr lang="en-GB" dirty="0"/>
           </a:p>
@@ -26947,202 +26948,12 @@
           </a:p>
         </p:txBody>
       </p:sp>
-      <p:sp>
-        <p:nvSpPr>
-          <p:cNvPr id="9" name="Text Placeholder 2">
+      <p:pic>
+        <p:nvPicPr>
+          <p:cNvPr id="8" name="Picture 7">
             <a:extLst>
               <a:ext uri="{FF2B5EF4-FFF2-40B4-BE49-F238E27FC236}">
-                <a16:creationId xmlns:a16="http://schemas.microsoft.com/office/drawing/2014/main" id="{BECFC77B-6DD8-4F54-8E01-9C253CB35BC4}"/>
-              </a:ext>
-            </a:extLst>
-          </p:cNvPr>
-          <p:cNvSpPr txBox="1">
-            <a:spLocks/>
-          </p:cNvSpPr>
-          <p:nvPr/>
-        </p:nvSpPr>
-        <p:spPr>
-          <a:xfrm>
-            <a:off x="237061" y="3551652"/>
-            <a:ext cx="8589439" cy="1447847"/>
-          </a:xfrm>
-          <a:prstGeom prst="rect">
-            <a:avLst/>
-          </a:prstGeom>
-        </p:spPr>
-        <p:txBody>
-          <a:bodyPr vert="horz" anchor="t"/>
-          <a:lstStyle>
-            <a:lvl1pPr marL="0" indent="0" algn="l" defTabSz="457200" rtl="0" eaLnBrk="1" latinLnBrk="0" hangingPunct="1">
-              <a:spcBef>
-                <a:spcPts val="0"/>
-              </a:spcBef>
-              <a:buFont typeface="Arial"/>
-              <a:buNone/>
-              <a:defRPr sz="2400" kern="1200" baseline="0">
-                <a:solidFill>
-                  <a:schemeClr val="tx1"/>
-                </a:solidFill>
-                <a:latin typeface="Arial" pitchFamily="34" charset="0"/>
-                <a:ea typeface="+mn-ea"/>
-                <a:cs typeface="Arial" pitchFamily="34" charset="0"/>
-              </a:defRPr>
-            </a:lvl1pPr>
-            <a:lvl2pPr marL="457200" indent="0" algn="l" defTabSz="457200" rtl="0" eaLnBrk="1" latinLnBrk="0" hangingPunct="1">
-              <a:spcBef>
-                <a:spcPct val="20000"/>
-              </a:spcBef>
-              <a:buFont typeface="Arial"/>
-              <a:buNone/>
-              <a:defRPr sz="2400" kern="1200">
-                <a:solidFill>
-                  <a:schemeClr val="tx1"/>
-                </a:solidFill>
-                <a:latin typeface="+mn-lt"/>
-                <a:ea typeface="+mn-ea"/>
-                <a:cs typeface="+mn-cs"/>
-              </a:defRPr>
-            </a:lvl2pPr>
-            <a:lvl3pPr marL="914400" indent="0" algn="l" defTabSz="457200" rtl="0" eaLnBrk="1" latinLnBrk="0" hangingPunct="1">
-              <a:spcBef>
-                <a:spcPct val="20000"/>
-              </a:spcBef>
-              <a:buFont typeface="Arial"/>
-              <a:buNone/>
-              <a:defRPr sz="2400" kern="1200">
-                <a:solidFill>
-                  <a:schemeClr val="tx1"/>
-                </a:solidFill>
-                <a:latin typeface="+mn-lt"/>
-                <a:ea typeface="+mn-ea"/>
-                <a:cs typeface="+mn-cs"/>
-              </a:defRPr>
-            </a:lvl3pPr>
-            <a:lvl4pPr marL="1371600" indent="0" algn="l" defTabSz="457200" rtl="0" eaLnBrk="1" latinLnBrk="0" hangingPunct="1">
-              <a:spcBef>
-                <a:spcPct val="20000"/>
-              </a:spcBef>
-              <a:buFont typeface="Arial"/>
-              <a:buNone/>
-              <a:defRPr sz="2400" kern="1200">
-                <a:solidFill>
-                  <a:schemeClr val="tx1"/>
-                </a:solidFill>
-                <a:latin typeface="+mn-lt"/>
-                <a:ea typeface="+mn-ea"/>
-                <a:cs typeface="+mn-cs"/>
-              </a:defRPr>
-            </a:lvl4pPr>
-            <a:lvl5pPr marL="1828800" indent="0" algn="l" defTabSz="457200" rtl="0" eaLnBrk="1" latinLnBrk="0" hangingPunct="1">
-              <a:spcBef>
-                <a:spcPct val="20000"/>
-              </a:spcBef>
-              <a:buFont typeface="Arial"/>
-              <a:buNone/>
-              <a:defRPr sz="2400" kern="1200">
-                <a:solidFill>
-                  <a:schemeClr val="tx1"/>
-                </a:solidFill>
-                <a:latin typeface="+mn-lt"/>
-                <a:ea typeface="+mn-ea"/>
-                <a:cs typeface="+mn-cs"/>
-              </a:defRPr>
-            </a:lvl5pPr>
-            <a:lvl6pPr marL="2514600" indent="-228600" algn="l" defTabSz="457200" rtl="0" eaLnBrk="1" latinLnBrk="0" hangingPunct="1">
-              <a:spcBef>
-                <a:spcPct val="20000"/>
-              </a:spcBef>
-              <a:buFont typeface="Arial"/>
-              <a:buChar char="•"/>
-              <a:defRPr sz="2000" kern="1200">
-                <a:solidFill>
-                  <a:schemeClr val="tx1"/>
-                </a:solidFill>
-                <a:latin typeface="+mn-lt"/>
-                <a:ea typeface="+mn-ea"/>
-                <a:cs typeface="+mn-cs"/>
-              </a:defRPr>
-            </a:lvl6pPr>
-            <a:lvl7pPr marL="2971800" indent="-228600" algn="l" defTabSz="457200" rtl="0" eaLnBrk="1" latinLnBrk="0" hangingPunct="1">
-              <a:spcBef>
-                <a:spcPct val="20000"/>
-              </a:spcBef>
-              <a:buFont typeface="Arial"/>
-              <a:buChar char="•"/>
-              <a:defRPr sz="2000" kern="1200">
-                <a:solidFill>
-                  <a:schemeClr val="tx1"/>
-                </a:solidFill>
-                <a:latin typeface="+mn-lt"/>
-                <a:ea typeface="+mn-ea"/>
-                <a:cs typeface="+mn-cs"/>
-              </a:defRPr>
-            </a:lvl7pPr>
-            <a:lvl8pPr marL="3429000" indent="-228600" algn="l" defTabSz="457200" rtl="0" eaLnBrk="1" latinLnBrk="0" hangingPunct="1">
-              <a:spcBef>
-                <a:spcPct val="20000"/>
-              </a:spcBef>
-              <a:buFont typeface="Arial"/>
-              <a:buChar char="•"/>
-              <a:defRPr sz="2000" kern="1200">
-                <a:solidFill>
-                  <a:schemeClr val="tx1"/>
-                </a:solidFill>
-                <a:latin typeface="+mn-lt"/>
-                <a:ea typeface="+mn-ea"/>
-                <a:cs typeface="+mn-cs"/>
-              </a:defRPr>
-            </a:lvl8pPr>
-            <a:lvl9pPr marL="3886200" indent="-228600" algn="l" defTabSz="457200" rtl="0" eaLnBrk="1" latinLnBrk="0" hangingPunct="1">
-              <a:spcBef>
-                <a:spcPct val="20000"/>
-              </a:spcBef>
-              <a:buFont typeface="Arial"/>
-              <a:buChar char="•"/>
-              <a:defRPr sz="2000" kern="1200">
-                <a:solidFill>
-                  <a:schemeClr val="tx1"/>
-                </a:solidFill>
-                <a:latin typeface="+mn-lt"/>
-                <a:ea typeface="+mn-ea"/>
-                <a:cs typeface="+mn-cs"/>
-              </a:defRPr>
-            </a:lvl9pPr>
-          </a:lstStyle>
-          <a:p>
-            <a:pPr marL="342900" indent="-342900">
-              <a:buFont typeface="Arial"/>
-              <a:buChar char="•"/>
-            </a:pPr>
-            <a:r>
-              <a:rPr lang="en-GB" sz="2000" dirty="0">
-                <a:latin typeface="Arial"/>
-                <a:cs typeface="Arial"/>
-              </a:rPr>
-              <a:t>If the user enters non-numeric input, it will be impossible to convert it to an integer and so Python will throw an error message</a:t>
-            </a:r>
-          </a:p>
-          <a:p>
-            <a:pPr marL="342900" indent="-342900">
-              <a:buFont typeface="Arial"/>
-              <a:buChar char="•"/>
-            </a:pPr>
-            <a:r>
-              <a:rPr lang="en-GB" sz="2000" dirty="0">
-                <a:latin typeface="Arial"/>
-                <a:cs typeface="Arial"/>
-              </a:rPr>
-              <a:t>We’ll learn how to avoid this by validating user input later in the course</a:t>
-            </a:r>
-          </a:p>
-        </p:txBody>
-      </p:sp>
-      <p:pic>
-        <p:nvPicPr>
-          <p:cNvPr id="3" name="Picture 2">
-            <a:extLst>
-              <a:ext uri="{FF2B5EF4-FFF2-40B4-BE49-F238E27FC236}">
-                <a16:creationId xmlns:a16="http://schemas.microsoft.com/office/drawing/2014/main" id="{9E4C374E-9DD0-47F7-970D-CEE78EF35673}"/>
+                <a16:creationId xmlns:a16="http://schemas.microsoft.com/office/drawing/2014/main" id="{C2CD6A36-F468-4805-9790-6910469AD742}"/>
               </a:ext>
             </a:extLst>
           </p:cNvPr>
@@ -27159,8 +26970,8 @@
         </p:blipFill>
         <p:spPr>
           <a:xfrm>
-            <a:off x="1913354" y="799823"/>
-            <a:ext cx="4928493" cy="2600006"/>
+            <a:off x="1625915" y="901781"/>
+            <a:ext cx="5892169" cy="1434278"/>
           </a:xfrm>
           <a:prstGeom prst="rect">
             <a:avLst/>
@@ -27169,52 +26980,191 @@
       </p:pic>
       <p:sp>
         <p:nvSpPr>
-          <p:cNvPr id="5" name="Rectangle 4">
+          <p:cNvPr id="9" name="Text Placeholder 2">
             <a:extLst>
               <a:ext uri="{FF2B5EF4-FFF2-40B4-BE49-F238E27FC236}">
-                <a16:creationId xmlns:a16="http://schemas.microsoft.com/office/drawing/2014/main" id="{F3E2699D-6543-4EEF-94A7-DE0379CA2D72}"/>
+                <a16:creationId xmlns:a16="http://schemas.microsoft.com/office/drawing/2014/main" id="{BECFC77B-6DD8-4F54-8E01-9C253CB35BC4}"/>
               </a:ext>
             </a:extLst>
           </p:cNvPr>
-          <p:cNvSpPr/>
+          <p:cNvSpPr txBox="1">
+            <a:spLocks/>
+          </p:cNvSpPr>
           <p:nvPr/>
         </p:nvSpPr>
         <p:spPr>
           <a:xfrm>
-            <a:off x="1906681" y="3070250"/>
-            <a:ext cx="4273863" cy="314184"/>
-          </a:xfrm>
-          <a:prstGeom prst="rect">
-            <a:avLst/>
-          </a:prstGeom>
-          <a:noFill/>
-          <a:ln w="38100">
-            <a:solidFill>
-              <a:schemeClr val="tx2"/>
-            </a:solidFill>
-          </a:ln>
-          <a:effectLst/>
-        </p:spPr>
-        <p:style>
-          <a:lnRef idx="1">
-            <a:schemeClr val="accent1"/>
-          </a:lnRef>
-          <a:fillRef idx="3">
-            <a:schemeClr val="accent1"/>
-          </a:fillRef>
-          <a:effectRef idx="2">
-            <a:schemeClr val="accent1"/>
-          </a:effectRef>
-          <a:fontRef idx="minor">
-            <a:schemeClr val="lt1"/>
-          </a:fontRef>
-        </p:style>
-        <p:txBody>
-          <a:bodyPr rtlCol="0" anchor="ctr"/>
-          <a:lstStyle/>
-          <a:p>
-            <a:pPr algn="ctr"/>
-            <a:endParaRPr lang="en-GB"/>
+            <a:off x="237061" y="2589840"/>
+            <a:ext cx="8589439" cy="2409659"/>
+          </a:xfrm>
+          <a:prstGeom prst="rect">
+            <a:avLst/>
+          </a:prstGeom>
+        </p:spPr>
+        <p:txBody>
+          <a:bodyPr vert="horz" anchor="t"/>
+          <a:lstStyle>
+            <a:lvl1pPr marL="0" indent="0" algn="l" defTabSz="457200" rtl="0" eaLnBrk="1" latinLnBrk="0" hangingPunct="1">
+              <a:spcBef>
+                <a:spcPts val="0"/>
+              </a:spcBef>
+              <a:buFont typeface="Arial"/>
+              <a:buNone/>
+              <a:defRPr sz="2400" kern="1200" baseline="0">
+                <a:solidFill>
+                  <a:schemeClr val="tx1"/>
+                </a:solidFill>
+                <a:latin typeface="Arial" pitchFamily="34" charset="0"/>
+                <a:ea typeface="+mn-ea"/>
+                <a:cs typeface="Arial" pitchFamily="34" charset="0"/>
+              </a:defRPr>
+            </a:lvl1pPr>
+            <a:lvl2pPr marL="457200" indent="0" algn="l" defTabSz="457200" rtl="0" eaLnBrk="1" latinLnBrk="0" hangingPunct="1">
+              <a:spcBef>
+                <a:spcPct val="20000"/>
+              </a:spcBef>
+              <a:buFont typeface="Arial"/>
+              <a:buNone/>
+              <a:defRPr sz="2400" kern="1200">
+                <a:solidFill>
+                  <a:schemeClr val="tx1"/>
+                </a:solidFill>
+                <a:latin typeface="+mn-lt"/>
+                <a:ea typeface="+mn-ea"/>
+                <a:cs typeface="+mn-cs"/>
+              </a:defRPr>
+            </a:lvl2pPr>
+            <a:lvl3pPr marL="914400" indent="0" algn="l" defTabSz="457200" rtl="0" eaLnBrk="1" latinLnBrk="0" hangingPunct="1">
+              <a:spcBef>
+                <a:spcPct val="20000"/>
+              </a:spcBef>
+              <a:buFont typeface="Arial"/>
+              <a:buNone/>
+              <a:defRPr sz="2400" kern="1200">
+                <a:solidFill>
+                  <a:schemeClr val="tx1"/>
+                </a:solidFill>
+                <a:latin typeface="+mn-lt"/>
+                <a:ea typeface="+mn-ea"/>
+                <a:cs typeface="+mn-cs"/>
+              </a:defRPr>
+            </a:lvl3pPr>
+            <a:lvl4pPr marL="1371600" indent="0" algn="l" defTabSz="457200" rtl="0" eaLnBrk="1" latinLnBrk="0" hangingPunct="1">
+              <a:spcBef>
+                <a:spcPct val="20000"/>
+              </a:spcBef>
+              <a:buFont typeface="Arial"/>
+              <a:buNone/>
+              <a:defRPr sz="2400" kern="1200">
+                <a:solidFill>
+                  <a:schemeClr val="tx1"/>
+                </a:solidFill>
+                <a:latin typeface="+mn-lt"/>
+                <a:ea typeface="+mn-ea"/>
+                <a:cs typeface="+mn-cs"/>
+              </a:defRPr>
+            </a:lvl4pPr>
+            <a:lvl5pPr marL="1828800" indent="0" algn="l" defTabSz="457200" rtl="0" eaLnBrk="1" latinLnBrk="0" hangingPunct="1">
+              <a:spcBef>
+                <a:spcPct val="20000"/>
+              </a:spcBef>
+              <a:buFont typeface="Arial"/>
+              <a:buNone/>
+              <a:defRPr sz="2400" kern="1200">
+                <a:solidFill>
+                  <a:schemeClr val="tx1"/>
+                </a:solidFill>
+                <a:latin typeface="+mn-lt"/>
+                <a:ea typeface="+mn-ea"/>
+                <a:cs typeface="+mn-cs"/>
+              </a:defRPr>
+            </a:lvl5pPr>
+            <a:lvl6pPr marL="2514600" indent="-228600" algn="l" defTabSz="457200" rtl="0" eaLnBrk="1" latinLnBrk="0" hangingPunct="1">
+              <a:spcBef>
+                <a:spcPct val="20000"/>
+              </a:spcBef>
+              <a:buFont typeface="Arial"/>
+              <a:buChar char="•"/>
+              <a:defRPr sz="2000" kern="1200">
+                <a:solidFill>
+                  <a:schemeClr val="tx1"/>
+                </a:solidFill>
+                <a:latin typeface="+mn-lt"/>
+                <a:ea typeface="+mn-ea"/>
+                <a:cs typeface="+mn-cs"/>
+              </a:defRPr>
+            </a:lvl6pPr>
+            <a:lvl7pPr marL="2971800" indent="-228600" algn="l" defTabSz="457200" rtl="0" eaLnBrk="1" latinLnBrk="0" hangingPunct="1">
+              <a:spcBef>
+                <a:spcPct val="20000"/>
+              </a:spcBef>
+              <a:buFont typeface="Arial"/>
+              <a:buChar char="•"/>
+              <a:defRPr sz="2000" kern="1200">
+                <a:solidFill>
+                  <a:schemeClr val="tx1"/>
+                </a:solidFill>
+                <a:latin typeface="+mn-lt"/>
+                <a:ea typeface="+mn-ea"/>
+                <a:cs typeface="+mn-cs"/>
+              </a:defRPr>
+            </a:lvl7pPr>
+            <a:lvl8pPr marL="3429000" indent="-228600" algn="l" defTabSz="457200" rtl="0" eaLnBrk="1" latinLnBrk="0" hangingPunct="1">
+              <a:spcBef>
+                <a:spcPct val="20000"/>
+              </a:spcBef>
+              <a:buFont typeface="Arial"/>
+              <a:buChar char="•"/>
+              <a:defRPr sz="2000" kern="1200">
+                <a:solidFill>
+                  <a:schemeClr val="tx1"/>
+                </a:solidFill>
+                <a:latin typeface="+mn-lt"/>
+                <a:ea typeface="+mn-ea"/>
+                <a:cs typeface="+mn-cs"/>
+              </a:defRPr>
+            </a:lvl8pPr>
+            <a:lvl9pPr marL="3886200" indent="-228600" algn="l" defTabSz="457200" rtl="0" eaLnBrk="1" latinLnBrk="0" hangingPunct="1">
+              <a:spcBef>
+                <a:spcPct val="20000"/>
+              </a:spcBef>
+              <a:buFont typeface="Arial"/>
+              <a:buChar char="•"/>
+              <a:defRPr sz="2000" kern="1200">
+                <a:solidFill>
+                  <a:schemeClr val="tx1"/>
+                </a:solidFill>
+                <a:latin typeface="+mn-lt"/>
+                <a:ea typeface="+mn-ea"/>
+                <a:cs typeface="+mn-cs"/>
+              </a:defRPr>
+            </a:lvl9pPr>
+          </a:lstStyle>
+          <a:p>
+            <a:pPr marL="342900" indent="-342900">
+              <a:buFont typeface="Arial"/>
+              <a:buChar char="•"/>
+            </a:pPr>
+            <a:r>
+              <a:rPr lang="en-GB" sz="2000" dirty="0">
+                <a:latin typeface="Arial"/>
+                <a:cs typeface="Arial"/>
+              </a:rPr>
+              <a:t>What could go wrong with the above code?</a:t>
+            </a:r>
+          </a:p>
+          <a:p>
+            <a:pPr marL="342900" indent="-342900">
+              <a:buFont typeface="Arial"/>
+              <a:buChar char="•"/>
+            </a:pPr>
+            <a:r>
+              <a:rPr lang="en-GB" sz="2000" dirty="0">
+                <a:latin typeface="Arial"/>
+                <a:cs typeface="Arial"/>
+              </a:rPr>
+              <a:t>Hint: are there any inputs the user could give to cause an error?</a:t>
+            </a:r>
           </a:p>
         </p:txBody>
       </p:sp>
@@ -27223,7 +27173,7 @@
           <p:cNvPr id="10" name="Picture 9">
             <a:extLst>
               <a:ext uri="{FF2B5EF4-FFF2-40B4-BE49-F238E27FC236}">
-                <a16:creationId xmlns:a16="http://schemas.microsoft.com/office/drawing/2014/main" id="{4DEBDB1A-F4DA-49CD-BDBC-731E0FFE3E0C}"/>
+                <a16:creationId xmlns:a16="http://schemas.microsoft.com/office/drawing/2014/main" id="{5D88D8DE-49AD-4C78-96E5-E89CFBC05377}"/>
               </a:ext>
             </a:extLst>
           </p:cNvPr>
@@ -27250,7 +27200,7 @@
     </p:spTree>
     <p:extLst>
       <p:ext uri="{BB962C8B-B14F-4D97-AF65-F5344CB8AC3E}">
-        <p14:creationId xmlns:p14="http://schemas.microsoft.com/office/powerpoint/2010/main" val="4188554324"/>
+        <p14:creationId xmlns:p14="http://schemas.microsoft.com/office/powerpoint/2010/main" val="1842913658"/>
       </p:ext>
     </p:extLst>
   </p:cSld>
@@ -27303,7 +27253,7 @@
                 <a:latin typeface="Arial"/>
                 <a:cs typeface="Arial"/>
               </a:rPr>
-              <a:t>Summation</a:t>
+              <a:t>Variable Types Puzzles Solutions</a:t>
             </a:r>
             <a:endParaRPr lang="en-GB" dirty="0"/>
           </a:p>
@@ -27355,8 +27305,8 @@
         </p:nvSpPr>
         <p:spPr>
           <a:xfrm>
-            <a:off x="237061" y="648000"/>
-            <a:ext cx="8589439" cy="4351499"/>
+            <a:off x="237061" y="3551652"/>
+            <a:ext cx="8589439" cy="1447847"/>
           </a:xfrm>
           <a:prstGeom prst="rect">
             <a:avLst/>
@@ -27511,7 +27461,7 @@
                 <a:latin typeface="Arial"/>
                 <a:cs typeface="Arial"/>
               </a:rPr>
-              <a:t>Python is able to find the sum of a collection of numbers using the sum() function</a:t>
+              <a:t>If the user enters non-numeric input, it will be impossible to convert it to an integer and so Python will throw an error message</a:t>
             </a:r>
           </a:p>
           <a:p>
@@ -27524,69 +27474,98 @@
                 <a:latin typeface="Arial"/>
                 <a:cs typeface="Arial"/>
               </a:rPr>
-              <a:t>All we need is a way to store this collection of numbers</a:t>
-            </a:r>
-          </a:p>
-          <a:p>
-            <a:pPr marL="342900" indent="-342900">
-              <a:buFont typeface="Arial"/>
-              <a:buChar char="•"/>
-            </a:pPr>
-            <a:r>
-              <a:rPr lang="en-GB" sz="2000" dirty="0">
-                <a:latin typeface="Arial"/>
-                <a:cs typeface="Arial"/>
-              </a:rPr>
-              <a:t>One method is using a special type of variable called a list</a:t>
-            </a:r>
-          </a:p>
-          <a:p>
-            <a:pPr marL="342900" indent="-342900">
-              <a:buFont typeface="Arial"/>
-              <a:buChar char="•"/>
-            </a:pPr>
-            <a:r>
-              <a:rPr lang="en-GB" sz="2000" dirty="0">
-                <a:latin typeface="Arial"/>
-                <a:cs typeface="Arial"/>
-              </a:rPr>
-              <a:t>We’ll cover these in more detail in a later lesson</a:t>
-            </a:r>
-          </a:p>
-          <a:p>
-            <a:pPr marL="342900" indent="-342900">
-              <a:buFont typeface="Arial"/>
-              <a:buChar char="•"/>
-            </a:pPr>
-            <a:r>
-              <a:rPr lang="en-GB" sz="2000" dirty="0">
-                <a:latin typeface="Arial"/>
-                <a:cs typeface="Arial"/>
-              </a:rPr>
-              <a:t>For now, all you need to know is that you create a list by filling a set of square brackets with a comma-separated sequence of values</a:t>
-            </a:r>
-          </a:p>
-          <a:p>
-            <a:pPr marL="342900" indent="-342900">
-              <a:buFont typeface="Arial"/>
-              <a:buChar char="•"/>
-            </a:pPr>
-            <a:r>
-              <a:rPr lang="en-GB" sz="2000" dirty="0">
-                <a:latin typeface="Arial"/>
-                <a:cs typeface="Arial"/>
-              </a:rPr>
-              <a:t>We can then use a list as the input to sum()</a:t>
+              <a:t>We’ll learn how to avoid this by validating user input later in the course</a:t>
             </a:r>
           </a:p>
         </p:txBody>
       </p:sp>
       <p:pic>
         <p:nvPicPr>
-          <p:cNvPr id="7" name="Picture 6">
+          <p:cNvPr id="3" name="Picture 2">
             <a:extLst>
               <a:ext uri="{FF2B5EF4-FFF2-40B4-BE49-F238E27FC236}">
-                <a16:creationId xmlns:a16="http://schemas.microsoft.com/office/drawing/2014/main" id="{90A0D736-6095-48B0-8F4C-E4B4C1B254BE}"/>
+                <a16:creationId xmlns:a16="http://schemas.microsoft.com/office/drawing/2014/main" id="{9E4C374E-9DD0-47F7-970D-CEE78EF35673}"/>
+              </a:ext>
+            </a:extLst>
+          </p:cNvPr>
+          <p:cNvPicPr>
+            <a:picLocks noChangeAspect="1"/>
+          </p:cNvPicPr>
+          <p:nvPr/>
+        </p:nvPicPr>
+        <p:blipFill>
+          <a:blip r:embed="rId2"/>
+          <a:stretch>
+            <a:fillRect/>
+          </a:stretch>
+        </p:blipFill>
+        <p:spPr>
+          <a:xfrm>
+            <a:off x="1913354" y="799823"/>
+            <a:ext cx="4928493" cy="2600006"/>
+          </a:xfrm>
+          <a:prstGeom prst="rect">
+            <a:avLst/>
+          </a:prstGeom>
+        </p:spPr>
+      </p:pic>
+      <p:sp>
+        <p:nvSpPr>
+          <p:cNvPr id="5" name="Rectangle 4">
+            <a:extLst>
+              <a:ext uri="{FF2B5EF4-FFF2-40B4-BE49-F238E27FC236}">
+                <a16:creationId xmlns:a16="http://schemas.microsoft.com/office/drawing/2014/main" id="{F3E2699D-6543-4EEF-94A7-DE0379CA2D72}"/>
+              </a:ext>
+            </a:extLst>
+          </p:cNvPr>
+          <p:cNvSpPr/>
+          <p:nvPr/>
+        </p:nvSpPr>
+        <p:spPr>
+          <a:xfrm>
+            <a:off x="1906681" y="3070250"/>
+            <a:ext cx="4273863" cy="314184"/>
+          </a:xfrm>
+          <a:prstGeom prst="rect">
+            <a:avLst/>
+          </a:prstGeom>
+          <a:noFill/>
+          <a:ln w="38100">
+            <a:solidFill>
+              <a:schemeClr val="tx2"/>
+            </a:solidFill>
+          </a:ln>
+          <a:effectLst/>
+        </p:spPr>
+        <p:style>
+          <a:lnRef idx="1">
+            <a:schemeClr val="accent1"/>
+          </a:lnRef>
+          <a:fillRef idx="3">
+            <a:schemeClr val="accent1"/>
+          </a:fillRef>
+          <a:effectRef idx="2">
+            <a:schemeClr val="accent1"/>
+          </a:effectRef>
+          <a:fontRef idx="minor">
+            <a:schemeClr val="lt1"/>
+          </a:fontRef>
+        </p:style>
+        <p:txBody>
+          <a:bodyPr rtlCol="0" anchor="ctr"/>
+          <a:lstStyle/>
+          <a:p>
+            <a:pPr algn="ctr"/>
+            <a:endParaRPr lang="en-GB"/>
+          </a:p>
+        </p:txBody>
+      </p:sp>
+      <p:pic>
+        <p:nvPicPr>
+          <p:cNvPr id="10" name="Picture 9">
+            <a:extLst>
+              <a:ext uri="{FF2B5EF4-FFF2-40B4-BE49-F238E27FC236}">
+                <a16:creationId xmlns:a16="http://schemas.microsoft.com/office/drawing/2014/main" id="{4DEBDB1A-F4DA-49CD-BDBC-731E0FFE3E0C}"/>
               </a:ext>
             </a:extLst>
           </p:cNvPr>
@@ -27596,7 +27575,7 @@
           <p:nvPr/>
         </p:nvPicPr>
         <p:blipFill rotWithShape="1">
-          <a:blip r:embed="rId2"/>
+          <a:blip r:embed="rId3"/>
           <a:srcRect l="2982" t="3174" r="2869" b="2900"/>
           <a:stretch/>
         </p:blipFill>
@@ -27606,36 +27585,6 @@
             <a:ext cx="498106" cy="496941"/>
           </a:xfrm>
           <a:prstGeom prst="ellipse">
-            <a:avLst/>
-          </a:prstGeom>
-        </p:spPr>
-      </p:pic>
-      <p:pic>
-        <p:nvPicPr>
-          <p:cNvPr id="6" name="Picture 5">
-            <a:extLst>
-              <a:ext uri="{FF2B5EF4-FFF2-40B4-BE49-F238E27FC236}">
-                <a16:creationId xmlns:a16="http://schemas.microsoft.com/office/drawing/2014/main" id="{14E2F2CC-87F0-4D86-B46B-D50EF938B590}"/>
-              </a:ext>
-            </a:extLst>
-          </p:cNvPr>
-          <p:cNvPicPr>
-            <a:picLocks noChangeAspect="1"/>
-          </p:cNvPicPr>
-          <p:nvPr/>
-        </p:nvPicPr>
-        <p:blipFill>
-          <a:blip r:embed="rId3"/>
-          <a:stretch>
-            <a:fillRect/>
-          </a:stretch>
-        </p:blipFill>
-        <p:spPr>
-          <a:xfrm>
-            <a:off x="3212567" y="3351328"/>
-            <a:ext cx="2638425" cy="1495425"/>
-          </a:xfrm>
-          <a:prstGeom prst="rect">
             <a:avLst/>
           </a:prstGeom>
         </p:spPr>
@@ -27643,7 +27592,7 @@
     </p:spTree>
     <p:extLst>
       <p:ext uri="{BB962C8B-B14F-4D97-AF65-F5344CB8AC3E}">
-        <p14:creationId xmlns:p14="http://schemas.microsoft.com/office/powerpoint/2010/main" val="2567102348"/>
+        <p14:creationId xmlns:p14="http://schemas.microsoft.com/office/powerpoint/2010/main" val="4188554324"/>
       </p:ext>
     </p:extLst>
   </p:cSld>
@@ -27696,7 +27645,7 @@
                 <a:latin typeface="Arial"/>
                 <a:cs typeface="Arial"/>
               </a:rPr>
-              <a:t>Summation Puzzles</a:t>
+              <a:t>Summation</a:t>
             </a:r>
             <a:endParaRPr lang="en-GB" dirty="0"/>
           </a:p>
@@ -27904,7 +27853,7 @@
                 <a:latin typeface="Arial"/>
                 <a:cs typeface="Arial"/>
               </a:rPr>
-              <a:t>Create a list variable containing the values 193, 452, 67, 891, and 10</a:t>
+              <a:t>Python is able to find the sum of a collection of numbers using the sum() function</a:t>
             </a:r>
           </a:p>
           <a:p>
@@ -27917,7 +27866,7 @@
                 <a:latin typeface="Arial"/>
                 <a:cs typeface="Arial"/>
               </a:rPr>
-              <a:t>Find the sum of this list and store it in a variable</a:t>
+              <a:t>All we need is a way to store this collection of numbers</a:t>
             </a:r>
           </a:p>
           <a:p>
@@ -27930,7 +27879,7 @@
                 <a:latin typeface="Arial"/>
                 <a:cs typeface="Arial"/>
               </a:rPr>
-              <a:t>Print out the sum in the following format, replacing #### with the actual total (no spoilers here!):</a:t>
+              <a:t>One method is using a special type of variable called a list</a:t>
             </a:r>
           </a:p>
           <a:p>
@@ -27938,61 +27887,39 @@
               <a:buFont typeface="Arial"/>
               <a:buChar char="•"/>
             </a:pPr>
-            <a:endParaRPr lang="en-GB" sz="2000" dirty="0">
-              <a:latin typeface="Arial"/>
-              <a:cs typeface="Arial"/>
-            </a:endParaRPr>
-          </a:p>
-          <a:p>
-            <a:pPr algn="ctr"/>
-            <a:r>
-              <a:rPr lang="en-GB" sz="2000" b="1" dirty="0">
-                <a:latin typeface="Arial"/>
-                <a:cs typeface="Arial"/>
-              </a:rPr>
-              <a:t>The total of your numbers was ####</a:t>
-            </a:r>
-          </a:p>
-          <a:p>
-            <a:pPr marL="342900" indent="-342900">
-              <a:buFont typeface="Arial" panose="020B0604020202020204" pitchFamily="34" charset="0"/>
-              <a:buChar char="•"/>
-            </a:pPr>
-            <a:endParaRPr lang="en-GB" sz="2000" dirty="0">
-              <a:latin typeface="Arial"/>
-              <a:cs typeface="Arial"/>
-            </a:endParaRPr>
-          </a:p>
-          <a:p>
-            <a:pPr marL="342900" indent="-342900">
-              <a:buFont typeface="Arial" panose="020B0604020202020204" pitchFamily="34" charset="0"/>
-              <a:buChar char="•"/>
-            </a:pPr>
-            <a:r>
-              <a:rPr lang="en-GB" sz="2000" b="1" dirty="0">
-                <a:latin typeface="Arial"/>
-                <a:cs typeface="Arial"/>
-              </a:rPr>
-              <a:t>Bonus:</a:t>
-            </a:r>
             <a:r>
               <a:rPr lang="en-GB" sz="2000" dirty="0">
                 <a:latin typeface="Arial"/>
                 <a:cs typeface="Arial"/>
               </a:rPr>
-              <a:t> Check that it’s okay for a list to contain negative numbers and floats as well as integers, and that you can still calculate the total</a:t>
-            </a:r>
-            <a:endParaRPr lang="en-GB" sz="2000" b="1" dirty="0">
-              <a:latin typeface="Arial"/>
-              <a:cs typeface="Arial"/>
-            </a:endParaRPr>
-          </a:p>
-          <a:p>
-            <a:pPr algn="ctr"/>
-            <a:endParaRPr lang="en-GB" sz="2000" b="1" dirty="0">
-              <a:latin typeface="Arial"/>
-              <a:cs typeface="Arial"/>
-            </a:endParaRPr>
+              <a:t>We’ll cover these in more detail in a later lesson</a:t>
+            </a:r>
+          </a:p>
+          <a:p>
+            <a:pPr marL="342900" indent="-342900">
+              <a:buFont typeface="Arial"/>
+              <a:buChar char="•"/>
+            </a:pPr>
+            <a:r>
+              <a:rPr lang="en-GB" sz="2000" dirty="0">
+                <a:latin typeface="Arial"/>
+                <a:cs typeface="Arial"/>
+              </a:rPr>
+              <a:t>For now, all you need to know is that you create a list by filling a set of square brackets with a comma-separated sequence of values</a:t>
+            </a:r>
+          </a:p>
+          <a:p>
+            <a:pPr marL="342900" indent="-342900">
+              <a:buFont typeface="Arial"/>
+              <a:buChar char="•"/>
+            </a:pPr>
+            <a:r>
+              <a:rPr lang="en-GB" sz="2000" dirty="0">
+                <a:latin typeface="Arial"/>
+                <a:cs typeface="Arial"/>
+              </a:rPr>
+              <a:t>We can then use a list as the input to sum()</a:t>
+            </a:r>
           </a:p>
         </p:txBody>
       </p:sp>
@@ -28025,10 +27952,40 @@
           </a:prstGeom>
         </p:spPr>
       </p:pic>
+      <p:pic>
+        <p:nvPicPr>
+          <p:cNvPr id="6" name="Picture 5">
+            <a:extLst>
+              <a:ext uri="{FF2B5EF4-FFF2-40B4-BE49-F238E27FC236}">
+                <a16:creationId xmlns:a16="http://schemas.microsoft.com/office/drawing/2014/main" id="{14E2F2CC-87F0-4D86-B46B-D50EF938B590}"/>
+              </a:ext>
+            </a:extLst>
+          </p:cNvPr>
+          <p:cNvPicPr>
+            <a:picLocks noChangeAspect="1"/>
+          </p:cNvPicPr>
+          <p:nvPr/>
+        </p:nvPicPr>
+        <p:blipFill>
+          <a:blip r:embed="rId3"/>
+          <a:stretch>
+            <a:fillRect/>
+          </a:stretch>
+        </p:blipFill>
+        <p:spPr>
+          <a:xfrm>
+            <a:off x="3212567" y="3351328"/>
+            <a:ext cx="2638425" cy="1495425"/>
+          </a:xfrm>
+          <a:prstGeom prst="rect">
+            <a:avLst/>
+          </a:prstGeom>
+        </p:spPr>
+      </p:pic>
     </p:spTree>
     <p:extLst>
       <p:ext uri="{BB962C8B-B14F-4D97-AF65-F5344CB8AC3E}">
-        <p14:creationId xmlns:p14="http://schemas.microsoft.com/office/powerpoint/2010/main" val="1905142422"/>
+        <p14:creationId xmlns:p14="http://schemas.microsoft.com/office/powerpoint/2010/main" val="2567102348"/>
       </p:ext>
     </p:extLst>
   </p:cSld>
@@ -28081,7 +28038,7 @@
                 <a:latin typeface="Arial"/>
                 <a:cs typeface="Arial"/>
               </a:rPr>
-              <a:t>Summation Puzzles Solutions</a:t>
+              <a:t>Summation Puzzles</a:t>
             </a:r>
             <a:endParaRPr lang="en-GB" dirty="0"/>
           </a:p>
@@ -28114,6 +28071,270 @@
               <a:t>13</a:t>
             </a:fld>
             <a:endParaRPr lang="en-GB"/>
+          </a:p>
+        </p:txBody>
+      </p:sp>
+      <p:sp>
+        <p:nvSpPr>
+          <p:cNvPr id="9" name="Text Placeholder 2">
+            <a:extLst>
+              <a:ext uri="{FF2B5EF4-FFF2-40B4-BE49-F238E27FC236}">
+                <a16:creationId xmlns:a16="http://schemas.microsoft.com/office/drawing/2014/main" id="{BECFC77B-6DD8-4F54-8E01-9C253CB35BC4}"/>
+              </a:ext>
+            </a:extLst>
+          </p:cNvPr>
+          <p:cNvSpPr txBox="1">
+            <a:spLocks/>
+          </p:cNvSpPr>
+          <p:nvPr/>
+        </p:nvSpPr>
+        <p:spPr>
+          <a:xfrm>
+            <a:off x="237061" y="648000"/>
+            <a:ext cx="8589439" cy="4351499"/>
+          </a:xfrm>
+          <a:prstGeom prst="rect">
+            <a:avLst/>
+          </a:prstGeom>
+        </p:spPr>
+        <p:txBody>
+          <a:bodyPr vert="horz" anchor="t"/>
+          <a:lstStyle>
+            <a:lvl1pPr marL="0" indent="0" algn="l" defTabSz="457200" rtl="0" eaLnBrk="1" latinLnBrk="0" hangingPunct="1">
+              <a:spcBef>
+                <a:spcPts val="0"/>
+              </a:spcBef>
+              <a:buFont typeface="Arial"/>
+              <a:buNone/>
+              <a:defRPr sz="2400" kern="1200" baseline="0">
+                <a:solidFill>
+                  <a:schemeClr val="tx1"/>
+                </a:solidFill>
+                <a:latin typeface="Arial" pitchFamily="34" charset="0"/>
+                <a:ea typeface="+mn-ea"/>
+                <a:cs typeface="Arial" pitchFamily="34" charset="0"/>
+              </a:defRPr>
+            </a:lvl1pPr>
+            <a:lvl2pPr marL="457200" indent="0" algn="l" defTabSz="457200" rtl="0" eaLnBrk="1" latinLnBrk="0" hangingPunct="1">
+              <a:spcBef>
+                <a:spcPct val="20000"/>
+              </a:spcBef>
+              <a:buFont typeface="Arial"/>
+              <a:buNone/>
+              <a:defRPr sz="2400" kern="1200">
+                <a:solidFill>
+                  <a:schemeClr val="tx1"/>
+                </a:solidFill>
+                <a:latin typeface="+mn-lt"/>
+                <a:ea typeface="+mn-ea"/>
+                <a:cs typeface="+mn-cs"/>
+              </a:defRPr>
+            </a:lvl2pPr>
+            <a:lvl3pPr marL="914400" indent="0" algn="l" defTabSz="457200" rtl="0" eaLnBrk="1" latinLnBrk="0" hangingPunct="1">
+              <a:spcBef>
+                <a:spcPct val="20000"/>
+              </a:spcBef>
+              <a:buFont typeface="Arial"/>
+              <a:buNone/>
+              <a:defRPr sz="2400" kern="1200">
+                <a:solidFill>
+                  <a:schemeClr val="tx1"/>
+                </a:solidFill>
+                <a:latin typeface="+mn-lt"/>
+                <a:ea typeface="+mn-ea"/>
+                <a:cs typeface="+mn-cs"/>
+              </a:defRPr>
+            </a:lvl3pPr>
+            <a:lvl4pPr marL="1371600" indent="0" algn="l" defTabSz="457200" rtl="0" eaLnBrk="1" latinLnBrk="0" hangingPunct="1">
+              <a:spcBef>
+                <a:spcPct val="20000"/>
+              </a:spcBef>
+              <a:buFont typeface="Arial"/>
+              <a:buNone/>
+              <a:defRPr sz="2400" kern="1200">
+                <a:solidFill>
+                  <a:schemeClr val="tx1"/>
+                </a:solidFill>
+                <a:latin typeface="+mn-lt"/>
+                <a:ea typeface="+mn-ea"/>
+                <a:cs typeface="+mn-cs"/>
+              </a:defRPr>
+            </a:lvl4pPr>
+            <a:lvl5pPr marL="1828800" indent="0" algn="l" defTabSz="457200" rtl="0" eaLnBrk="1" latinLnBrk="0" hangingPunct="1">
+              <a:spcBef>
+                <a:spcPct val="20000"/>
+              </a:spcBef>
+              <a:buFont typeface="Arial"/>
+              <a:buNone/>
+              <a:defRPr sz="2400" kern="1200">
+                <a:solidFill>
+                  <a:schemeClr val="tx1"/>
+                </a:solidFill>
+                <a:latin typeface="+mn-lt"/>
+                <a:ea typeface="+mn-ea"/>
+                <a:cs typeface="+mn-cs"/>
+              </a:defRPr>
+            </a:lvl5pPr>
+            <a:lvl6pPr marL="2514600" indent="-228600" algn="l" defTabSz="457200" rtl="0" eaLnBrk="1" latinLnBrk="0" hangingPunct="1">
+              <a:spcBef>
+                <a:spcPct val="20000"/>
+              </a:spcBef>
+              <a:buFont typeface="Arial"/>
+              <a:buChar char="•"/>
+              <a:defRPr sz="2000" kern="1200">
+                <a:solidFill>
+                  <a:schemeClr val="tx1"/>
+                </a:solidFill>
+                <a:latin typeface="+mn-lt"/>
+                <a:ea typeface="+mn-ea"/>
+                <a:cs typeface="+mn-cs"/>
+              </a:defRPr>
+            </a:lvl6pPr>
+            <a:lvl7pPr marL="2971800" indent="-228600" algn="l" defTabSz="457200" rtl="0" eaLnBrk="1" latinLnBrk="0" hangingPunct="1">
+              <a:spcBef>
+                <a:spcPct val="20000"/>
+              </a:spcBef>
+              <a:buFont typeface="Arial"/>
+              <a:buChar char="•"/>
+              <a:defRPr sz="2000" kern="1200">
+                <a:solidFill>
+                  <a:schemeClr val="tx1"/>
+                </a:solidFill>
+                <a:latin typeface="+mn-lt"/>
+                <a:ea typeface="+mn-ea"/>
+                <a:cs typeface="+mn-cs"/>
+              </a:defRPr>
+            </a:lvl7pPr>
+            <a:lvl8pPr marL="3429000" indent="-228600" algn="l" defTabSz="457200" rtl="0" eaLnBrk="1" latinLnBrk="0" hangingPunct="1">
+              <a:spcBef>
+                <a:spcPct val="20000"/>
+              </a:spcBef>
+              <a:buFont typeface="Arial"/>
+              <a:buChar char="•"/>
+              <a:defRPr sz="2000" kern="1200">
+                <a:solidFill>
+                  <a:schemeClr val="tx1"/>
+                </a:solidFill>
+                <a:latin typeface="+mn-lt"/>
+                <a:ea typeface="+mn-ea"/>
+                <a:cs typeface="+mn-cs"/>
+              </a:defRPr>
+            </a:lvl8pPr>
+            <a:lvl9pPr marL="3886200" indent="-228600" algn="l" defTabSz="457200" rtl="0" eaLnBrk="1" latinLnBrk="0" hangingPunct="1">
+              <a:spcBef>
+                <a:spcPct val="20000"/>
+              </a:spcBef>
+              <a:buFont typeface="Arial"/>
+              <a:buChar char="•"/>
+              <a:defRPr sz="2000" kern="1200">
+                <a:solidFill>
+                  <a:schemeClr val="tx1"/>
+                </a:solidFill>
+                <a:latin typeface="+mn-lt"/>
+                <a:ea typeface="+mn-ea"/>
+                <a:cs typeface="+mn-cs"/>
+              </a:defRPr>
+            </a:lvl9pPr>
+          </a:lstStyle>
+          <a:p>
+            <a:pPr marL="342900" indent="-342900">
+              <a:buFont typeface="Arial"/>
+              <a:buChar char="•"/>
+            </a:pPr>
+            <a:r>
+              <a:rPr lang="en-GB" sz="2000" dirty="0">
+                <a:latin typeface="Arial"/>
+                <a:cs typeface="Arial"/>
+              </a:rPr>
+              <a:t>Create a list variable containing the values 193, 452, 67, 891, and 10</a:t>
+            </a:r>
+          </a:p>
+          <a:p>
+            <a:pPr marL="342900" indent="-342900">
+              <a:buFont typeface="Arial"/>
+              <a:buChar char="•"/>
+            </a:pPr>
+            <a:r>
+              <a:rPr lang="en-GB" sz="2000" dirty="0">
+                <a:latin typeface="Arial"/>
+                <a:cs typeface="Arial"/>
+              </a:rPr>
+              <a:t>Find the sum of this list and store it in a variable</a:t>
+            </a:r>
+          </a:p>
+          <a:p>
+            <a:pPr marL="342900" indent="-342900">
+              <a:buFont typeface="Arial"/>
+              <a:buChar char="•"/>
+            </a:pPr>
+            <a:r>
+              <a:rPr lang="en-GB" sz="2000" dirty="0">
+                <a:latin typeface="Arial"/>
+                <a:cs typeface="Arial"/>
+              </a:rPr>
+              <a:t>Print out the sum in the following format, replacing #### with the actual total (no spoilers here!):</a:t>
+            </a:r>
+          </a:p>
+          <a:p>
+            <a:pPr marL="342900" indent="-342900">
+              <a:buFont typeface="Arial"/>
+              <a:buChar char="•"/>
+            </a:pPr>
+            <a:endParaRPr lang="en-GB" sz="2000" dirty="0">
+              <a:latin typeface="Arial"/>
+              <a:cs typeface="Arial"/>
+            </a:endParaRPr>
+          </a:p>
+          <a:p>
+            <a:pPr algn="ctr"/>
+            <a:r>
+              <a:rPr lang="en-GB" sz="2000" b="1" dirty="0">
+                <a:latin typeface="Arial"/>
+                <a:cs typeface="Arial"/>
+              </a:rPr>
+              <a:t>The total of your numbers was ####</a:t>
+            </a:r>
+          </a:p>
+          <a:p>
+            <a:pPr marL="342900" indent="-342900">
+              <a:buFont typeface="Arial" panose="020B0604020202020204" pitchFamily="34" charset="0"/>
+              <a:buChar char="•"/>
+            </a:pPr>
+            <a:endParaRPr lang="en-GB" sz="2000" dirty="0">
+              <a:latin typeface="Arial"/>
+              <a:cs typeface="Arial"/>
+            </a:endParaRPr>
+          </a:p>
+          <a:p>
+            <a:pPr marL="342900" indent="-342900">
+              <a:buFont typeface="Arial" panose="020B0604020202020204" pitchFamily="34" charset="0"/>
+              <a:buChar char="•"/>
+            </a:pPr>
+            <a:r>
+              <a:rPr lang="en-GB" sz="2000" b="1" dirty="0">
+                <a:latin typeface="Arial"/>
+                <a:cs typeface="Arial"/>
+              </a:rPr>
+              <a:t>Bonus:</a:t>
+            </a:r>
+            <a:r>
+              <a:rPr lang="en-GB" sz="2000" dirty="0">
+                <a:latin typeface="Arial"/>
+                <a:cs typeface="Arial"/>
+              </a:rPr>
+              <a:t> Check that it’s okay for a list to contain negative numbers and floats as well as integers, and that you can still calculate the total</a:t>
+            </a:r>
+            <a:endParaRPr lang="en-GB" sz="2000" b="1" dirty="0">
+              <a:latin typeface="Arial"/>
+              <a:cs typeface="Arial"/>
+            </a:endParaRPr>
+          </a:p>
+          <a:p>
+            <a:pPr algn="ctr"/>
+            <a:endParaRPr lang="en-GB" sz="2000" b="1" dirty="0">
+              <a:latin typeface="Arial"/>
+              <a:cs typeface="Arial"/>
+            </a:endParaRPr>
           </a:p>
         </p:txBody>
       </p:sp>
@@ -28146,40 +28367,10 @@
           </a:prstGeom>
         </p:spPr>
       </p:pic>
-      <p:pic>
-        <p:nvPicPr>
-          <p:cNvPr id="3" name="Picture 2">
-            <a:extLst>
-              <a:ext uri="{FF2B5EF4-FFF2-40B4-BE49-F238E27FC236}">
-                <a16:creationId xmlns:a16="http://schemas.microsoft.com/office/drawing/2014/main" id="{E23F9FDE-84C9-44B2-BA21-64B9E7EC24B1}"/>
-              </a:ext>
-            </a:extLst>
-          </p:cNvPr>
-          <p:cNvPicPr>
-            <a:picLocks noChangeAspect="1"/>
-          </p:cNvPicPr>
-          <p:nvPr/>
-        </p:nvPicPr>
-        <p:blipFill>
-          <a:blip r:embed="rId3"/>
-          <a:stretch>
-            <a:fillRect/>
-          </a:stretch>
-        </p:blipFill>
-        <p:spPr>
-          <a:xfrm>
-            <a:off x="1971675" y="1809750"/>
-            <a:ext cx="5200650" cy="1524000"/>
-          </a:xfrm>
-          <a:prstGeom prst="rect">
-            <a:avLst/>
-          </a:prstGeom>
-        </p:spPr>
-      </p:pic>
     </p:spTree>
     <p:extLst>
       <p:ext uri="{BB962C8B-B14F-4D97-AF65-F5344CB8AC3E}">
-        <p14:creationId xmlns:p14="http://schemas.microsoft.com/office/powerpoint/2010/main" val="2142341506"/>
+        <p14:creationId xmlns:p14="http://schemas.microsoft.com/office/powerpoint/2010/main" val="1905142422"/>
       </p:ext>
     </p:extLst>
   </p:cSld>
@@ -28232,7 +28423,7 @@
                 <a:latin typeface="Arial"/>
                 <a:cs typeface="Arial"/>
               </a:rPr>
-              <a:t>Min &amp; Max</a:t>
+              <a:t>Summation Puzzles Solutions</a:t>
             </a:r>
             <a:endParaRPr lang="en-GB" dirty="0"/>
           </a:p>
@@ -28265,209 +28456,6 @@
               <a:t>14</a:t>
             </a:fld>
             <a:endParaRPr lang="en-GB"/>
-          </a:p>
-        </p:txBody>
-      </p:sp>
-      <p:sp>
-        <p:nvSpPr>
-          <p:cNvPr id="9" name="Text Placeholder 2">
-            <a:extLst>
-              <a:ext uri="{FF2B5EF4-FFF2-40B4-BE49-F238E27FC236}">
-                <a16:creationId xmlns:a16="http://schemas.microsoft.com/office/drawing/2014/main" id="{BECFC77B-6DD8-4F54-8E01-9C253CB35BC4}"/>
-              </a:ext>
-            </a:extLst>
-          </p:cNvPr>
-          <p:cNvSpPr txBox="1">
-            <a:spLocks/>
-          </p:cNvSpPr>
-          <p:nvPr/>
-        </p:nvSpPr>
-        <p:spPr>
-          <a:xfrm>
-            <a:off x="237061" y="648000"/>
-            <a:ext cx="8589439" cy="4351499"/>
-          </a:xfrm>
-          <a:prstGeom prst="rect">
-            <a:avLst/>
-          </a:prstGeom>
-        </p:spPr>
-        <p:txBody>
-          <a:bodyPr vert="horz" anchor="t"/>
-          <a:lstStyle>
-            <a:lvl1pPr marL="0" indent="0" algn="l" defTabSz="457200" rtl="0" eaLnBrk="1" latinLnBrk="0" hangingPunct="1">
-              <a:spcBef>
-                <a:spcPts val="0"/>
-              </a:spcBef>
-              <a:buFont typeface="Arial"/>
-              <a:buNone/>
-              <a:defRPr sz="2400" kern="1200" baseline="0">
-                <a:solidFill>
-                  <a:schemeClr val="tx1"/>
-                </a:solidFill>
-                <a:latin typeface="Arial" pitchFamily="34" charset="0"/>
-                <a:ea typeface="+mn-ea"/>
-                <a:cs typeface="Arial" pitchFamily="34" charset="0"/>
-              </a:defRPr>
-            </a:lvl1pPr>
-            <a:lvl2pPr marL="457200" indent="0" algn="l" defTabSz="457200" rtl="0" eaLnBrk="1" latinLnBrk="0" hangingPunct="1">
-              <a:spcBef>
-                <a:spcPct val="20000"/>
-              </a:spcBef>
-              <a:buFont typeface="Arial"/>
-              <a:buNone/>
-              <a:defRPr sz="2400" kern="1200">
-                <a:solidFill>
-                  <a:schemeClr val="tx1"/>
-                </a:solidFill>
-                <a:latin typeface="+mn-lt"/>
-                <a:ea typeface="+mn-ea"/>
-                <a:cs typeface="+mn-cs"/>
-              </a:defRPr>
-            </a:lvl2pPr>
-            <a:lvl3pPr marL="914400" indent="0" algn="l" defTabSz="457200" rtl="0" eaLnBrk="1" latinLnBrk="0" hangingPunct="1">
-              <a:spcBef>
-                <a:spcPct val="20000"/>
-              </a:spcBef>
-              <a:buFont typeface="Arial"/>
-              <a:buNone/>
-              <a:defRPr sz="2400" kern="1200">
-                <a:solidFill>
-                  <a:schemeClr val="tx1"/>
-                </a:solidFill>
-                <a:latin typeface="+mn-lt"/>
-                <a:ea typeface="+mn-ea"/>
-                <a:cs typeface="+mn-cs"/>
-              </a:defRPr>
-            </a:lvl3pPr>
-            <a:lvl4pPr marL="1371600" indent="0" algn="l" defTabSz="457200" rtl="0" eaLnBrk="1" latinLnBrk="0" hangingPunct="1">
-              <a:spcBef>
-                <a:spcPct val="20000"/>
-              </a:spcBef>
-              <a:buFont typeface="Arial"/>
-              <a:buNone/>
-              <a:defRPr sz="2400" kern="1200">
-                <a:solidFill>
-                  <a:schemeClr val="tx1"/>
-                </a:solidFill>
-                <a:latin typeface="+mn-lt"/>
-                <a:ea typeface="+mn-ea"/>
-                <a:cs typeface="+mn-cs"/>
-              </a:defRPr>
-            </a:lvl4pPr>
-            <a:lvl5pPr marL="1828800" indent="0" algn="l" defTabSz="457200" rtl="0" eaLnBrk="1" latinLnBrk="0" hangingPunct="1">
-              <a:spcBef>
-                <a:spcPct val="20000"/>
-              </a:spcBef>
-              <a:buFont typeface="Arial"/>
-              <a:buNone/>
-              <a:defRPr sz="2400" kern="1200">
-                <a:solidFill>
-                  <a:schemeClr val="tx1"/>
-                </a:solidFill>
-                <a:latin typeface="+mn-lt"/>
-                <a:ea typeface="+mn-ea"/>
-                <a:cs typeface="+mn-cs"/>
-              </a:defRPr>
-            </a:lvl5pPr>
-            <a:lvl6pPr marL="2514600" indent="-228600" algn="l" defTabSz="457200" rtl="0" eaLnBrk="1" latinLnBrk="0" hangingPunct="1">
-              <a:spcBef>
-                <a:spcPct val="20000"/>
-              </a:spcBef>
-              <a:buFont typeface="Arial"/>
-              <a:buChar char="•"/>
-              <a:defRPr sz="2000" kern="1200">
-                <a:solidFill>
-                  <a:schemeClr val="tx1"/>
-                </a:solidFill>
-                <a:latin typeface="+mn-lt"/>
-                <a:ea typeface="+mn-ea"/>
-                <a:cs typeface="+mn-cs"/>
-              </a:defRPr>
-            </a:lvl6pPr>
-            <a:lvl7pPr marL="2971800" indent="-228600" algn="l" defTabSz="457200" rtl="0" eaLnBrk="1" latinLnBrk="0" hangingPunct="1">
-              <a:spcBef>
-                <a:spcPct val="20000"/>
-              </a:spcBef>
-              <a:buFont typeface="Arial"/>
-              <a:buChar char="•"/>
-              <a:defRPr sz="2000" kern="1200">
-                <a:solidFill>
-                  <a:schemeClr val="tx1"/>
-                </a:solidFill>
-                <a:latin typeface="+mn-lt"/>
-                <a:ea typeface="+mn-ea"/>
-                <a:cs typeface="+mn-cs"/>
-              </a:defRPr>
-            </a:lvl7pPr>
-            <a:lvl8pPr marL="3429000" indent="-228600" algn="l" defTabSz="457200" rtl="0" eaLnBrk="1" latinLnBrk="0" hangingPunct="1">
-              <a:spcBef>
-                <a:spcPct val="20000"/>
-              </a:spcBef>
-              <a:buFont typeface="Arial"/>
-              <a:buChar char="•"/>
-              <a:defRPr sz="2000" kern="1200">
-                <a:solidFill>
-                  <a:schemeClr val="tx1"/>
-                </a:solidFill>
-                <a:latin typeface="+mn-lt"/>
-                <a:ea typeface="+mn-ea"/>
-                <a:cs typeface="+mn-cs"/>
-              </a:defRPr>
-            </a:lvl8pPr>
-            <a:lvl9pPr marL="3886200" indent="-228600" algn="l" defTabSz="457200" rtl="0" eaLnBrk="1" latinLnBrk="0" hangingPunct="1">
-              <a:spcBef>
-                <a:spcPct val="20000"/>
-              </a:spcBef>
-              <a:buFont typeface="Arial"/>
-              <a:buChar char="•"/>
-              <a:defRPr sz="2000" kern="1200">
-                <a:solidFill>
-                  <a:schemeClr val="tx1"/>
-                </a:solidFill>
-                <a:latin typeface="+mn-lt"/>
-                <a:ea typeface="+mn-ea"/>
-                <a:cs typeface="+mn-cs"/>
-              </a:defRPr>
-            </a:lvl9pPr>
-          </a:lstStyle>
-          <a:p>
-            <a:pPr marL="342900" indent="-342900">
-              <a:buFont typeface="Arial"/>
-              <a:buChar char="•"/>
-            </a:pPr>
-            <a:r>
-              <a:rPr lang="en-GB" sz="2000" dirty="0">
-                <a:latin typeface="Arial"/>
-                <a:cs typeface="Arial"/>
-              </a:rPr>
-              <a:t>Summation is the only thing we can do with lists</a:t>
-            </a:r>
-          </a:p>
-          <a:p>
-            <a:pPr marL="342900" indent="-342900">
-              <a:buFont typeface="Arial"/>
-              <a:buChar char="•"/>
-            </a:pPr>
-            <a:r>
-              <a:rPr lang="en-GB" sz="2000" dirty="0">
-                <a:latin typeface="Arial"/>
-                <a:cs typeface="Arial"/>
-              </a:rPr>
-              <a:t>As well as sum(), Python has two functions min() and max() which (unsurprisingly) find the minimum and maximum item in a list</a:t>
-            </a:r>
-          </a:p>
-          <a:p>
-            <a:pPr marL="342900" indent="-342900">
-              <a:buFont typeface="Arial"/>
-              <a:buChar char="•"/>
-            </a:pPr>
-            <a:r>
-              <a:rPr lang="en-GB" sz="2000" dirty="0">
-                <a:latin typeface="Arial"/>
-                <a:cs typeface="Arial"/>
-              </a:rPr>
-              <a:t>We use them in the exact same way, passing in a list as the input</a:t>
-            </a:r>
           </a:p>
         </p:txBody>
       </p:sp>
@@ -28505,7 +28493,7 @@
           <p:cNvPr id="3" name="Picture 2">
             <a:extLst>
               <a:ext uri="{FF2B5EF4-FFF2-40B4-BE49-F238E27FC236}">
-                <a16:creationId xmlns:a16="http://schemas.microsoft.com/office/drawing/2014/main" id="{59609BFB-29C3-44CE-B142-E3F13990D70D}"/>
+                <a16:creationId xmlns:a16="http://schemas.microsoft.com/office/drawing/2014/main" id="{E23F9FDE-84C9-44B2-BA21-64B9E7EC24B1}"/>
               </a:ext>
             </a:extLst>
           </p:cNvPr>
@@ -28522,68 +28510,8 @@
         </p:blipFill>
         <p:spPr>
           <a:xfrm>
-            <a:off x="1981200" y="2271127"/>
-            <a:ext cx="5181600" cy="476250"/>
-          </a:xfrm>
-          <a:prstGeom prst="rect">
-            <a:avLst/>
-          </a:prstGeom>
-        </p:spPr>
-      </p:pic>
-      <p:pic>
-        <p:nvPicPr>
-          <p:cNvPr id="5" name="Picture 4">
-            <a:extLst>
-              <a:ext uri="{FF2B5EF4-FFF2-40B4-BE49-F238E27FC236}">
-                <a16:creationId xmlns:a16="http://schemas.microsoft.com/office/drawing/2014/main" id="{E5B4408C-5D2D-4CD5-96BA-8063EA953EBA}"/>
-              </a:ext>
-            </a:extLst>
-          </p:cNvPr>
-          <p:cNvPicPr>
-            <a:picLocks noChangeAspect="1"/>
-          </p:cNvPicPr>
-          <p:nvPr/>
-        </p:nvPicPr>
-        <p:blipFill>
-          <a:blip r:embed="rId4"/>
-          <a:stretch>
-            <a:fillRect/>
-          </a:stretch>
-        </p:blipFill>
-        <p:spPr>
-          <a:xfrm>
-            <a:off x="1187844" y="3130176"/>
-            <a:ext cx="3009970" cy="1284254"/>
-          </a:xfrm>
-          <a:prstGeom prst="rect">
-            <a:avLst/>
-          </a:prstGeom>
-        </p:spPr>
-      </p:pic>
-      <p:pic>
-        <p:nvPicPr>
-          <p:cNvPr id="6" name="Picture 5">
-            <a:extLst>
-              <a:ext uri="{FF2B5EF4-FFF2-40B4-BE49-F238E27FC236}">
-                <a16:creationId xmlns:a16="http://schemas.microsoft.com/office/drawing/2014/main" id="{47517E68-9736-407A-A5BD-607CAAC0D637}"/>
-              </a:ext>
-            </a:extLst>
-          </p:cNvPr>
-          <p:cNvPicPr>
-            <a:picLocks noChangeAspect="1"/>
-          </p:cNvPicPr>
-          <p:nvPr/>
-        </p:nvPicPr>
-        <p:blipFill>
-          <a:blip r:embed="rId5"/>
-          <a:stretch>
-            <a:fillRect/>
-          </a:stretch>
-        </p:blipFill>
-        <p:spPr>
-          <a:xfrm>
-            <a:off x="4759093" y="3130176"/>
-            <a:ext cx="3197063" cy="1365324"/>
+            <a:off x="1971675" y="1809750"/>
+            <a:ext cx="5200650" cy="1524000"/>
           </a:xfrm>
           <a:prstGeom prst="rect">
             <a:avLst/>
@@ -28593,7 +28521,7 @@
     </p:spTree>
     <p:extLst>
       <p:ext uri="{BB962C8B-B14F-4D97-AF65-F5344CB8AC3E}">
-        <p14:creationId xmlns:p14="http://schemas.microsoft.com/office/powerpoint/2010/main" val="1718816784"/>
+        <p14:creationId xmlns:p14="http://schemas.microsoft.com/office/powerpoint/2010/main" val="2142341506"/>
       </p:ext>
     </p:extLst>
   </p:cSld>
@@ -28646,7 +28574,7 @@
                 <a:latin typeface="Arial"/>
                 <a:cs typeface="Arial"/>
               </a:rPr>
-              <a:t>Min &amp; Max Puzzles</a:t>
+              <a:t>Min &amp; Max</a:t>
             </a:r>
             <a:endParaRPr lang="en-GB" dirty="0"/>
           </a:p>
@@ -28699,7 +28627,7 @@
         <p:spPr>
           <a:xfrm>
             <a:off x="237061" y="648000"/>
-            <a:ext cx="8669338" cy="4351499"/>
+            <a:ext cx="8589439" cy="4351499"/>
           </a:xfrm>
           <a:prstGeom prst="rect">
             <a:avLst/>
@@ -28854,7 +28782,7 @@
                 <a:latin typeface="Arial"/>
                 <a:cs typeface="Arial"/>
               </a:rPr>
-              <a:t>Create a list containing several numbers of your choosing</a:t>
+              <a:t>Summation is the only thing we can do with lists</a:t>
             </a:r>
           </a:p>
           <a:p>
@@ -28867,7 +28795,7 @@
                 <a:latin typeface="Arial"/>
                 <a:cs typeface="Arial"/>
               </a:rPr>
-              <a:t>Find the minimum and maximum of the list and store these as variables</a:t>
+              <a:t>As well as sum(), Python has two functions min() and max() which (unsurprisingly) find the minimum and maximum item in a list</a:t>
             </a:r>
           </a:p>
           <a:p>
@@ -28880,45 +28808,8 @@
                 <a:latin typeface="Arial"/>
                 <a:cs typeface="Arial"/>
               </a:rPr>
-              <a:t>Calculate the range of the data (i.e. max - min) and assign this to a variable (warning: do not call this variable range—this is a ‘reserved’ word in Python)</a:t>
-            </a:r>
-            <a:endParaRPr lang="en-GB" sz="2000" b="1" dirty="0">
-              <a:latin typeface="Arial"/>
-              <a:cs typeface="Arial"/>
-            </a:endParaRPr>
-          </a:p>
-          <a:p>
-            <a:pPr marL="342900" indent="-342900">
-              <a:buFont typeface="Arial"/>
-              <a:buChar char="•"/>
-            </a:pPr>
-            <a:r>
-              <a:rPr lang="en-GB" sz="2000" dirty="0">
-                <a:latin typeface="Arial"/>
-                <a:cs typeface="Arial"/>
-              </a:rPr>
-              <a:t>Print this out as a meaningful statement (e.g. the range of the data is ##)</a:t>
-            </a:r>
-          </a:p>
-          <a:p>
-            <a:pPr marL="342900" indent="-342900">
-              <a:buFont typeface="Arial"/>
-              <a:buChar char="•"/>
-            </a:pPr>
-            <a:endParaRPr lang="en-GB" sz="2000" dirty="0">
-              <a:latin typeface="Arial"/>
-              <a:cs typeface="Arial"/>
-            </a:endParaRPr>
-          </a:p>
-          <a:p>
-            <a:pPr marL="342900" indent="-342900">
-              <a:buFont typeface="Arial"/>
-              <a:buChar char="•"/>
-            </a:pPr>
-            <a:endParaRPr lang="en-GB" sz="2000" dirty="0">
-              <a:latin typeface="Arial"/>
-              <a:cs typeface="Arial"/>
-            </a:endParaRPr>
+              <a:t>We use them in the exact same way, passing in a list as the input</a:t>
+            </a:r>
           </a:p>
         </p:txBody>
       </p:sp>
@@ -28951,10 +28842,100 @@
           </a:prstGeom>
         </p:spPr>
       </p:pic>
+      <p:pic>
+        <p:nvPicPr>
+          <p:cNvPr id="3" name="Picture 2">
+            <a:extLst>
+              <a:ext uri="{FF2B5EF4-FFF2-40B4-BE49-F238E27FC236}">
+                <a16:creationId xmlns:a16="http://schemas.microsoft.com/office/drawing/2014/main" id="{59609BFB-29C3-44CE-B142-E3F13990D70D}"/>
+              </a:ext>
+            </a:extLst>
+          </p:cNvPr>
+          <p:cNvPicPr>
+            <a:picLocks noChangeAspect="1"/>
+          </p:cNvPicPr>
+          <p:nvPr/>
+        </p:nvPicPr>
+        <p:blipFill>
+          <a:blip r:embed="rId3"/>
+          <a:stretch>
+            <a:fillRect/>
+          </a:stretch>
+        </p:blipFill>
+        <p:spPr>
+          <a:xfrm>
+            <a:off x="1981200" y="2271127"/>
+            <a:ext cx="5181600" cy="476250"/>
+          </a:xfrm>
+          <a:prstGeom prst="rect">
+            <a:avLst/>
+          </a:prstGeom>
+        </p:spPr>
+      </p:pic>
+      <p:pic>
+        <p:nvPicPr>
+          <p:cNvPr id="5" name="Picture 4">
+            <a:extLst>
+              <a:ext uri="{FF2B5EF4-FFF2-40B4-BE49-F238E27FC236}">
+                <a16:creationId xmlns:a16="http://schemas.microsoft.com/office/drawing/2014/main" id="{E5B4408C-5D2D-4CD5-96BA-8063EA953EBA}"/>
+              </a:ext>
+            </a:extLst>
+          </p:cNvPr>
+          <p:cNvPicPr>
+            <a:picLocks noChangeAspect="1"/>
+          </p:cNvPicPr>
+          <p:nvPr/>
+        </p:nvPicPr>
+        <p:blipFill>
+          <a:blip r:embed="rId4"/>
+          <a:stretch>
+            <a:fillRect/>
+          </a:stretch>
+        </p:blipFill>
+        <p:spPr>
+          <a:xfrm>
+            <a:off x="1187844" y="3130176"/>
+            <a:ext cx="3009970" cy="1284254"/>
+          </a:xfrm>
+          <a:prstGeom prst="rect">
+            <a:avLst/>
+          </a:prstGeom>
+        </p:spPr>
+      </p:pic>
+      <p:pic>
+        <p:nvPicPr>
+          <p:cNvPr id="6" name="Picture 5">
+            <a:extLst>
+              <a:ext uri="{FF2B5EF4-FFF2-40B4-BE49-F238E27FC236}">
+                <a16:creationId xmlns:a16="http://schemas.microsoft.com/office/drawing/2014/main" id="{47517E68-9736-407A-A5BD-607CAAC0D637}"/>
+              </a:ext>
+            </a:extLst>
+          </p:cNvPr>
+          <p:cNvPicPr>
+            <a:picLocks noChangeAspect="1"/>
+          </p:cNvPicPr>
+          <p:nvPr/>
+        </p:nvPicPr>
+        <p:blipFill>
+          <a:blip r:embed="rId5"/>
+          <a:stretch>
+            <a:fillRect/>
+          </a:stretch>
+        </p:blipFill>
+        <p:spPr>
+          <a:xfrm>
+            <a:off x="4759093" y="3130176"/>
+            <a:ext cx="3197063" cy="1365324"/>
+          </a:xfrm>
+          <a:prstGeom prst="rect">
+            <a:avLst/>
+          </a:prstGeom>
+        </p:spPr>
+      </p:pic>
     </p:spTree>
     <p:extLst>
       <p:ext uri="{BB962C8B-B14F-4D97-AF65-F5344CB8AC3E}">
-        <p14:creationId xmlns:p14="http://schemas.microsoft.com/office/powerpoint/2010/main" val="842892331"/>
+        <p14:creationId xmlns:p14="http://schemas.microsoft.com/office/powerpoint/2010/main" val="1718816784"/>
       </p:ext>
     </p:extLst>
   </p:cSld>
@@ -29007,7 +28988,7 @@
                 <a:latin typeface="Arial"/>
                 <a:cs typeface="Arial"/>
               </a:rPr>
-              <a:t>Min &amp; Max Puzzles Solutions</a:t>
+              <a:t>Min &amp; Max Puzzles</a:t>
             </a:r>
             <a:endParaRPr lang="en-GB" dirty="0"/>
           </a:p>
@@ -29040,6 +29021,246 @@
               <a:t>16</a:t>
             </a:fld>
             <a:endParaRPr lang="en-GB"/>
+          </a:p>
+        </p:txBody>
+      </p:sp>
+      <p:sp>
+        <p:nvSpPr>
+          <p:cNvPr id="9" name="Text Placeholder 2">
+            <a:extLst>
+              <a:ext uri="{FF2B5EF4-FFF2-40B4-BE49-F238E27FC236}">
+                <a16:creationId xmlns:a16="http://schemas.microsoft.com/office/drawing/2014/main" id="{BECFC77B-6DD8-4F54-8E01-9C253CB35BC4}"/>
+              </a:ext>
+            </a:extLst>
+          </p:cNvPr>
+          <p:cNvSpPr txBox="1">
+            <a:spLocks/>
+          </p:cNvSpPr>
+          <p:nvPr/>
+        </p:nvSpPr>
+        <p:spPr>
+          <a:xfrm>
+            <a:off x="237061" y="648000"/>
+            <a:ext cx="8669338" cy="4351499"/>
+          </a:xfrm>
+          <a:prstGeom prst="rect">
+            <a:avLst/>
+          </a:prstGeom>
+        </p:spPr>
+        <p:txBody>
+          <a:bodyPr vert="horz" anchor="t"/>
+          <a:lstStyle>
+            <a:lvl1pPr marL="0" indent="0" algn="l" defTabSz="457200" rtl="0" eaLnBrk="1" latinLnBrk="0" hangingPunct="1">
+              <a:spcBef>
+                <a:spcPts val="0"/>
+              </a:spcBef>
+              <a:buFont typeface="Arial"/>
+              <a:buNone/>
+              <a:defRPr sz="2400" kern="1200" baseline="0">
+                <a:solidFill>
+                  <a:schemeClr val="tx1"/>
+                </a:solidFill>
+                <a:latin typeface="Arial" pitchFamily="34" charset="0"/>
+                <a:ea typeface="+mn-ea"/>
+                <a:cs typeface="Arial" pitchFamily="34" charset="0"/>
+              </a:defRPr>
+            </a:lvl1pPr>
+            <a:lvl2pPr marL="457200" indent="0" algn="l" defTabSz="457200" rtl="0" eaLnBrk="1" latinLnBrk="0" hangingPunct="1">
+              <a:spcBef>
+                <a:spcPct val="20000"/>
+              </a:spcBef>
+              <a:buFont typeface="Arial"/>
+              <a:buNone/>
+              <a:defRPr sz="2400" kern="1200">
+                <a:solidFill>
+                  <a:schemeClr val="tx1"/>
+                </a:solidFill>
+                <a:latin typeface="+mn-lt"/>
+                <a:ea typeface="+mn-ea"/>
+                <a:cs typeface="+mn-cs"/>
+              </a:defRPr>
+            </a:lvl2pPr>
+            <a:lvl3pPr marL="914400" indent="0" algn="l" defTabSz="457200" rtl="0" eaLnBrk="1" latinLnBrk="0" hangingPunct="1">
+              <a:spcBef>
+                <a:spcPct val="20000"/>
+              </a:spcBef>
+              <a:buFont typeface="Arial"/>
+              <a:buNone/>
+              <a:defRPr sz="2400" kern="1200">
+                <a:solidFill>
+                  <a:schemeClr val="tx1"/>
+                </a:solidFill>
+                <a:latin typeface="+mn-lt"/>
+                <a:ea typeface="+mn-ea"/>
+                <a:cs typeface="+mn-cs"/>
+              </a:defRPr>
+            </a:lvl3pPr>
+            <a:lvl4pPr marL="1371600" indent="0" algn="l" defTabSz="457200" rtl="0" eaLnBrk="1" latinLnBrk="0" hangingPunct="1">
+              <a:spcBef>
+                <a:spcPct val="20000"/>
+              </a:spcBef>
+              <a:buFont typeface="Arial"/>
+              <a:buNone/>
+              <a:defRPr sz="2400" kern="1200">
+                <a:solidFill>
+                  <a:schemeClr val="tx1"/>
+                </a:solidFill>
+                <a:latin typeface="+mn-lt"/>
+                <a:ea typeface="+mn-ea"/>
+                <a:cs typeface="+mn-cs"/>
+              </a:defRPr>
+            </a:lvl4pPr>
+            <a:lvl5pPr marL="1828800" indent="0" algn="l" defTabSz="457200" rtl="0" eaLnBrk="1" latinLnBrk="0" hangingPunct="1">
+              <a:spcBef>
+                <a:spcPct val="20000"/>
+              </a:spcBef>
+              <a:buFont typeface="Arial"/>
+              <a:buNone/>
+              <a:defRPr sz="2400" kern="1200">
+                <a:solidFill>
+                  <a:schemeClr val="tx1"/>
+                </a:solidFill>
+                <a:latin typeface="+mn-lt"/>
+                <a:ea typeface="+mn-ea"/>
+                <a:cs typeface="+mn-cs"/>
+              </a:defRPr>
+            </a:lvl5pPr>
+            <a:lvl6pPr marL="2514600" indent="-228600" algn="l" defTabSz="457200" rtl="0" eaLnBrk="1" latinLnBrk="0" hangingPunct="1">
+              <a:spcBef>
+                <a:spcPct val="20000"/>
+              </a:spcBef>
+              <a:buFont typeface="Arial"/>
+              <a:buChar char="•"/>
+              <a:defRPr sz="2000" kern="1200">
+                <a:solidFill>
+                  <a:schemeClr val="tx1"/>
+                </a:solidFill>
+                <a:latin typeface="+mn-lt"/>
+                <a:ea typeface="+mn-ea"/>
+                <a:cs typeface="+mn-cs"/>
+              </a:defRPr>
+            </a:lvl6pPr>
+            <a:lvl7pPr marL="2971800" indent="-228600" algn="l" defTabSz="457200" rtl="0" eaLnBrk="1" latinLnBrk="0" hangingPunct="1">
+              <a:spcBef>
+                <a:spcPct val="20000"/>
+              </a:spcBef>
+              <a:buFont typeface="Arial"/>
+              <a:buChar char="•"/>
+              <a:defRPr sz="2000" kern="1200">
+                <a:solidFill>
+                  <a:schemeClr val="tx1"/>
+                </a:solidFill>
+                <a:latin typeface="+mn-lt"/>
+                <a:ea typeface="+mn-ea"/>
+                <a:cs typeface="+mn-cs"/>
+              </a:defRPr>
+            </a:lvl7pPr>
+            <a:lvl8pPr marL="3429000" indent="-228600" algn="l" defTabSz="457200" rtl="0" eaLnBrk="1" latinLnBrk="0" hangingPunct="1">
+              <a:spcBef>
+                <a:spcPct val="20000"/>
+              </a:spcBef>
+              <a:buFont typeface="Arial"/>
+              <a:buChar char="•"/>
+              <a:defRPr sz="2000" kern="1200">
+                <a:solidFill>
+                  <a:schemeClr val="tx1"/>
+                </a:solidFill>
+                <a:latin typeface="+mn-lt"/>
+                <a:ea typeface="+mn-ea"/>
+                <a:cs typeface="+mn-cs"/>
+              </a:defRPr>
+            </a:lvl8pPr>
+            <a:lvl9pPr marL="3886200" indent="-228600" algn="l" defTabSz="457200" rtl="0" eaLnBrk="1" latinLnBrk="0" hangingPunct="1">
+              <a:spcBef>
+                <a:spcPct val="20000"/>
+              </a:spcBef>
+              <a:buFont typeface="Arial"/>
+              <a:buChar char="•"/>
+              <a:defRPr sz="2000" kern="1200">
+                <a:solidFill>
+                  <a:schemeClr val="tx1"/>
+                </a:solidFill>
+                <a:latin typeface="+mn-lt"/>
+                <a:ea typeface="+mn-ea"/>
+                <a:cs typeface="+mn-cs"/>
+              </a:defRPr>
+            </a:lvl9pPr>
+          </a:lstStyle>
+          <a:p>
+            <a:pPr marL="342900" indent="-342900">
+              <a:buFont typeface="Arial"/>
+              <a:buChar char="•"/>
+            </a:pPr>
+            <a:r>
+              <a:rPr lang="en-GB" sz="2000" dirty="0">
+                <a:latin typeface="Arial"/>
+                <a:cs typeface="Arial"/>
+              </a:rPr>
+              <a:t>Create a list containing several numbers of your choosing</a:t>
+            </a:r>
+          </a:p>
+          <a:p>
+            <a:pPr marL="342900" indent="-342900">
+              <a:buFont typeface="Arial"/>
+              <a:buChar char="•"/>
+            </a:pPr>
+            <a:r>
+              <a:rPr lang="en-GB" sz="2000" dirty="0">
+                <a:latin typeface="Arial"/>
+                <a:cs typeface="Arial"/>
+              </a:rPr>
+              <a:t>Find the minimum and maximum of the list and store these as variables</a:t>
+            </a:r>
+          </a:p>
+          <a:p>
+            <a:pPr marL="342900" indent="-342900">
+              <a:buFont typeface="Arial"/>
+              <a:buChar char="•"/>
+            </a:pPr>
+            <a:r>
+              <a:rPr lang="en-GB" sz="2000" dirty="0">
+                <a:latin typeface="Arial"/>
+                <a:cs typeface="Arial"/>
+              </a:rPr>
+              <a:t>Calculate the range of the data (i.e. max - min) and assign this to a variable (warning: do not call this variable range—this is a ‘reserved’ word in Python)</a:t>
+            </a:r>
+            <a:endParaRPr lang="en-GB" sz="2000" b="1" dirty="0">
+              <a:latin typeface="Arial"/>
+              <a:cs typeface="Arial"/>
+            </a:endParaRPr>
+          </a:p>
+          <a:p>
+            <a:pPr marL="342900" indent="-342900">
+              <a:buFont typeface="Arial"/>
+              <a:buChar char="•"/>
+            </a:pPr>
+            <a:r>
+              <a:rPr lang="en-GB" sz="2000" dirty="0">
+                <a:latin typeface="Arial"/>
+                <a:cs typeface="Arial"/>
+              </a:rPr>
+              <a:t>Print this out as a meaningful statement (e.g. the range of the data is ##)</a:t>
+            </a:r>
+          </a:p>
+          <a:p>
+            <a:pPr marL="342900" indent="-342900">
+              <a:buFont typeface="Arial"/>
+              <a:buChar char="•"/>
+            </a:pPr>
+            <a:endParaRPr lang="en-GB" sz="2000" dirty="0">
+              <a:latin typeface="Arial"/>
+              <a:cs typeface="Arial"/>
+            </a:endParaRPr>
+          </a:p>
+          <a:p>
+            <a:pPr marL="342900" indent="-342900">
+              <a:buFont typeface="Arial"/>
+              <a:buChar char="•"/>
+            </a:pPr>
+            <a:endParaRPr lang="en-GB" sz="2000" dirty="0">
+              <a:latin typeface="Arial"/>
+              <a:cs typeface="Arial"/>
+            </a:endParaRPr>
           </a:p>
         </p:txBody>
       </p:sp>
@@ -29072,40 +29293,10 @@
           </a:prstGeom>
         </p:spPr>
       </p:pic>
-      <p:pic>
-        <p:nvPicPr>
-          <p:cNvPr id="3" name="Picture 2">
-            <a:extLst>
-              <a:ext uri="{FF2B5EF4-FFF2-40B4-BE49-F238E27FC236}">
-                <a16:creationId xmlns:a16="http://schemas.microsoft.com/office/drawing/2014/main" id="{5015EE7F-77ED-42CB-AA7C-F0A6598AD3C5}"/>
-              </a:ext>
-            </a:extLst>
-          </p:cNvPr>
-          <p:cNvPicPr>
-            <a:picLocks noChangeAspect="1"/>
-          </p:cNvPicPr>
-          <p:nvPr/>
-        </p:nvPicPr>
-        <p:blipFill>
-          <a:blip r:embed="rId3"/>
-          <a:stretch>
-            <a:fillRect/>
-          </a:stretch>
-        </p:blipFill>
-        <p:spPr>
-          <a:xfrm>
-            <a:off x="2209800" y="1547812"/>
-            <a:ext cx="4724400" cy="2047875"/>
-          </a:xfrm>
-          <a:prstGeom prst="rect">
-            <a:avLst/>
-          </a:prstGeom>
-        </p:spPr>
-      </p:pic>
     </p:spTree>
     <p:extLst>
       <p:ext uri="{BB962C8B-B14F-4D97-AF65-F5344CB8AC3E}">
-        <p14:creationId xmlns:p14="http://schemas.microsoft.com/office/powerpoint/2010/main" val="2534735005"/>
+        <p14:creationId xmlns:p14="http://schemas.microsoft.com/office/powerpoint/2010/main" val="842892331"/>
       </p:ext>
     </p:extLst>
   </p:cSld>
@@ -29158,7 +29349,7 @@
                 <a:latin typeface="Arial"/>
                 <a:cs typeface="Arial"/>
               </a:rPr>
-              <a:t>Length of Lists</a:t>
+              <a:t>Min &amp; Max Puzzles Solutions</a:t>
             </a:r>
             <a:endParaRPr lang="en-GB" dirty="0"/>
           </a:p>
@@ -29191,250 +29382,6 @@
               <a:t>17</a:t>
             </a:fld>
             <a:endParaRPr lang="en-GB"/>
-          </a:p>
-        </p:txBody>
-      </p:sp>
-      <p:sp>
-        <p:nvSpPr>
-          <p:cNvPr id="9" name="Text Placeholder 2">
-            <a:extLst>
-              <a:ext uri="{FF2B5EF4-FFF2-40B4-BE49-F238E27FC236}">
-                <a16:creationId xmlns:a16="http://schemas.microsoft.com/office/drawing/2014/main" id="{BECFC77B-6DD8-4F54-8E01-9C253CB35BC4}"/>
-              </a:ext>
-            </a:extLst>
-          </p:cNvPr>
-          <p:cNvSpPr txBox="1">
-            <a:spLocks/>
-          </p:cNvSpPr>
-          <p:nvPr/>
-        </p:nvSpPr>
-        <p:spPr>
-          <a:xfrm>
-            <a:off x="237061" y="648000"/>
-            <a:ext cx="8669338" cy="4351499"/>
-          </a:xfrm>
-          <a:prstGeom prst="rect">
-            <a:avLst/>
-          </a:prstGeom>
-        </p:spPr>
-        <p:txBody>
-          <a:bodyPr vert="horz" anchor="t"/>
-          <a:lstStyle>
-            <a:lvl1pPr marL="0" indent="0" algn="l" defTabSz="457200" rtl="0" eaLnBrk="1" latinLnBrk="0" hangingPunct="1">
-              <a:spcBef>
-                <a:spcPts val="0"/>
-              </a:spcBef>
-              <a:buFont typeface="Arial"/>
-              <a:buNone/>
-              <a:defRPr sz="2400" kern="1200" baseline="0">
-                <a:solidFill>
-                  <a:schemeClr val="tx1"/>
-                </a:solidFill>
-                <a:latin typeface="Arial" pitchFamily="34" charset="0"/>
-                <a:ea typeface="+mn-ea"/>
-                <a:cs typeface="Arial" pitchFamily="34" charset="0"/>
-              </a:defRPr>
-            </a:lvl1pPr>
-            <a:lvl2pPr marL="457200" indent="0" algn="l" defTabSz="457200" rtl="0" eaLnBrk="1" latinLnBrk="0" hangingPunct="1">
-              <a:spcBef>
-                <a:spcPct val="20000"/>
-              </a:spcBef>
-              <a:buFont typeface="Arial"/>
-              <a:buNone/>
-              <a:defRPr sz="2400" kern="1200">
-                <a:solidFill>
-                  <a:schemeClr val="tx1"/>
-                </a:solidFill>
-                <a:latin typeface="+mn-lt"/>
-                <a:ea typeface="+mn-ea"/>
-                <a:cs typeface="+mn-cs"/>
-              </a:defRPr>
-            </a:lvl2pPr>
-            <a:lvl3pPr marL="914400" indent="0" algn="l" defTabSz="457200" rtl="0" eaLnBrk="1" latinLnBrk="0" hangingPunct="1">
-              <a:spcBef>
-                <a:spcPct val="20000"/>
-              </a:spcBef>
-              <a:buFont typeface="Arial"/>
-              <a:buNone/>
-              <a:defRPr sz="2400" kern="1200">
-                <a:solidFill>
-                  <a:schemeClr val="tx1"/>
-                </a:solidFill>
-                <a:latin typeface="+mn-lt"/>
-                <a:ea typeface="+mn-ea"/>
-                <a:cs typeface="+mn-cs"/>
-              </a:defRPr>
-            </a:lvl3pPr>
-            <a:lvl4pPr marL="1371600" indent="0" algn="l" defTabSz="457200" rtl="0" eaLnBrk="1" latinLnBrk="0" hangingPunct="1">
-              <a:spcBef>
-                <a:spcPct val="20000"/>
-              </a:spcBef>
-              <a:buFont typeface="Arial"/>
-              <a:buNone/>
-              <a:defRPr sz="2400" kern="1200">
-                <a:solidFill>
-                  <a:schemeClr val="tx1"/>
-                </a:solidFill>
-                <a:latin typeface="+mn-lt"/>
-                <a:ea typeface="+mn-ea"/>
-                <a:cs typeface="+mn-cs"/>
-              </a:defRPr>
-            </a:lvl4pPr>
-            <a:lvl5pPr marL="1828800" indent="0" algn="l" defTabSz="457200" rtl="0" eaLnBrk="1" latinLnBrk="0" hangingPunct="1">
-              <a:spcBef>
-                <a:spcPct val="20000"/>
-              </a:spcBef>
-              <a:buFont typeface="Arial"/>
-              <a:buNone/>
-              <a:defRPr sz="2400" kern="1200">
-                <a:solidFill>
-                  <a:schemeClr val="tx1"/>
-                </a:solidFill>
-                <a:latin typeface="+mn-lt"/>
-                <a:ea typeface="+mn-ea"/>
-                <a:cs typeface="+mn-cs"/>
-              </a:defRPr>
-            </a:lvl5pPr>
-            <a:lvl6pPr marL="2514600" indent="-228600" algn="l" defTabSz="457200" rtl="0" eaLnBrk="1" latinLnBrk="0" hangingPunct="1">
-              <a:spcBef>
-                <a:spcPct val="20000"/>
-              </a:spcBef>
-              <a:buFont typeface="Arial"/>
-              <a:buChar char="•"/>
-              <a:defRPr sz="2000" kern="1200">
-                <a:solidFill>
-                  <a:schemeClr val="tx1"/>
-                </a:solidFill>
-                <a:latin typeface="+mn-lt"/>
-                <a:ea typeface="+mn-ea"/>
-                <a:cs typeface="+mn-cs"/>
-              </a:defRPr>
-            </a:lvl6pPr>
-            <a:lvl7pPr marL="2971800" indent="-228600" algn="l" defTabSz="457200" rtl="0" eaLnBrk="1" latinLnBrk="0" hangingPunct="1">
-              <a:spcBef>
-                <a:spcPct val="20000"/>
-              </a:spcBef>
-              <a:buFont typeface="Arial"/>
-              <a:buChar char="•"/>
-              <a:defRPr sz="2000" kern="1200">
-                <a:solidFill>
-                  <a:schemeClr val="tx1"/>
-                </a:solidFill>
-                <a:latin typeface="+mn-lt"/>
-                <a:ea typeface="+mn-ea"/>
-                <a:cs typeface="+mn-cs"/>
-              </a:defRPr>
-            </a:lvl7pPr>
-            <a:lvl8pPr marL="3429000" indent="-228600" algn="l" defTabSz="457200" rtl="0" eaLnBrk="1" latinLnBrk="0" hangingPunct="1">
-              <a:spcBef>
-                <a:spcPct val="20000"/>
-              </a:spcBef>
-              <a:buFont typeface="Arial"/>
-              <a:buChar char="•"/>
-              <a:defRPr sz="2000" kern="1200">
-                <a:solidFill>
-                  <a:schemeClr val="tx1"/>
-                </a:solidFill>
-                <a:latin typeface="+mn-lt"/>
-                <a:ea typeface="+mn-ea"/>
-                <a:cs typeface="+mn-cs"/>
-              </a:defRPr>
-            </a:lvl8pPr>
-            <a:lvl9pPr marL="3886200" indent="-228600" algn="l" defTabSz="457200" rtl="0" eaLnBrk="1" latinLnBrk="0" hangingPunct="1">
-              <a:spcBef>
-                <a:spcPct val="20000"/>
-              </a:spcBef>
-              <a:buFont typeface="Arial"/>
-              <a:buChar char="•"/>
-              <a:defRPr sz="2000" kern="1200">
-                <a:solidFill>
-                  <a:schemeClr val="tx1"/>
-                </a:solidFill>
-                <a:latin typeface="+mn-lt"/>
-                <a:ea typeface="+mn-ea"/>
-                <a:cs typeface="+mn-cs"/>
-              </a:defRPr>
-            </a:lvl9pPr>
-          </a:lstStyle>
-          <a:p>
-            <a:pPr marL="342900" indent="-342900">
-              <a:buFont typeface="Arial"/>
-              <a:buChar char="•"/>
-            </a:pPr>
-            <a:r>
-              <a:rPr lang="en-GB" sz="2000" dirty="0">
-                <a:latin typeface="Arial"/>
-                <a:cs typeface="Arial"/>
-              </a:rPr>
-              <a:t>Lastly, we can find the length of a list of numbers using the </a:t>
-            </a:r>
-            <a:r>
-              <a:rPr lang="en-GB" sz="2000" dirty="0" err="1">
-                <a:latin typeface="Arial"/>
-                <a:cs typeface="Arial"/>
-              </a:rPr>
-              <a:t>len</a:t>
-            </a:r>
-            <a:r>
-              <a:rPr lang="en-GB" sz="2000" dirty="0">
-                <a:latin typeface="Arial"/>
-                <a:cs typeface="Arial"/>
-              </a:rPr>
-              <a:t>() function</a:t>
-            </a:r>
-          </a:p>
-          <a:p>
-            <a:pPr marL="342900" indent="-342900">
-              <a:buFont typeface="Arial"/>
-              <a:buChar char="•"/>
-            </a:pPr>
-            <a:endParaRPr lang="en-GB" sz="2000" dirty="0">
-              <a:latin typeface="Arial"/>
-              <a:cs typeface="Arial"/>
-            </a:endParaRPr>
-          </a:p>
-          <a:p>
-            <a:pPr marL="342900" indent="-342900">
-              <a:buFont typeface="Arial"/>
-              <a:buChar char="•"/>
-            </a:pPr>
-            <a:endParaRPr lang="en-GB" sz="2000" dirty="0">
-              <a:latin typeface="Arial"/>
-              <a:cs typeface="Arial"/>
-            </a:endParaRPr>
-          </a:p>
-          <a:p>
-            <a:pPr marL="342900" indent="-342900">
-              <a:buFont typeface="Arial"/>
-              <a:buChar char="•"/>
-            </a:pPr>
-            <a:endParaRPr lang="en-GB" sz="2000" dirty="0">
-              <a:latin typeface="Arial"/>
-              <a:cs typeface="Arial"/>
-            </a:endParaRPr>
-          </a:p>
-          <a:p>
-            <a:pPr marL="342900" indent="-342900">
-              <a:buFont typeface="Arial"/>
-              <a:buChar char="•"/>
-            </a:pPr>
-            <a:endParaRPr lang="en-GB" sz="2000" dirty="0">
-              <a:latin typeface="Arial"/>
-              <a:cs typeface="Arial"/>
-            </a:endParaRPr>
-          </a:p>
-          <a:p>
-            <a:pPr marL="342900" indent="-342900">
-              <a:buFont typeface="Arial"/>
-              <a:buChar char="•"/>
-            </a:pPr>
-            <a:r>
-              <a:rPr lang="en-GB" sz="2000" dirty="0">
-                <a:latin typeface="Arial"/>
-                <a:cs typeface="Arial"/>
-              </a:rPr>
-              <a:t>Note, in this example, we printed the length of the list directly without first saving it as a variable. Either way would work though</a:t>
-            </a:r>
           </a:p>
         </p:txBody>
       </p:sp>
@@ -29472,7 +29419,7 @@
           <p:cNvPr id="3" name="Picture 2">
             <a:extLst>
               <a:ext uri="{FF2B5EF4-FFF2-40B4-BE49-F238E27FC236}">
-                <a16:creationId xmlns:a16="http://schemas.microsoft.com/office/drawing/2014/main" id="{930F2A1C-8F8A-49A7-90C8-AB0D48286CC7}"/>
+                <a16:creationId xmlns:a16="http://schemas.microsoft.com/office/drawing/2014/main" id="{5015EE7F-77ED-42CB-AA7C-F0A6598AD3C5}"/>
               </a:ext>
             </a:extLst>
           </p:cNvPr>
@@ -29489,8 +29436,8 @@
         </p:blipFill>
         <p:spPr>
           <a:xfrm>
-            <a:off x="3252517" y="1152000"/>
-            <a:ext cx="2638425" cy="752475"/>
+            <a:off x="2209800" y="1547812"/>
+            <a:ext cx="4724400" cy="2047875"/>
           </a:xfrm>
           <a:prstGeom prst="rect">
             <a:avLst/>
@@ -29500,7 +29447,7 @@
     </p:spTree>
     <p:extLst>
       <p:ext uri="{BB962C8B-B14F-4D97-AF65-F5344CB8AC3E}">
-        <p14:creationId xmlns:p14="http://schemas.microsoft.com/office/powerpoint/2010/main" val="3345741537"/>
+        <p14:creationId xmlns:p14="http://schemas.microsoft.com/office/powerpoint/2010/main" val="2534735005"/>
       </p:ext>
     </p:extLst>
   </p:cSld>
@@ -29553,7 +29500,7 @@
                 <a:latin typeface="Arial"/>
                 <a:cs typeface="Arial"/>
               </a:rPr>
-              <a:t>Length of String</a:t>
+              <a:t>Length of Lists</a:t>
             </a:r>
             <a:endParaRPr lang="en-GB" dirty="0"/>
           </a:p>
@@ -29761,7 +29708,7 @@
                 <a:latin typeface="Arial"/>
                 <a:cs typeface="Arial"/>
               </a:rPr>
-              <a:t>The </a:t>
+              <a:t>Lastly, we can find the length of a list of numbers using the </a:t>
             </a:r>
             <a:r>
               <a:rPr lang="en-GB" sz="2000" dirty="0" err="1">
@@ -29775,7 +29722,7 @@
                 <a:latin typeface="Arial"/>
                 <a:cs typeface="Arial"/>
               </a:rPr>
-              <a:t>() command is versatile however and so doesn’t only work with lists</a:t>
+              <a:t>() function</a:t>
             </a:r>
           </a:p>
           <a:p>
@@ -29783,26 +29730,52 @@
               <a:buFont typeface="Arial"/>
               <a:buChar char="•"/>
             </a:pPr>
+            <a:endParaRPr lang="en-GB" sz="2000" dirty="0">
+              <a:latin typeface="Arial"/>
+              <a:cs typeface="Arial"/>
+            </a:endParaRPr>
+          </a:p>
+          <a:p>
+            <a:pPr marL="342900" indent="-342900">
+              <a:buFont typeface="Arial"/>
+              <a:buChar char="•"/>
+            </a:pPr>
+            <a:endParaRPr lang="en-GB" sz="2000" dirty="0">
+              <a:latin typeface="Arial"/>
+              <a:cs typeface="Arial"/>
+            </a:endParaRPr>
+          </a:p>
+          <a:p>
+            <a:pPr marL="342900" indent="-342900">
+              <a:buFont typeface="Arial"/>
+              <a:buChar char="•"/>
+            </a:pPr>
+            <a:endParaRPr lang="en-GB" sz="2000" dirty="0">
+              <a:latin typeface="Arial"/>
+              <a:cs typeface="Arial"/>
+            </a:endParaRPr>
+          </a:p>
+          <a:p>
+            <a:pPr marL="342900" indent="-342900">
+              <a:buFont typeface="Arial"/>
+              <a:buChar char="•"/>
+            </a:pPr>
+            <a:endParaRPr lang="en-GB" sz="2000" dirty="0">
+              <a:latin typeface="Arial"/>
+              <a:cs typeface="Arial"/>
+            </a:endParaRPr>
+          </a:p>
+          <a:p>
+            <a:pPr marL="342900" indent="-342900">
+              <a:buFont typeface="Arial"/>
+              <a:buChar char="•"/>
+            </a:pPr>
             <a:r>
               <a:rPr lang="en-GB" sz="2000" dirty="0">
                 <a:latin typeface="Arial"/>
                 <a:cs typeface="Arial"/>
               </a:rPr>
-              <a:t>In fact, you can pass a string as the input to </a:t>
-            </a:r>
-            <a:r>
-              <a:rPr lang="en-GB" sz="2000" dirty="0" err="1">
-                <a:latin typeface="Arial"/>
-                <a:cs typeface="Arial"/>
-              </a:rPr>
-              <a:t>len</a:t>
-            </a:r>
-            <a:r>
-              <a:rPr lang="en-GB" sz="2000" dirty="0">
-                <a:latin typeface="Arial"/>
-                <a:cs typeface="Arial"/>
-              </a:rPr>
-              <a:t>() and it will return the number of characters (including spaces) in that string</a:t>
+              <a:t>Note, in this example, we printed the length of the list directly without first saving it as a variable. Either way would work though</a:t>
             </a:r>
           </a:p>
         </p:txBody>
@@ -29838,10 +29811,10 @@
       </p:pic>
       <p:pic>
         <p:nvPicPr>
-          <p:cNvPr id="5" name="Picture 4">
+          <p:cNvPr id="3" name="Picture 2">
             <a:extLst>
               <a:ext uri="{FF2B5EF4-FFF2-40B4-BE49-F238E27FC236}">
-                <a16:creationId xmlns:a16="http://schemas.microsoft.com/office/drawing/2014/main" id="{AE996536-F040-44C8-B00E-F20BF04FB7A2}"/>
+                <a16:creationId xmlns:a16="http://schemas.microsoft.com/office/drawing/2014/main" id="{930F2A1C-8F8A-49A7-90C8-AB0D48286CC7}"/>
               </a:ext>
             </a:extLst>
           </p:cNvPr>
@@ -29858,8 +29831,8 @@
         </p:blipFill>
         <p:spPr>
           <a:xfrm>
-            <a:off x="2700067" y="2237962"/>
-            <a:ext cx="3743325" cy="1171575"/>
+            <a:off x="3252517" y="1152000"/>
+            <a:ext cx="2638425" cy="752475"/>
           </a:xfrm>
           <a:prstGeom prst="rect">
             <a:avLst/>
@@ -29869,7 +29842,7 @@
     </p:spTree>
     <p:extLst>
       <p:ext uri="{BB962C8B-B14F-4D97-AF65-F5344CB8AC3E}">
-        <p14:creationId xmlns:p14="http://schemas.microsoft.com/office/powerpoint/2010/main" val="3131346346"/>
+        <p14:creationId xmlns:p14="http://schemas.microsoft.com/office/powerpoint/2010/main" val="3345741537"/>
       </p:ext>
     </p:extLst>
   </p:cSld>
@@ -29922,7 +29895,7 @@
                 <a:latin typeface="Arial"/>
                 <a:cs typeface="Arial"/>
               </a:rPr>
-              <a:t>Length Puzzles</a:t>
+              <a:t>Length of String</a:t>
             </a:r>
             <a:endParaRPr lang="en-GB" dirty="0"/>
           </a:p>
@@ -30130,7 +30103,21 @@
                 <a:latin typeface="Arial"/>
                 <a:cs typeface="Arial"/>
               </a:rPr>
-              <a:t>Ask the user to input a string using the input() function</a:t>
+              <a:t>The </a:t>
+            </a:r>
+            <a:r>
+              <a:rPr lang="en-GB" sz="2000" dirty="0" err="1">
+                <a:latin typeface="Arial"/>
+                <a:cs typeface="Arial"/>
+              </a:rPr>
+              <a:t>len</a:t>
+            </a:r>
+            <a:r>
+              <a:rPr lang="en-GB" sz="2000" dirty="0">
+                <a:latin typeface="Arial"/>
+                <a:cs typeface="Arial"/>
+              </a:rPr>
+              <a:t>() command is versatile however and so doesn’t only work with lists</a:t>
             </a:r>
           </a:p>
           <a:p>
@@ -30143,42 +30130,22 @@
                 <a:latin typeface="Arial"/>
                 <a:cs typeface="Arial"/>
               </a:rPr>
-              <a:t>Print the out the length of this string in return</a:t>
-            </a:r>
-          </a:p>
-          <a:p>
-            <a:pPr marL="342900" indent="-342900">
-              <a:buFont typeface="Arial"/>
-              <a:buChar char="•"/>
-            </a:pPr>
-            <a:endParaRPr lang="en-GB" sz="2000" dirty="0">
-              <a:latin typeface="Arial"/>
-              <a:cs typeface="Arial"/>
-            </a:endParaRPr>
-          </a:p>
-          <a:p>
-            <a:pPr marL="342900" indent="-342900">
-              <a:buFont typeface="Arial"/>
-              <a:buChar char="•"/>
-            </a:pPr>
-            <a:r>
-              <a:rPr lang="en-GB" sz="2000" b="1" dirty="0">
+              <a:t>In fact, you can pass a string as the input to </a:t>
+            </a:r>
+            <a:r>
+              <a:rPr lang="en-GB" sz="2000" dirty="0" err="1">
                 <a:latin typeface="Arial"/>
                 <a:cs typeface="Arial"/>
               </a:rPr>
-              <a:t>Bonus: </a:t>
+              <a:t>len</a:t>
             </a:r>
             <a:r>
               <a:rPr lang="en-GB" sz="2000" dirty="0">
                 <a:latin typeface="Arial"/>
                 <a:cs typeface="Arial"/>
               </a:rPr>
-              <a:t>Here is a code snippet that will allow a user to input a list. Use it to print out the length of a user inputted list</a:t>
-            </a:r>
-            <a:endParaRPr lang="en-GB" sz="2000" b="1" dirty="0">
-              <a:latin typeface="Arial"/>
-              <a:cs typeface="Arial"/>
-            </a:endParaRPr>
+              <a:t>() and it will return the number of characters (including spaces) in that string</a:t>
+            </a:r>
           </a:p>
         </p:txBody>
       </p:sp>
@@ -30213,10 +30180,10 @@
       </p:pic>
       <p:pic>
         <p:nvPicPr>
-          <p:cNvPr id="3" name="Picture 2">
+          <p:cNvPr id="5" name="Picture 4">
             <a:extLst>
               <a:ext uri="{FF2B5EF4-FFF2-40B4-BE49-F238E27FC236}">
-                <a16:creationId xmlns:a16="http://schemas.microsoft.com/office/drawing/2014/main" id="{6ABC7996-2729-436F-951A-6D260B6E299C}"/>
+                <a16:creationId xmlns:a16="http://schemas.microsoft.com/office/drawing/2014/main" id="{AE996536-F040-44C8-B00E-F20BF04FB7A2}"/>
               </a:ext>
             </a:extLst>
           </p:cNvPr>
@@ -30233,8 +30200,8 @@
         </p:blipFill>
         <p:spPr>
           <a:xfrm>
-            <a:off x="2664262" y="2571750"/>
-            <a:ext cx="3814936" cy="1349185"/>
+            <a:off x="2700067" y="2237962"/>
+            <a:ext cx="3743325" cy="1171575"/>
           </a:xfrm>
           <a:prstGeom prst="rect">
             <a:avLst/>
@@ -30244,7 +30211,7 @@
     </p:spTree>
     <p:extLst>
       <p:ext uri="{BB962C8B-B14F-4D97-AF65-F5344CB8AC3E}">
-        <p14:creationId xmlns:p14="http://schemas.microsoft.com/office/powerpoint/2010/main" val="4284507263"/>
+        <p14:creationId xmlns:p14="http://schemas.microsoft.com/office/powerpoint/2010/main" val="3131346346"/>
       </p:ext>
     </p:extLst>
   </p:cSld>
@@ -30634,7 +30601,7 @@
                 <a:latin typeface="Arial"/>
                 <a:cs typeface="Arial"/>
               </a:rPr>
-              <a:t>Length Puzzles Solutions</a:t>
+              <a:t>Length Puzzles</a:t>
             </a:r>
             <a:endParaRPr lang="en-GB" dirty="0"/>
           </a:p>
@@ -30665,6 +30632,381 @@
               <a:rPr lang="en-GB" smtClean="0"/>
               <a:pPr/>
               <a:t>20</a:t>
+            </a:fld>
+            <a:endParaRPr lang="en-GB"/>
+          </a:p>
+        </p:txBody>
+      </p:sp>
+      <p:sp>
+        <p:nvSpPr>
+          <p:cNvPr id="9" name="Text Placeholder 2">
+            <a:extLst>
+              <a:ext uri="{FF2B5EF4-FFF2-40B4-BE49-F238E27FC236}">
+                <a16:creationId xmlns:a16="http://schemas.microsoft.com/office/drawing/2014/main" id="{BECFC77B-6DD8-4F54-8E01-9C253CB35BC4}"/>
+              </a:ext>
+            </a:extLst>
+          </p:cNvPr>
+          <p:cNvSpPr txBox="1">
+            <a:spLocks/>
+          </p:cNvSpPr>
+          <p:nvPr/>
+        </p:nvSpPr>
+        <p:spPr>
+          <a:xfrm>
+            <a:off x="237061" y="648000"/>
+            <a:ext cx="8669338" cy="4351499"/>
+          </a:xfrm>
+          <a:prstGeom prst="rect">
+            <a:avLst/>
+          </a:prstGeom>
+        </p:spPr>
+        <p:txBody>
+          <a:bodyPr vert="horz" anchor="t"/>
+          <a:lstStyle>
+            <a:lvl1pPr marL="0" indent="0" algn="l" defTabSz="457200" rtl="0" eaLnBrk="1" latinLnBrk="0" hangingPunct="1">
+              <a:spcBef>
+                <a:spcPts val="0"/>
+              </a:spcBef>
+              <a:buFont typeface="Arial"/>
+              <a:buNone/>
+              <a:defRPr sz="2400" kern="1200" baseline="0">
+                <a:solidFill>
+                  <a:schemeClr val="tx1"/>
+                </a:solidFill>
+                <a:latin typeface="Arial" pitchFamily="34" charset="0"/>
+                <a:ea typeface="+mn-ea"/>
+                <a:cs typeface="Arial" pitchFamily="34" charset="0"/>
+              </a:defRPr>
+            </a:lvl1pPr>
+            <a:lvl2pPr marL="457200" indent="0" algn="l" defTabSz="457200" rtl="0" eaLnBrk="1" latinLnBrk="0" hangingPunct="1">
+              <a:spcBef>
+                <a:spcPct val="20000"/>
+              </a:spcBef>
+              <a:buFont typeface="Arial"/>
+              <a:buNone/>
+              <a:defRPr sz="2400" kern="1200">
+                <a:solidFill>
+                  <a:schemeClr val="tx1"/>
+                </a:solidFill>
+                <a:latin typeface="+mn-lt"/>
+                <a:ea typeface="+mn-ea"/>
+                <a:cs typeface="+mn-cs"/>
+              </a:defRPr>
+            </a:lvl2pPr>
+            <a:lvl3pPr marL="914400" indent="0" algn="l" defTabSz="457200" rtl="0" eaLnBrk="1" latinLnBrk="0" hangingPunct="1">
+              <a:spcBef>
+                <a:spcPct val="20000"/>
+              </a:spcBef>
+              <a:buFont typeface="Arial"/>
+              <a:buNone/>
+              <a:defRPr sz="2400" kern="1200">
+                <a:solidFill>
+                  <a:schemeClr val="tx1"/>
+                </a:solidFill>
+                <a:latin typeface="+mn-lt"/>
+                <a:ea typeface="+mn-ea"/>
+                <a:cs typeface="+mn-cs"/>
+              </a:defRPr>
+            </a:lvl3pPr>
+            <a:lvl4pPr marL="1371600" indent="0" algn="l" defTabSz="457200" rtl="0" eaLnBrk="1" latinLnBrk="0" hangingPunct="1">
+              <a:spcBef>
+                <a:spcPct val="20000"/>
+              </a:spcBef>
+              <a:buFont typeface="Arial"/>
+              <a:buNone/>
+              <a:defRPr sz="2400" kern="1200">
+                <a:solidFill>
+                  <a:schemeClr val="tx1"/>
+                </a:solidFill>
+                <a:latin typeface="+mn-lt"/>
+                <a:ea typeface="+mn-ea"/>
+                <a:cs typeface="+mn-cs"/>
+              </a:defRPr>
+            </a:lvl4pPr>
+            <a:lvl5pPr marL="1828800" indent="0" algn="l" defTabSz="457200" rtl="0" eaLnBrk="1" latinLnBrk="0" hangingPunct="1">
+              <a:spcBef>
+                <a:spcPct val="20000"/>
+              </a:spcBef>
+              <a:buFont typeface="Arial"/>
+              <a:buNone/>
+              <a:defRPr sz="2400" kern="1200">
+                <a:solidFill>
+                  <a:schemeClr val="tx1"/>
+                </a:solidFill>
+                <a:latin typeface="+mn-lt"/>
+                <a:ea typeface="+mn-ea"/>
+                <a:cs typeface="+mn-cs"/>
+              </a:defRPr>
+            </a:lvl5pPr>
+            <a:lvl6pPr marL="2514600" indent="-228600" algn="l" defTabSz="457200" rtl="0" eaLnBrk="1" latinLnBrk="0" hangingPunct="1">
+              <a:spcBef>
+                <a:spcPct val="20000"/>
+              </a:spcBef>
+              <a:buFont typeface="Arial"/>
+              <a:buChar char="•"/>
+              <a:defRPr sz="2000" kern="1200">
+                <a:solidFill>
+                  <a:schemeClr val="tx1"/>
+                </a:solidFill>
+                <a:latin typeface="+mn-lt"/>
+                <a:ea typeface="+mn-ea"/>
+                <a:cs typeface="+mn-cs"/>
+              </a:defRPr>
+            </a:lvl6pPr>
+            <a:lvl7pPr marL="2971800" indent="-228600" algn="l" defTabSz="457200" rtl="0" eaLnBrk="1" latinLnBrk="0" hangingPunct="1">
+              <a:spcBef>
+                <a:spcPct val="20000"/>
+              </a:spcBef>
+              <a:buFont typeface="Arial"/>
+              <a:buChar char="•"/>
+              <a:defRPr sz="2000" kern="1200">
+                <a:solidFill>
+                  <a:schemeClr val="tx1"/>
+                </a:solidFill>
+                <a:latin typeface="+mn-lt"/>
+                <a:ea typeface="+mn-ea"/>
+                <a:cs typeface="+mn-cs"/>
+              </a:defRPr>
+            </a:lvl7pPr>
+            <a:lvl8pPr marL="3429000" indent="-228600" algn="l" defTabSz="457200" rtl="0" eaLnBrk="1" latinLnBrk="0" hangingPunct="1">
+              <a:spcBef>
+                <a:spcPct val="20000"/>
+              </a:spcBef>
+              <a:buFont typeface="Arial"/>
+              <a:buChar char="•"/>
+              <a:defRPr sz="2000" kern="1200">
+                <a:solidFill>
+                  <a:schemeClr val="tx1"/>
+                </a:solidFill>
+                <a:latin typeface="+mn-lt"/>
+                <a:ea typeface="+mn-ea"/>
+                <a:cs typeface="+mn-cs"/>
+              </a:defRPr>
+            </a:lvl8pPr>
+            <a:lvl9pPr marL="3886200" indent="-228600" algn="l" defTabSz="457200" rtl="0" eaLnBrk="1" latinLnBrk="0" hangingPunct="1">
+              <a:spcBef>
+                <a:spcPct val="20000"/>
+              </a:spcBef>
+              <a:buFont typeface="Arial"/>
+              <a:buChar char="•"/>
+              <a:defRPr sz="2000" kern="1200">
+                <a:solidFill>
+                  <a:schemeClr val="tx1"/>
+                </a:solidFill>
+                <a:latin typeface="+mn-lt"/>
+                <a:ea typeface="+mn-ea"/>
+                <a:cs typeface="+mn-cs"/>
+              </a:defRPr>
+            </a:lvl9pPr>
+          </a:lstStyle>
+          <a:p>
+            <a:pPr marL="342900" indent="-342900">
+              <a:buFont typeface="Arial"/>
+              <a:buChar char="•"/>
+            </a:pPr>
+            <a:r>
+              <a:rPr lang="en-GB" sz="2000" dirty="0">
+                <a:latin typeface="Arial"/>
+                <a:cs typeface="Arial"/>
+              </a:rPr>
+              <a:t>Ask the user to input a string using the input() function</a:t>
+            </a:r>
+          </a:p>
+          <a:p>
+            <a:pPr marL="342900" indent="-342900">
+              <a:buFont typeface="Arial"/>
+              <a:buChar char="•"/>
+            </a:pPr>
+            <a:r>
+              <a:rPr lang="en-GB" sz="2000" dirty="0">
+                <a:latin typeface="Arial"/>
+                <a:cs typeface="Arial"/>
+              </a:rPr>
+              <a:t>Print the out the length of this string in return</a:t>
+            </a:r>
+          </a:p>
+          <a:p>
+            <a:pPr marL="342900" indent="-342900">
+              <a:buFont typeface="Arial"/>
+              <a:buChar char="•"/>
+            </a:pPr>
+            <a:endParaRPr lang="en-GB" sz="2000" dirty="0">
+              <a:latin typeface="Arial"/>
+              <a:cs typeface="Arial"/>
+            </a:endParaRPr>
+          </a:p>
+          <a:p>
+            <a:pPr marL="342900" indent="-342900">
+              <a:buFont typeface="Arial"/>
+              <a:buChar char="•"/>
+            </a:pPr>
+            <a:r>
+              <a:rPr lang="en-GB" sz="2000" b="1" dirty="0">
+                <a:latin typeface="Arial"/>
+                <a:cs typeface="Arial"/>
+              </a:rPr>
+              <a:t>Bonus: </a:t>
+            </a:r>
+            <a:r>
+              <a:rPr lang="en-GB" sz="2000" dirty="0">
+                <a:latin typeface="Arial"/>
+                <a:cs typeface="Arial"/>
+              </a:rPr>
+              <a:t>Here is a code snippet that will allow a user to input a list. Use it to print out the length of a user inputted list</a:t>
+            </a:r>
+            <a:endParaRPr lang="en-GB" sz="2000" b="1" dirty="0">
+              <a:latin typeface="Arial"/>
+              <a:cs typeface="Arial"/>
+            </a:endParaRPr>
+          </a:p>
+        </p:txBody>
+      </p:sp>
+      <p:pic>
+        <p:nvPicPr>
+          <p:cNvPr id="7" name="Picture 6">
+            <a:extLst>
+              <a:ext uri="{FF2B5EF4-FFF2-40B4-BE49-F238E27FC236}">
+                <a16:creationId xmlns:a16="http://schemas.microsoft.com/office/drawing/2014/main" id="{90A0D736-6095-48B0-8F4C-E4B4C1B254BE}"/>
+              </a:ext>
+            </a:extLst>
+          </p:cNvPr>
+          <p:cNvPicPr>
+            <a:picLocks noChangeAspect="1"/>
+          </p:cNvPicPr>
+          <p:nvPr/>
+        </p:nvPicPr>
+        <p:blipFill rotWithShape="1">
+          <a:blip r:embed="rId2"/>
+          <a:srcRect l="2982" t="3174" r="2869" b="2900"/>
+          <a:stretch/>
+        </p:blipFill>
+        <p:spPr>
+          <a:xfrm>
+            <a:off x="8576572" y="4598283"/>
+            <a:ext cx="498106" cy="496941"/>
+          </a:xfrm>
+          <a:prstGeom prst="ellipse">
+            <a:avLst/>
+          </a:prstGeom>
+        </p:spPr>
+      </p:pic>
+      <p:pic>
+        <p:nvPicPr>
+          <p:cNvPr id="3" name="Picture 2">
+            <a:extLst>
+              <a:ext uri="{FF2B5EF4-FFF2-40B4-BE49-F238E27FC236}">
+                <a16:creationId xmlns:a16="http://schemas.microsoft.com/office/drawing/2014/main" id="{6ABC7996-2729-436F-951A-6D260B6E299C}"/>
+              </a:ext>
+            </a:extLst>
+          </p:cNvPr>
+          <p:cNvPicPr>
+            <a:picLocks noChangeAspect="1"/>
+          </p:cNvPicPr>
+          <p:nvPr/>
+        </p:nvPicPr>
+        <p:blipFill>
+          <a:blip r:embed="rId3"/>
+          <a:stretch>
+            <a:fillRect/>
+          </a:stretch>
+        </p:blipFill>
+        <p:spPr>
+          <a:xfrm>
+            <a:off x="2664262" y="2571750"/>
+            <a:ext cx="3814936" cy="1349185"/>
+          </a:xfrm>
+          <a:prstGeom prst="rect">
+            <a:avLst/>
+          </a:prstGeom>
+        </p:spPr>
+      </p:pic>
+    </p:spTree>
+    <p:extLst>
+      <p:ext uri="{BB962C8B-B14F-4D97-AF65-F5344CB8AC3E}">
+        <p14:creationId xmlns:p14="http://schemas.microsoft.com/office/powerpoint/2010/main" val="4284507263"/>
+      </p:ext>
+    </p:extLst>
+  </p:cSld>
+  <p:clrMapOvr>
+    <a:masterClrMapping/>
+  </p:clrMapOvr>
+</p:sld>
+</file>
+
+<file path=ppt/slides/slide21.xml><?xml version="1.0" encoding="utf-8"?>
+<p:sld xmlns:a="http://schemas.openxmlformats.org/drawingml/2006/main" xmlns:r="http://schemas.openxmlformats.org/officeDocument/2006/relationships" xmlns:p="http://schemas.openxmlformats.org/presentationml/2006/main" showMasterSp="0">
+  <p:cSld>
+    <p:spTree>
+      <p:nvGrpSpPr>
+        <p:cNvPr id="1" name=""/>
+        <p:cNvGrpSpPr/>
+        <p:nvPr/>
+      </p:nvGrpSpPr>
+      <p:grpSpPr>
+        <a:xfrm>
+          <a:off x="0" y="0"/>
+          <a:ext cx="0" cy="0"/>
+          <a:chOff x="0" y="0"/>
+          <a:chExt cx="0" cy="0"/>
+        </a:xfrm>
+      </p:grpSpPr>
+      <p:sp>
+        <p:nvSpPr>
+          <p:cNvPr id="2" name="Title 1">
+            <a:extLst>
+              <a:ext uri="{FF2B5EF4-FFF2-40B4-BE49-F238E27FC236}">
+                <a16:creationId xmlns:a16="http://schemas.microsoft.com/office/drawing/2014/main" id="{532720A5-5A72-40C7-BED8-4B8FFE6E6EB0}"/>
+              </a:ext>
+            </a:extLst>
+          </p:cNvPr>
+          <p:cNvSpPr>
+            <a:spLocks noGrp="1"/>
+          </p:cNvSpPr>
+          <p:nvPr>
+            <p:ph type="title"/>
+          </p:nvPr>
+        </p:nvSpPr>
+        <p:spPr/>
+        <p:txBody>
+          <a:bodyPr vert="horz" anchor="t"/>
+          <a:lstStyle/>
+          <a:p>
+            <a:r>
+              <a:rPr lang="en-GB" dirty="0">
+                <a:latin typeface="Arial"/>
+                <a:cs typeface="Arial"/>
+              </a:rPr>
+              <a:t>Length Puzzles Solutions</a:t>
+            </a:r>
+            <a:endParaRPr lang="en-GB" dirty="0"/>
+          </a:p>
+        </p:txBody>
+      </p:sp>
+      <p:sp>
+        <p:nvSpPr>
+          <p:cNvPr id="4" name="Slide Number Placeholder 3">
+            <a:extLst>
+              <a:ext uri="{FF2B5EF4-FFF2-40B4-BE49-F238E27FC236}">
+                <a16:creationId xmlns:a16="http://schemas.microsoft.com/office/drawing/2014/main" id="{58F82E0C-B844-4A6A-8EE2-3130128C3C02}"/>
+              </a:ext>
+            </a:extLst>
+          </p:cNvPr>
+          <p:cNvSpPr>
+            <a:spLocks noGrp="1"/>
+          </p:cNvSpPr>
+          <p:nvPr>
+            <p:ph type="sldNum" sz="quarter" idx="4"/>
+          </p:nvPr>
+        </p:nvSpPr>
+        <p:spPr/>
+        <p:txBody>
+          <a:bodyPr/>
+          <a:lstStyle/>
+          <a:p>
+            <a:fld id="{3C4F54F3-C349-4609-AFEE-01462D5C7942}" type="slidenum">
+              <a:rPr lang="en-GB" smtClean="0"/>
+              <a:pPr/>
+              <a:t>21</a:t>
             </a:fld>
             <a:endParaRPr lang="en-GB"/>
           </a:p>
@@ -30785,7 +31127,7 @@
                 <a:latin typeface="Arial"/>
                 <a:cs typeface="Arial"/>
               </a:rPr>
-              <a:t>Session Content</a:t>
+              <a:t>Printing Recap</a:t>
             </a:r>
             <a:endParaRPr lang="en-GB" dirty="0"/>
           </a:p>
@@ -30816,6 +31158,476 @@
               <a:rPr lang="en-GB" smtClean="0"/>
               <a:pPr/>
               <a:t>3</a:t>
+            </a:fld>
+            <a:endParaRPr lang="en-GB"/>
+          </a:p>
+        </p:txBody>
+      </p:sp>
+      <p:pic>
+        <p:nvPicPr>
+          <p:cNvPr id="7" name="Picture 6">
+            <a:extLst>
+              <a:ext uri="{FF2B5EF4-FFF2-40B4-BE49-F238E27FC236}">
+                <a16:creationId xmlns:a16="http://schemas.microsoft.com/office/drawing/2014/main" id="{0A9CCCDE-38BA-407D-B893-4D4CD96670C2}"/>
+              </a:ext>
+            </a:extLst>
+          </p:cNvPr>
+          <p:cNvPicPr>
+            <a:picLocks noChangeAspect="1"/>
+          </p:cNvPicPr>
+          <p:nvPr/>
+        </p:nvPicPr>
+        <p:blipFill rotWithShape="1">
+          <a:blip r:embed="rId2"/>
+          <a:srcRect l="2982" t="3174" r="2869" b="2900"/>
+          <a:stretch/>
+        </p:blipFill>
+        <p:spPr>
+          <a:xfrm>
+            <a:off x="8576572" y="4598283"/>
+            <a:ext cx="498106" cy="496941"/>
+          </a:xfrm>
+          <a:prstGeom prst="ellipse">
+            <a:avLst/>
+          </a:prstGeom>
+        </p:spPr>
+      </p:pic>
+      <p:sp>
+        <p:nvSpPr>
+          <p:cNvPr id="11" name="Text Placeholder 2">
+            <a:extLst>
+              <a:ext uri="{FF2B5EF4-FFF2-40B4-BE49-F238E27FC236}">
+                <a16:creationId xmlns:a16="http://schemas.microsoft.com/office/drawing/2014/main" id="{825EE2FD-D59C-4D6F-93E9-415E324D68C1}"/>
+              </a:ext>
+            </a:extLst>
+          </p:cNvPr>
+          <p:cNvSpPr txBox="1">
+            <a:spLocks/>
+          </p:cNvSpPr>
+          <p:nvPr/>
+        </p:nvSpPr>
+        <p:spPr>
+          <a:xfrm>
+            <a:off x="237061" y="712956"/>
+            <a:ext cx="8589439" cy="3885327"/>
+          </a:xfrm>
+          <a:prstGeom prst="rect">
+            <a:avLst/>
+          </a:prstGeom>
+        </p:spPr>
+        <p:txBody>
+          <a:bodyPr vert="horz" anchor="t"/>
+          <a:lstStyle>
+            <a:lvl1pPr marL="0" indent="0" algn="l" defTabSz="457200" rtl="0" eaLnBrk="1" latinLnBrk="0" hangingPunct="1">
+              <a:spcBef>
+                <a:spcPts val="0"/>
+              </a:spcBef>
+              <a:buFont typeface="Arial"/>
+              <a:buNone/>
+              <a:defRPr sz="2400" kern="1200" baseline="0">
+                <a:solidFill>
+                  <a:schemeClr val="tx1"/>
+                </a:solidFill>
+                <a:latin typeface="Arial" pitchFamily="34" charset="0"/>
+                <a:ea typeface="+mn-ea"/>
+                <a:cs typeface="Arial" pitchFamily="34" charset="0"/>
+              </a:defRPr>
+            </a:lvl1pPr>
+            <a:lvl2pPr marL="457200" indent="0" algn="l" defTabSz="457200" rtl="0" eaLnBrk="1" latinLnBrk="0" hangingPunct="1">
+              <a:spcBef>
+                <a:spcPct val="20000"/>
+              </a:spcBef>
+              <a:buFont typeface="Arial"/>
+              <a:buNone/>
+              <a:defRPr sz="2400" kern="1200">
+                <a:solidFill>
+                  <a:schemeClr val="tx1"/>
+                </a:solidFill>
+                <a:latin typeface="+mn-lt"/>
+                <a:ea typeface="+mn-ea"/>
+                <a:cs typeface="+mn-cs"/>
+              </a:defRPr>
+            </a:lvl2pPr>
+            <a:lvl3pPr marL="914400" indent="0" algn="l" defTabSz="457200" rtl="0" eaLnBrk="1" latinLnBrk="0" hangingPunct="1">
+              <a:spcBef>
+                <a:spcPct val="20000"/>
+              </a:spcBef>
+              <a:buFont typeface="Arial"/>
+              <a:buNone/>
+              <a:defRPr sz="2400" kern="1200">
+                <a:solidFill>
+                  <a:schemeClr val="tx1"/>
+                </a:solidFill>
+                <a:latin typeface="+mn-lt"/>
+                <a:ea typeface="+mn-ea"/>
+                <a:cs typeface="+mn-cs"/>
+              </a:defRPr>
+            </a:lvl3pPr>
+            <a:lvl4pPr marL="1371600" indent="0" algn="l" defTabSz="457200" rtl="0" eaLnBrk="1" latinLnBrk="0" hangingPunct="1">
+              <a:spcBef>
+                <a:spcPct val="20000"/>
+              </a:spcBef>
+              <a:buFont typeface="Arial"/>
+              <a:buNone/>
+              <a:defRPr sz="2400" kern="1200">
+                <a:solidFill>
+                  <a:schemeClr val="tx1"/>
+                </a:solidFill>
+                <a:latin typeface="+mn-lt"/>
+                <a:ea typeface="+mn-ea"/>
+                <a:cs typeface="+mn-cs"/>
+              </a:defRPr>
+            </a:lvl4pPr>
+            <a:lvl5pPr marL="1828800" indent="0" algn="l" defTabSz="457200" rtl="0" eaLnBrk="1" latinLnBrk="0" hangingPunct="1">
+              <a:spcBef>
+                <a:spcPct val="20000"/>
+              </a:spcBef>
+              <a:buFont typeface="Arial"/>
+              <a:buNone/>
+              <a:defRPr sz="2400" kern="1200">
+                <a:solidFill>
+                  <a:schemeClr val="tx1"/>
+                </a:solidFill>
+                <a:latin typeface="+mn-lt"/>
+                <a:ea typeface="+mn-ea"/>
+                <a:cs typeface="+mn-cs"/>
+              </a:defRPr>
+            </a:lvl5pPr>
+            <a:lvl6pPr marL="2514600" indent="-228600" algn="l" defTabSz="457200" rtl="0" eaLnBrk="1" latinLnBrk="0" hangingPunct="1">
+              <a:spcBef>
+                <a:spcPct val="20000"/>
+              </a:spcBef>
+              <a:buFont typeface="Arial"/>
+              <a:buChar char="•"/>
+              <a:defRPr sz="2000" kern="1200">
+                <a:solidFill>
+                  <a:schemeClr val="tx1"/>
+                </a:solidFill>
+                <a:latin typeface="+mn-lt"/>
+                <a:ea typeface="+mn-ea"/>
+                <a:cs typeface="+mn-cs"/>
+              </a:defRPr>
+            </a:lvl6pPr>
+            <a:lvl7pPr marL="2971800" indent="-228600" algn="l" defTabSz="457200" rtl="0" eaLnBrk="1" latinLnBrk="0" hangingPunct="1">
+              <a:spcBef>
+                <a:spcPct val="20000"/>
+              </a:spcBef>
+              <a:buFont typeface="Arial"/>
+              <a:buChar char="•"/>
+              <a:defRPr sz="2000" kern="1200">
+                <a:solidFill>
+                  <a:schemeClr val="tx1"/>
+                </a:solidFill>
+                <a:latin typeface="+mn-lt"/>
+                <a:ea typeface="+mn-ea"/>
+                <a:cs typeface="+mn-cs"/>
+              </a:defRPr>
+            </a:lvl7pPr>
+            <a:lvl8pPr marL="3429000" indent="-228600" algn="l" defTabSz="457200" rtl="0" eaLnBrk="1" latinLnBrk="0" hangingPunct="1">
+              <a:spcBef>
+                <a:spcPct val="20000"/>
+              </a:spcBef>
+              <a:buFont typeface="Arial"/>
+              <a:buChar char="•"/>
+              <a:defRPr sz="2000" kern="1200">
+                <a:solidFill>
+                  <a:schemeClr val="tx1"/>
+                </a:solidFill>
+                <a:latin typeface="+mn-lt"/>
+                <a:ea typeface="+mn-ea"/>
+                <a:cs typeface="+mn-cs"/>
+              </a:defRPr>
+            </a:lvl8pPr>
+            <a:lvl9pPr marL="3886200" indent="-228600" algn="l" defTabSz="457200" rtl="0" eaLnBrk="1" latinLnBrk="0" hangingPunct="1">
+              <a:spcBef>
+                <a:spcPct val="20000"/>
+              </a:spcBef>
+              <a:buFont typeface="Arial"/>
+              <a:buChar char="•"/>
+              <a:defRPr sz="2000" kern="1200">
+                <a:solidFill>
+                  <a:schemeClr val="tx1"/>
+                </a:solidFill>
+                <a:latin typeface="+mn-lt"/>
+                <a:ea typeface="+mn-ea"/>
+                <a:cs typeface="+mn-cs"/>
+              </a:defRPr>
+            </a:lvl9pPr>
+          </a:lstStyle>
+          <a:p>
+            <a:pPr marL="342900" indent="-342900">
+              <a:buFont typeface="Arial" panose="020B0604020202020204" pitchFamily="34" charset="0"/>
+              <a:buChar char="•"/>
+            </a:pPr>
+            <a:r>
+              <a:rPr lang="en-GB" sz="2000" dirty="0">
+                <a:latin typeface="Arial"/>
+                <a:cs typeface="Arial"/>
+              </a:rPr>
+              <a:t>In the last presentation, we said that you always need to use print() to get Python to output information to you. This isn’t technically true</a:t>
+            </a:r>
+          </a:p>
+          <a:p>
+            <a:pPr marL="342900" indent="-342900">
+              <a:buFont typeface="Arial" panose="020B0604020202020204" pitchFamily="34" charset="0"/>
+              <a:buChar char="•"/>
+            </a:pPr>
+            <a:r>
+              <a:rPr lang="en-GB" sz="2000" dirty="0">
+                <a:latin typeface="Arial"/>
+                <a:cs typeface="Arial"/>
+              </a:rPr>
+              <a:t>Whenever you run code that outputs a value, Python will try to print it automatically</a:t>
+            </a:r>
+          </a:p>
+          <a:p>
+            <a:pPr marL="342900" indent="-342900">
+              <a:buFont typeface="Arial" panose="020B0604020202020204" pitchFamily="34" charset="0"/>
+              <a:buChar char="•"/>
+            </a:pPr>
+            <a:r>
+              <a:rPr lang="en-GB" sz="2000" dirty="0">
+                <a:latin typeface="Arial"/>
+                <a:cs typeface="Arial"/>
+              </a:rPr>
+              <a:t>This only happens for the last code you evaluate in a cell though</a:t>
+            </a:r>
+          </a:p>
+          <a:p>
+            <a:pPr marL="342900" indent="-342900">
+              <a:buFont typeface="Arial" panose="020B0604020202020204" pitchFamily="34" charset="0"/>
+              <a:buChar char="•"/>
+            </a:pPr>
+            <a:r>
+              <a:rPr lang="en-GB" sz="2000" dirty="0">
+                <a:latin typeface="Arial"/>
+                <a:cs typeface="Arial"/>
+              </a:rPr>
+              <a:t>Therefore if we want to output more than one thing, we must use print()</a:t>
+            </a:r>
+          </a:p>
+          <a:p>
+            <a:pPr marL="342900" indent="-342900">
+              <a:buFont typeface="Arial" panose="020B0604020202020204" pitchFamily="34" charset="0"/>
+              <a:buChar char="•"/>
+            </a:pPr>
+            <a:endParaRPr lang="en-GB" sz="2000" dirty="0">
+              <a:latin typeface="Arial"/>
+              <a:cs typeface="Arial"/>
+            </a:endParaRPr>
+          </a:p>
+          <a:p>
+            <a:pPr marL="342900" indent="-342900">
+              <a:buFont typeface="Arial" panose="020B0604020202020204" pitchFamily="34" charset="0"/>
+              <a:buChar char="•"/>
+            </a:pPr>
+            <a:endParaRPr lang="en-GB" sz="2000" dirty="0">
+              <a:latin typeface="Arial"/>
+              <a:cs typeface="Arial"/>
+            </a:endParaRPr>
+          </a:p>
+          <a:p>
+            <a:pPr marL="342900" indent="-342900">
+              <a:buFont typeface="Arial" panose="020B0604020202020204" pitchFamily="34" charset="0"/>
+              <a:buChar char="•"/>
+            </a:pPr>
+            <a:endParaRPr lang="en-GB" sz="2000" dirty="0">
+              <a:latin typeface="Arial"/>
+              <a:cs typeface="Arial"/>
+            </a:endParaRPr>
+          </a:p>
+          <a:p>
+            <a:pPr marL="342900" indent="-342900">
+              <a:buFont typeface="Arial" panose="020B0604020202020204" pitchFamily="34" charset="0"/>
+              <a:buChar char="•"/>
+            </a:pPr>
+            <a:endParaRPr lang="en-GB" sz="2000" dirty="0">
+              <a:latin typeface="Arial"/>
+              <a:cs typeface="Arial"/>
+            </a:endParaRPr>
+          </a:p>
+          <a:p>
+            <a:pPr marL="342900" indent="-342900">
+              <a:buFont typeface="Arial" panose="020B0604020202020204" pitchFamily="34" charset="0"/>
+              <a:buChar char="•"/>
+            </a:pPr>
+            <a:endParaRPr lang="en-GB" sz="2000" dirty="0">
+              <a:latin typeface="Arial"/>
+              <a:cs typeface="Arial"/>
+            </a:endParaRPr>
+          </a:p>
+          <a:p>
+            <a:pPr marL="342900" indent="-342900">
+              <a:buFont typeface="Arial" panose="020B0604020202020204" pitchFamily="34" charset="0"/>
+              <a:buChar char="•"/>
+            </a:pPr>
+            <a:endParaRPr lang="en-GB" sz="2000" dirty="0">
+              <a:latin typeface="Arial"/>
+              <a:cs typeface="Arial"/>
+            </a:endParaRPr>
+          </a:p>
+          <a:p>
+            <a:pPr marL="342900" indent="-342900">
+              <a:buFont typeface="Arial" panose="020B0604020202020204" pitchFamily="34" charset="0"/>
+              <a:buChar char="•"/>
+            </a:pPr>
+            <a:r>
+              <a:rPr lang="en-GB" sz="2000" dirty="0">
+                <a:latin typeface="Arial"/>
+                <a:cs typeface="Arial"/>
+              </a:rPr>
+              <a:t>Sometimes it’s good to use print() just to make it clear too</a:t>
+            </a:r>
+          </a:p>
+        </p:txBody>
+      </p:sp>
+      <p:pic>
+        <p:nvPicPr>
+          <p:cNvPr id="3" name="Picture 2">
+            <a:extLst>
+              <a:ext uri="{FF2B5EF4-FFF2-40B4-BE49-F238E27FC236}">
+                <a16:creationId xmlns:a16="http://schemas.microsoft.com/office/drawing/2014/main" id="{46E3E259-6397-4050-BF6A-F2A168D82FC3}"/>
+              </a:ext>
+            </a:extLst>
+          </p:cNvPr>
+          <p:cNvPicPr>
+            <a:picLocks noChangeAspect="1"/>
+          </p:cNvPicPr>
+          <p:nvPr/>
+        </p:nvPicPr>
+        <p:blipFill>
+          <a:blip r:embed="rId3"/>
+          <a:stretch>
+            <a:fillRect/>
+          </a:stretch>
+        </p:blipFill>
+        <p:spPr>
+          <a:xfrm>
+            <a:off x="1297101" y="2845283"/>
+            <a:ext cx="2732831" cy="1406842"/>
+          </a:xfrm>
+          <a:prstGeom prst="rect">
+            <a:avLst/>
+          </a:prstGeom>
+        </p:spPr>
+      </p:pic>
+      <p:pic>
+        <p:nvPicPr>
+          <p:cNvPr id="5" name="Picture 4">
+            <a:extLst>
+              <a:ext uri="{FF2B5EF4-FFF2-40B4-BE49-F238E27FC236}">
+                <a16:creationId xmlns:a16="http://schemas.microsoft.com/office/drawing/2014/main" id="{1D10843E-B6CB-4976-A6CF-BF3421F91EA3}"/>
+              </a:ext>
+            </a:extLst>
+          </p:cNvPr>
+          <p:cNvPicPr>
+            <a:picLocks noChangeAspect="1"/>
+          </p:cNvPicPr>
+          <p:nvPr/>
+        </p:nvPicPr>
+        <p:blipFill>
+          <a:blip r:embed="rId4"/>
+          <a:stretch>
+            <a:fillRect/>
+          </a:stretch>
+        </p:blipFill>
+        <p:spPr>
+          <a:xfrm>
+            <a:off x="4572000" y="2845283"/>
+            <a:ext cx="2966904" cy="1406842"/>
+          </a:xfrm>
+          <a:prstGeom prst="rect">
+            <a:avLst/>
+          </a:prstGeom>
+        </p:spPr>
+      </p:pic>
+    </p:spTree>
+    <p:extLst>
+      <p:ext uri="{BB962C8B-B14F-4D97-AF65-F5344CB8AC3E}">
+        <p14:creationId xmlns:p14="http://schemas.microsoft.com/office/powerpoint/2010/main" val="2890381243"/>
+      </p:ext>
+    </p:extLst>
+  </p:cSld>
+  <p:clrMapOvr>
+    <a:masterClrMapping/>
+  </p:clrMapOvr>
+</p:sld>
+</file>
+
+<file path=ppt/slides/slide4.xml><?xml version="1.0" encoding="utf-8"?>
+<p:sld xmlns:a="http://schemas.openxmlformats.org/drawingml/2006/main" xmlns:r="http://schemas.openxmlformats.org/officeDocument/2006/relationships" xmlns:p="http://schemas.openxmlformats.org/presentationml/2006/main" showMasterSp="0">
+  <p:cSld>
+    <p:spTree>
+      <p:nvGrpSpPr>
+        <p:cNvPr id="1" name=""/>
+        <p:cNvGrpSpPr/>
+        <p:nvPr/>
+      </p:nvGrpSpPr>
+      <p:grpSpPr>
+        <a:xfrm>
+          <a:off x="0" y="0"/>
+          <a:ext cx="0" cy="0"/>
+          <a:chOff x="0" y="0"/>
+          <a:chExt cx="0" cy="0"/>
+        </a:xfrm>
+      </p:grpSpPr>
+      <p:sp>
+        <p:nvSpPr>
+          <p:cNvPr id="2" name="Title 1">
+            <a:extLst>
+              <a:ext uri="{FF2B5EF4-FFF2-40B4-BE49-F238E27FC236}">
+                <a16:creationId xmlns:a16="http://schemas.microsoft.com/office/drawing/2014/main" id="{6FF1181F-0C76-47D0-83D2-2133FE38FB6F}"/>
+              </a:ext>
+            </a:extLst>
+          </p:cNvPr>
+          <p:cNvSpPr>
+            <a:spLocks noGrp="1"/>
+          </p:cNvSpPr>
+          <p:nvPr>
+            <p:ph type="title"/>
+          </p:nvPr>
+        </p:nvSpPr>
+        <p:spPr/>
+        <p:txBody>
+          <a:bodyPr vert="horz" anchor="t"/>
+          <a:lstStyle/>
+          <a:p>
+            <a:r>
+              <a:rPr lang="en-GB" dirty="0">
+                <a:latin typeface="Arial"/>
+                <a:cs typeface="Arial"/>
+              </a:rPr>
+              <a:t>Session Content</a:t>
+            </a:r>
+            <a:endParaRPr lang="en-GB" dirty="0"/>
+          </a:p>
+        </p:txBody>
+      </p:sp>
+      <p:sp>
+        <p:nvSpPr>
+          <p:cNvPr id="4" name="Slide Number Placeholder 3">
+            <a:extLst>
+              <a:ext uri="{FF2B5EF4-FFF2-40B4-BE49-F238E27FC236}">
+                <a16:creationId xmlns:a16="http://schemas.microsoft.com/office/drawing/2014/main" id="{CCA97D33-0674-4F0A-9450-AA6A3EE0628D}"/>
+              </a:ext>
+            </a:extLst>
+          </p:cNvPr>
+          <p:cNvSpPr>
+            <a:spLocks noGrp="1"/>
+          </p:cNvSpPr>
+          <p:nvPr>
+            <p:ph type="sldNum" sz="quarter" idx="4"/>
+          </p:nvPr>
+        </p:nvSpPr>
+        <p:spPr/>
+        <p:txBody>
+          <a:bodyPr/>
+          <a:lstStyle/>
+          <a:p>
+            <a:fld id="{3C4F54F3-C349-4609-AFEE-01462D5C7942}" type="slidenum">
+              <a:rPr lang="en-GB" smtClean="0"/>
+              <a:pPr/>
+              <a:t>4</a:t>
             </a:fld>
             <a:endParaRPr lang="en-GB"/>
           </a:p>
@@ -30985,7 +31797,7 @@
 </p:sld>
 </file>
 
-<file path=ppt/slides/slide4.xml><?xml version="1.0" encoding="utf-8"?>
+<file path=ppt/slides/slide5.xml><?xml version="1.0" encoding="utf-8"?>
 <p:sld xmlns:a="http://schemas.openxmlformats.org/drawingml/2006/main" xmlns:r="http://schemas.openxmlformats.org/officeDocument/2006/relationships" xmlns:p="http://schemas.openxmlformats.org/presentationml/2006/main" showMasterSp="0">
   <p:cSld>
     <p:spTree>
@@ -31058,7 +31870,7 @@
             <a:fld id="{3C4F54F3-C349-4609-AFEE-01462D5C7942}" type="slidenum">
               <a:rPr lang="en-GB" smtClean="0"/>
               <a:pPr/>
-              <a:t>4</a:t>
+              <a:t>5</a:t>
             </a:fld>
             <a:endParaRPr lang="en-GB"/>
           </a:p>
@@ -31343,361 +32155,6 @@
     <p:extLst>
       <p:ext uri="{BB962C8B-B14F-4D97-AF65-F5344CB8AC3E}">
         <p14:creationId xmlns:p14="http://schemas.microsoft.com/office/powerpoint/2010/main" val="3446684734"/>
-      </p:ext>
-    </p:extLst>
-  </p:cSld>
-  <p:clrMapOvr>
-    <a:masterClrMapping/>
-  </p:clrMapOvr>
-</p:sld>
-</file>
-
-<file path=ppt/slides/slide5.xml><?xml version="1.0" encoding="utf-8"?>
-<p:sld xmlns:a="http://schemas.openxmlformats.org/drawingml/2006/main" xmlns:r="http://schemas.openxmlformats.org/officeDocument/2006/relationships" xmlns:p="http://schemas.openxmlformats.org/presentationml/2006/main" showMasterSp="0">
-  <p:cSld>
-    <p:spTree>
-      <p:nvGrpSpPr>
-        <p:cNvPr id="1" name=""/>
-        <p:cNvGrpSpPr/>
-        <p:nvPr/>
-      </p:nvGrpSpPr>
-      <p:grpSpPr>
-        <a:xfrm>
-          <a:off x="0" y="0"/>
-          <a:ext cx="0" cy="0"/>
-          <a:chOff x="0" y="0"/>
-          <a:chExt cx="0" cy="0"/>
-        </a:xfrm>
-      </p:grpSpPr>
-      <p:sp>
-        <p:nvSpPr>
-          <p:cNvPr id="2" name="Title 1">
-            <a:extLst>
-              <a:ext uri="{FF2B5EF4-FFF2-40B4-BE49-F238E27FC236}">
-                <a16:creationId xmlns:a16="http://schemas.microsoft.com/office/drawing/2014/main" id="{6FF1181F-0C76-47D0-83D2-2133FE38FB6F}"/>
-              </a:ext>
-            </a:extLst>
-          </p:cNvPr>
-          <p:cNvSpPr>
-            <a:spLocks noGrp="1"/>
-          </p:cNvSpPr>
-          <p:nvPr>
-            <p:ph type="title"/>
-          </p:nvPr>
-        </p:nvSpPr>
-        <p:spPr/>
-        <p:txBody>
-          <a:bodyPr vert="horz" anchor="t"/>
-          <a:lstStyle/>
-          <a:p>
-            <a:r>
-              <a:rPr lang="en-GB" dirty="0">
-                <a:latin typeface="Arial"/>
-                <a:cs typeface="Arial"/>
-              </a:rPr>
-              <a:t>User Input</a:t>
-            </a:r>
-            <a:endParaRPr lang="en-GB" dirty="0"/>
-          </a:p>
-        </p:txBody>
-      </p:sp>
-      <p:sp>
-        <p:nvSpPr>
-          <p:cNvPr id="4" name="Slide Number Placeholder 3">
-            <a:extLst>
-              <a:ext uri="{FF2B5EF4-FFF2-40B4-BE49-F238E27FC236}">
-                <a16:creationId xmlns:a16="http://schemas.microsoft.com/office/drawing/2014/main" id="{CCA97D33-0674-4F0A-9450-AA6A3EE0628D}"/>
-              </a:ext>
-            </a:extLst>
-          </p:cNvPr>
-          <p:cNvSpPr>
-            <a:spLocks noGrp="1"/>
-          </p:cNvSpPr>
-          <p:nvPr>
-            <p:ph type="sldNum" sz="quarter" idx="4"/>
-          </p:nvPr>
-        </p:nvSpPr>
-        <p:spPr/>
-        <p:txBody>
-          <a:bodyPr/>
-          <a:lstStyle/>
-          <a:p>
-            <a:fld id="{3C4F54F3-C349-4609-AFEE-01462D5C7942}" type="slidenum">
-              <a:rPr lang="en-GB" smtClean="0"/>
-              <a:pPr/>
-              <a:t>5</a:t>
-            </a:fld>
-            <a:endParaRPr lang="en-GB"/>
-          </a:p>
-        </p:txBody>
-      </p:sp>
-      <p:pic>
-        <p:nvPicPr>
-          <p:cNvPr id="7" name="Picture 6">
-            <a:extLst>
-              <a:ext uri="{FF2B5EF4-FFF2-40B4-BE49-F238E27FC236}">
-                <a16:creationId xmlns:a16="http://schemas.microsoft.com/office/drawing/2014/main" id="{0A9CCCDE-38BA-407D-B893-4D4CD96670C2}"/>
-              </a:ext>
-            </a:extLst>
-          </p:cNvPr>
-          <p:cNvPicPr>
-            <a:picLocks noChangeAspect="1"/>
-          </p:cNvPicPr>
-          <p:nvPr/>
-        </p:nvPicPr>
-        <p:blipFill rotWithShape="1">
-          <a:blip r:embed="rId2"/>
-          <a:srcRect l="2982" t="3174" r="2869" b="2900"/>
-          <a:stretch/>
-        </p:blipFill>
-        <p:spPr>
-          <a:xfrm>
-            <a:off x="8576572" y="4598283"/>
-            <a:ext cx="498106" cy="496941"/>
-          </a:xfrm>
-          <a:prstGeom prst="ellipse">
-            <a:avLst/>
-          </a:prstGeom>
-        </p:spPr>
-      </p:pic>
-      <p:sp>
-        <p:nvSpPr>
-          <p:cNvPr id="11" name="Text Placeholder 2">
-            <a:extLst>
-              <a:ext uri="{FF2B5EF4-FFF2-40B4-BE49-F238E27FC236}">
-                <a16:creationId xmlns:a16="http://schemas.microsoft.com/office/drawing/2014/main" id="{825EE2FD-D59C-4D6F-93E9-415E324D68C1}"/>
-              </a:ext>
-            </a:extLst>
-          </p:cNvPr>
-          <p:cNvSpPr txBox="1">
-            <a:spLocks/>
-          </p:cNvSpPr>
-          <p:nvPr/>
-        </p:nvSpPr>
-        <p:spPr>
-          <a:xfrm>
-            <a:off x="237061" y="712956"/>
-            <a:ext cx="8589439" cy="3885327"/>
-          </a:xfrm>
-          <a:prstGeom prst="rect">
-            <a:avLst/>
-          </a:prstGeom>
-        </p:spPr>
-        <p:txBody>
-          <a:bodyPr vert="horz" anchor="t"/>
-          <a:lstStyle>
-            <a:lvl1pPr marL="0" indent="0" algn="l" defTabSz="457200" rtl="0" eaLnBrk="1" latinLnBrk="0" hangingPunct="1">
-              <a:spcBef>
-                <a:spcPts val="0"/>
-              </a:spcBef>
-              <a:buFont typeface="Arial"/>
-              <a:buNone/>
-              <a:defRPr sz="2400" kern="1200" baseline="0">
-                <a:solidFill>
-                  <a:schemeClr val="tx1"/>
-                </a:solidFill>
-                <a:latin typeface="Arial" pitchFamily="34" charset="0"/>
-                <a:ea typeface="+mn-ea"/>
-                <a:cs typeface="Arial" pitchFamily="34" charset="0"/>
-              </a:defRPr>
-            </a:lvl1pPr>
-            <a:lvl2pPr marL="457200" indent="0" algn="l" defTabSz="457200" rtl="0" eaLnBrk="1" latinLnBrk="0" hangingPunct="1">
-              <a:spcBef>
-                <a:spcPct val="20000"/>
-              </a:spcBef>
-              <a:buFont typeface="Arial"/>
-              <a:buNone/>
-              <a:defRPr sz="2400" kern="1200">
-                <a:solidFill>
-                  <a:schemeClr val="tx1"/>
-                </a:solidFill>
-                <a:latin typeface="+mn-lt"/>
-                <a:ea typeface="+mn-ea"/>
-                <a:cs typeface="+mn-cs"/>
-              </a:defRPr>
-            </a:lvl2pPr>
-            <a:lvl3pPr marL="914400" indent="0" algn="l" defTabSz="457200" rtl="0" eaLnBrk="1" latinLnBrk="0" hangingPunct="1">
-              <a:spcBef>
-                <a:spcPct val="20000"/>
-              </a:spcBef>
-              <a:buFont typeface="Arial"/>
-              <a:buNone/>
-              <a:defRPr sz="2400" kern="1200">
-                <a:solidFill>
-                  <a:schemeClr val="tx1"/>
-                </a:solidFill>
-                <a:latin typeface="+mn-lt"/>
-                <a:ea typeface="+mn-ea"/>
-                <a:cs typeface="+mn-cs"/>
-              </a:defRPr>
-            </a:lvl3pPr>
-            <a:lvl4pPr marL="1371600" indent="0" algn="l" defTabSz="457200" rtl="0" eaLnBrk="1" latinLnBrk="0" hangingPunct="1">
-              <a:spcBef>
-                <a:spcPct val="20000"/>
-              </a:spcBef>
-              <a:buFont typeface="Arial"/>
-              <a:buNone/>
-              <a:defRPr sz="2400" kern="1200">
-                <a:solidFill>
-                  <a:schemeClr val="tx1"/>
-                </a:solidFill>
-                <a:latin typeface="+mn-lt"/>
-                <a:ea typeface="+mn-ea"/>
-                <a:cs typeface="+mn-cs"/>
-              </a:defRPr>
-            </a:lvl4pPr>
-            <a:lvl5pPr marL="1828800" indent="0" algn="l" defTabSz="457200" rtl="0" eaLnBrk="1" latinLnBrk="0" hangingPunct="1">
-              <a:spcBef>
-                <a:spcPct val="20000"/>
-              </a:spcBef>
-              <a:buFont typeface="Arial"/>
-              <a:buNone/>
-              <a:defRPr sz="2400" kern="1200">
-                <a:solidFill>
-                  <a:schemeClr val="tx1"/>
-                </a:solidFill>
-                <a:latin typeface="+mn-lt"/>
-                <a:ea typeface="+mn-ea"/>
-                <a:cs typeface="+mn-cs"/>
-              </a:defRPr>
-            </a:lvl5pPr>
-            <a:lvl6pPr marL="2514600" indent="-228600" algn="l" defTabSz="457200" rtl="0" eaLnBrk="1" latinLnBrk="0" hangingPunct="1">
-              <a:spcBef>
-                <a:spcPct val="20000"/>
-              </a:spcBef>
-              <a:buFont typeface="Arial"/>
-              <a:buChar char="•"/>
-              <a:defRPr sz="2000" kern="1200">
-                <a:solidFill>
-                  <a:schemeClr val="tx1"/>
-                </a:solidFill>
-                <a:latin typeface="+mn-lt"/>
-                <a:ea typeface="+mn-ea"/>
-                <a:cs typeface="+mn-cs"/>
-              </a:defRPr>
-            </a:lvl6pPr>
-            <a:lvl7pPr marL="2971800" indent="-228600" algn="l" defTabSz="457200" rtl="0" eaLnBrk="1" latinLnBrk="0" hangingPunct="1">
-              <a:spcBef>
-                <a:spcPct val="20000"/>
-              </a:spcBef>
-              <a:buFont typeface="Arial"/>
-              <a:buChar char="•"/>
-              <a:defRPr sz="2000" kern="1200">
-                <a:solidFill>
-                  <a:schemeClr val="tx1"/>
-                </a:solidFill>
-                <a:latin typeface="+mn-lt"/>
-                <a:ea typeface="+mn-ea"/>
-                <a:cs typeface="+mn-cs"/>
-              </a:defRPr>
-            </a:lvl7pPr>
-            <a:lvl8pPr marL="3429000" indent="-228600" algn="l" defTabSz="457200" rtl="0" eaLnBrk="1" latinLnBrk="0" hangingPunct="1">
-              <a:spcBef>
-                <a:spcPct val="20000"/>
-              </a:spcBef>
-              <a:buFont typeface="Arial"/>
-              <a:buChar char="•"/>
-              <a:defRPr sz="2000" kern="1200">
-                <a:solidFill>
-                  <a:schemeClr val="tx1"/>
-                </a:solidFill>
-                <a:latin typeface="+mn-lt"/>
-                <a:ea typeface="+mn-ea"/>
-                <a:cs typeface="+mn-cs"/>
-              </a:defRPr>
-            </a:lvl8pPr>
-            <a:lvl9pPr marL="3886200" indent="-228600" algn="l" defTabSz="457200" rtl="0" eaLnBrk="1" latinLnBrk="0" hangingPunct="1">
-              <a:spcBef>
-                <a:spcPct val="20000"/>
-              </a:spcBef>
-              <a:buFont typeface="Arial"/>
-              <a:buChar char="•"/>
-              <a:defRPr sz="2000" kern="1200">
-                <a:solidFill>
-                  <a:schemeClr val="tx1"/>
-                </a:solidFill>
-                <a:latin typeface="+mn-lt"/>
-                <a:ea typeface="+mn-ea"/>
-                <a:cs typeface="+mn-cs"/>
-              </a:defRPr>
-            </a:lvl9pPr>
-          </a:lstStyle>
-          <a:p>
-            <a:pPr marL="342900" indent="-342900">
-              <a:buFont typeface="Arial"/>
-              <a:buChar char="•"/>
-            </a:pPr>
-            <a:r>
-              <a:rPr lang="en-GB" sz="2000" dirty="0">
-                <a:latin typeface="Arial"/>
-                <a:cs typeface="Arial"/>
-              </a:rPr>
-              <a:t>For consistency, the input command will </a:t>
-            </a:r>
-            <a:r>
-              <a:rPr lang="en-GB" sz="2000" b="1" dirty="0">
-                <a:latin typeface="Arial"/>
-                <a:cs typeface="Arial"/>
-              </a:rPr>
-              <a:t>always return a string </a:t>
-            </a:r>
-            <a:r>
-              <a:rPr lang="en-GB" sz="2000" dirty="0">
-                <a:latin typeface="Arial"/>
-                <a:cs typeface="Arial"/>
-              </a:rPr>
-              <a:t>even if the user input is better suited for a different type</a:t>
-            </a:r>
-          </a:p>
-          <a:p>
-            <a:pPr marL="342900" indent="-342900">
-              <a:buFont typeface="Arial"/>
-              <a:buChar char="•"/>
-            </a:pPr>
-            <a:r>
-              <a:rPr lang="en-GB" sz="2000" dirty="0">
-                <a:latin typeface="Arial"/>
-                <a:cs typeface="Arial"/>
-              </a:rPr>
-              <a:t>Because of this, you may need to convert the variable storing the user input to a different type</a:t>
-            </a:r>
-          </a:p>
-        </p:txBody>
-      </p:sp>
-      <p:pic>
-        <p:nvPicPr>
-          <p:cNvPr id="9" name="Picture 8">
-            <a:extLst>
-              <a:ext uri="{FF2B5EF4-FFF2-40B4-BE49-F238E27FC236}">
-                <a16:creationId xmlns:a16="http://schemas.microsoft.com/office/drawing/2014/main" id="{4C07BB43-D239-4713-AA11-3FD9E39EEBCD}"/>
-              </a:ext>
-            </a:extLst>
-          </p:cNvPr>
-          <p:cNvPicPr>
-            <a:picLocks noChangeAspect="1"/>
-          </p:cNvPicPr>
-          <p:nvPr/>
-        </p:nvPicPr>
-        <p:blipFill>
-          <a:blip r:embed="rId3"/>
-          <a:stretch>
-            <a:fillRect/>
-          </a:stretch>
-        </p:blipFill>
-        <p:spPr>
-          <a:xfrm>
-            <a:off x="1930252" y="2411249"/>
-            <a:ext cx="5283495" cy="2019295"/>
-          </a:xfrm>
-          <a:prstGeom prst="rect">
-            <a:avLst/>
-          </a:prstGeom>
-        </p:spPr>
-      </p:pic>
-    </p:spTree>
-    <p:extLst>
-      <p:ext uri="{BB962C8B-B14F-4D97-AF65-F5344CB8AC3E}">
-        <p14:creationId xmlns:p14="http://schemas.microsoft.com/office/powerpoint/2010/main" val="477257485"/>
       </p:ext>
     </p:extLst>
   </p:cSld>
@@ -31750,7 +32207,7 @@
                 <a:latin typeface="Arial"/>
                 <a:cs typeface="Arial"/>
               </a:rPr>
-              <a:t>User Input Puzzles</a:t>
+              <a:t>User Input</a:t>
             </a:r>
             <a:endParaRPr lang="en-GB" dirty="0"/>
           </a:p>
@@ -31832,7 +32289,7 @@
         <p:spPr>
           <a:xfrm>
             <a:off x="237061" y="712956"/>
-            <a:ext cx="8589439" cy="4286544"/>
+            <a:ext cx="8589439" cy="3885327"/>
           </a:xfrm>
           <a:prstGeom prst="rect">
             <a:avLst/>
@@ -31987,7 +32444,21 @@
                 <a:latin typeface="Arial"/>
                 <a:cs typeface="Arial"/>
               </a:rPr>
-              <a:t>Recall the farm yard animal legs puzzle from the session one homework sheet (shown below). Use the input() function to ask the user how many of each animal there are </a:t>
+              <a:t>For consistency, the input command will </a:t>
+            </a:r>
+            <a:r>
+              <a:rPr lang="en-GB" sz="2000" b="1" dirty="0">
+                <a:latin typeface="Arial"/>
+                <a:cs typeface="Arial"/>
+              </a:rPr>
+              <a:t>always return a string </a:t>
+            </a:r>
+            <a:r>
+              <a:rPr lang="en-GB" sz="2000" dirty="0">
+                <a:latin typeface="Arial"/>
+                <a:cs typeface="Arial"/>
+              </a:rPr>
+              <a:t>even if the user input is better suited for a different type</a:t>
             </a:r>
           </a:p>
           <a:p>
@@ -31995,103 +32466,22 @@
               <a:buFont typeface="Arial"/>
               <a:buChar char="•"/>
             </a:pPr>
-            <a:endParaRPr lang="en-GB" sz="2000" dirty="0">
-              <a:latin typeface="Arial"/>
-              <a:cs typeface="Arial"/>
-            </a:endParaRPr>
-          </a:p>
-          <a:p>
-            <a:pPr marL="342900" indent="-342900">
-              <a:buFont typeface="Arial"/>
-              <a:buChar char="•"/>
-            </a:pPr>
-            <a:endParaRPr lang="en-GB" sz="2000" dirty="0">
-              <a:latin typeface="Arial"/>
-              <a:cs typeface="Arial"/>
-            </a:endParaRPr>
-          </a:p>
-          <a:p>
-            <a:pPr marL="342900" indent="-342900">
-              <a:buFont typeface="Arial"/>
-              <a:buChar char="•"/>
-            </a:pPr>
-            <a:endParaRPr lang="en-GB" sz="2000" dirty="0">
-              <a:latin typeface="Arial"/>
-              <a:cs typeface="Arial"/>
-            </a:endParaRPr>
-          </a:p>
-          <a:p>
-            <a:pPr marL="342900" indent="-342900">
-              <a:buFont typeface="Arial"/>
-              <a:buChar char="•"/>
-            </a:pPr>
-            <a:endParaRPr lang="en-GB" sz="2000" dirty="0">
-              <a:latin typeface="Arial"/>
-              <a:cs typeface="Arial"/>
-            </a:endParaRPr>
-          </a:p>
-          <a:p>
-            <a:pPr marL="342900" indent="-342900">
-              <a:buFont typeface="Arial"/>
-              <a:buChar char="•"/>
-            </a:pPr>
-            <a:endParaRPr lang="en-GB" sz="2000" dirty="0">
-              <a:latin typeface="Arial"/>
-              <a:cs typeface="Arial"/>
-            </a:endParaRPr>
-          </a:p>
-          <a:p>
-            <a:pPr marL="342900" indent="-342900">
-              <a:buFont typeface="Arial"/>
-              <a:buChar char="•"/>
-            </a:pPr>
-            <a:endParaRPr lang="en-GB" sz="2000" dirty="0">
-              <a:latin typeface="Arial"/>
-              <a:cs typeface="Arial"/>
-            </a:endParaRPr>
-          </a:p>
-          <a:p>
-            <a:pPr marL="342900" indent="-342900">
-              <a:buFont typeface="Arial"/>
-              <a:buChar char="•"/>
-            </a:pPr>
-            <a:endParaRPr lang="en-GB" sz="2000" dirty="0">
-              <a:latin typeface="Arial"/>
-              <a:cs typeface="Arial"/>
-            </a:endParaRPr>
-          </a:p>
-          <a:p>
-            <a:pPr marL="342900" indent="-342900">
-              <a:buFont typeface="Arial"/>
-              <a:buChar char="•"/>
-            </a:pPr>
-            <a:r>
-              <a:rPr lang="en-GB" sz="2000" b="1" dirty="0">
-                <a:latin typeface="Arial"/>
-                <a:cs typeface="Arial"/>
-              </a:rPr>
-              <a:t>Bonus:</a:t>
-            </a:r>
             <a:r>
               <a:rPr lang="en-GB" sz="2000" dirty="0">
                 <a:latin typeface="Arial"/>
                 <a:cs typeface="Arial"/>
               </a:rPr>
-              <a:t> In most editors, the input() function creates an input box immediately after the question rather than on a new line. Try adding the characters ‘\r\n’ to the end of your question to fix this</a:t>
-            </a:r>
-            <a:endParaRPr lang="en-GB" sz="2000" b="1" dirty="0">
-              <a:latin typeface="Arial"/>
-              <a:cs typeface="Arial"/>
-            </a:endParaRPr>
+              <a:t>Because of this, you may need to convert the variable storing the user input to a different type</a:t>
+            </a:r>
           </a:p>
         </p:txBody>
       </p:sp>
       <p:pic>
         <p:nvPicPr>
-          <p:cNvPr id="3" name="Picture 2">
+          <p:cNvPr id="9" name="Picture 8">
             <a:extLst>
               <a:ext uri="{FF2B5EF4-FFF2-40B4-BE49-F238E27FC236}">
-                <a16:creationId xmlns:a16="http://schemas.microsoft.com/office/drawing/2014/main" id="{7D10E4B5-C93C-47ED-B312-9F12B0154A3C}"/>
+                <a16:creationId xmlns:a16="http://schemas.microsoft.com/office/drawing/2014/main" id="{4C07BB43-D239-4713-AA11-3FD9E39EEBCD}"/>
               </a:ext>
             </a:extLst>
           </p:cNvPr>
@@ -32108,8 +32498,8 @@
         </p:blipFill>
         <p:spPr>
           <a:xfrm>
-            <a:off x="1472267" y="1898924"/>
-            <a:ext cx="5810667" cy="1705037"/>
+            <a:off x="1930252" y="2411249"/>
+            <a:ext cx="5283495" cy="2019295"/>
           </a:xfrm>
           <a:prstGeom prst="rect">
             <a:avLst/>
@@ -32119,7 +32509,7 @@
     </p:spTree>
     <p:extLst>
       <p:ext uri="{BB962C8B-B14F-4D97-AF65-F5344CB8AC3E}">
-        <p14:creationId xmlns:p14="http://schemas.microsoft.com/office/powerpoint/2010/main" val="288644712"/>
+        <p14:creationId xmlns:p14="http://schemas.microsoft.com/office/powerpoint/2010/main" val="477257485"/>
       </p:ext>
     </p:extLst>
   </p:cSld>
@@ -32172,7 +32562,7 @@
                 <a:latin typeface="Arial"/>
                 <a:cs typeface="Arial"/>
               </a:rPr>
-              <a:t>User Input Puzzles Solutions</a:t>
+              <a:t>User Input Puzzles</a:t>
             </a:r>
             <a:endParaRPr lang="en-GB" dirty="0"/>
           </a:p>
@@ -32237,12 +32627,283 @@
           </a:prstGeom>
         </p:spPr>
       </p:pic>
+      <p:sp>
+        <p:nvSpPr>
+          <p:cNvPr id="11" name="Text Placeholder 2">
+            <a:extLst>
+              <a:ext uri="{FF2B5EF4-FFF2-40B4-BE49-F238E27FC236}">
+                <a16:creationId xmlns:a16="http://schemas.microsoft.com/office/drawing/2014/main" id="{825EE2FD-D59C-4D6F-93E9-415E324D68C1}"/>
+              </a:ext>
+            </a:extLst>
+          </p:cNvPr>
+          <p:cNvSpPr txBox="1">
+            <a:spLocks/>
+          </p:cNvSpPr>
+          <p:nvPr/>
+        </p:nvSpPr>
+        <p:spPr>
+          <a:xfrm>
+            <a:off x="237061" y="712956"/>
+            <a:ext cx="8589439" cy="4286544"/>
+          </a:xfrm>
+          <a:prstGeom prst="rect">
+            <a:avLst/>
+          </a:prstGeom>
+        </p:spPr>
+        <p:txBody>
+          <a:bodyPr vert="horz" anchor="t"/>
+          <a:lstStyle>
+            <a:lvl1pPr marL="0" indent="0" algn="l" defTabSz="457200" rtl="0" eaLnBrk="1" latinLnBrk="0" hangingPunct="1">
+              <a:spcBef>
+                <a:spcPts val="0"/>
+              </a:spcBef>
+              <a:buFont typeface="Arial"/>
+              <a:buNone/>
+              <a:defRPr sz="2400" kern="1200" baseline="0">
+                <a:solidFill>
+                  <a:schemeClr val="tx1"/>
+                </a:solidFill>
+                <a:latin typeface="Arial" pitchFamily="34" charset="0"/>
+                <a:ea typeface="+mn-ea"/>
+                <a:cs typeface="Arial" pitchFamily="34" charset="0"/>
+              </a:defRPr>
+            </a:lvl1pPr>
+            <a:lvl2pPr marL="457200" indent="0" algn="l" defTabSz="457200" rtl="0" eaLnBrk="1" latinLnBrk="0" hangingPunct="1">
+              <a:spcBef>
+                <a:spcPct val="20000"/>
+              </a:spcBef>
+              <a:buFont typeface="Arial"/>
+              <a:buNone/>
+              <a:defRPr sz="2400" kern="1200">
+                <a:solidFill>
+                  <a:schemeClr val="tx1"/>
+                </a:solidFill>
+                <a:latin typeface="+mn-lt"/>
+                <a:ea typeface="+mn-ea"/>
+                <a:cs typeface="+mn-cs"/>
+              </a:defRPr>
+            </a:lvl2pPr>
+            <a:lvl3pPr marL="914400" indent="0" algn="l" defTabSz="457200" rtl="0" eaLnBrk="1" latinLnBrk="0" hangingPunct="1">
+              <a:spcBef>
+                <a:spcPct val="20000"/>
+              </a:spcBef>
+              <a:buFont typeface="Arial"/>
+              <a:buNone/>
+              <a:defRPr sz="2400" kern="1200">
+                <a:solidFill>
+                  <a:schemeClr val="tx1"/>
+                </a:solidFill>
+                <a:latin typeface="+mn-lt"/>
+                <a:ea typeface="+mn-ea"/>
+                <a:cs typeface="+mn-cs"/>
+              </a:defRPr>
+            </a:lvl3pPr>
+            <a:lvl4pPr marL="1371600" indent="0" algn="l" defTabSz="457200" rtl="0" eaLnBrk="1" latinLnBrk="0" hangingPunct="1">
+              <a:spcBef>
+                <a:spcPct val="20000"/>
+              </a:spcBef>
+              <a:buFont typeface="Arial"/>
+              <a:buNone/>
+              <a:defRPr sz="2400" kern="1200">
+                <a:solidFill>
+                  <a:schemeClr val="tx1"/>
+                </a:solidFill>
+                <a:latin typeface="+mn-lt"/>
+                <a:ea typeface="+mn-ea"/>
+                <a:cs typeface="+mn-cs"/>
+              </a:defRPr>
+            </a:lvl4pPr>
+            <a:lvl5pPr marL="1828800" indent="0" algn="l" defTabSz="457200" rtl="0" eaLnBrk="1" latinLnBrk="0" hangingPunct="1">
+              <a:spcBef>
+                <a:spcPct val="20000"/>
+              </a:spcBef>
+              <a:buFont typeface="Arial"/>
+              <a:buNone/>
+              <a:defRPr sz="2400" kern="1200">
+                <a:solidFill>
+                  <a:schemeClr val="tx1"/>
+                </a:solidFill>
+                <a:latin typeface="+mn-lt"/>
+                <a:ea typeface="+mn-ea"/>
+                <a:cs typeface="+mn-cs"/>
+              </a:defRPr>
+            </a:lvl5pPr>
+            <a:lvl6pPr marL="2514600" indent="-228600" algn="l" defTabSz="457200" rtl="0" eaLnBrk="1" latinLnBrk="0" hangingPunct="1">
+              <a:spcBef>
+                <a:spcPct val="20000"/>
+              </a:spcBef>
+              <a:buFont typeface="Arial"/>
+              <a:buChar char="•"/>
+              <a:defRPr sz="2000" kern="1200">
+                <a:solidFill>
+                  <a:schemeClr val="tx1"/>
+                </a:solidFill>
+                <a:latin typeface="+mn-lt"/>
+                <a:ea typeface="+mn-ea"/>
+                <a:cs typeface="+mn-cs"/>
+              </a:defRPr>
+            </a:lvl6pPr>
+            <a:lvl7pPr marL="2971800" indent="-228600" algn="l" defTabSz="457200" rtl="0" eaLnBrk="1" latinLnBrk="0" hangingPunct="1">
+              <a:spcBef>
+                <a:spcPct val="20000"/>
+              </a:spcBef>
+              <a:buFont typeface="Arial"/>
+              <a:buChar char="•"/>
+              <a:defRPr sz="2000" kern="1200">
+                <a:solidFill>
+                  <a:schemeClr val="tx1"/>
+                </a:solidFill>
+                <a:latin typeface="+mn-lt"/>
+                <a:ea typeface="+mn-ea"/>
+                <a:cs typeface="+mn-cs"/>
+              </a:defRPr>
+            </a:lvl7pPr>
+            <a:lvl8pPr marL="3429000" indent="-228600" algn="l" defTabSz="457200" rtl="0" eaLnBrk="1" latinLnBrk="0" hangingPunct="1">
+              <a:spcBef>
+                <a:spcPct val="20000"/>
+              </a:spcBef>
+              <a:buFont typeface="Arial"/>
+              <a:buChar char="•"/>
+              <a:defRPr sz="2000" kern="1200">
+                <a:solidFill>
+                  <a:schemeClr val="tx1"/>
+                </a:solidFill>
+                <a:latin typeface="+mn-lt"/>
+                <a:ea typeface="+mn-ea"/>
+                <a:cs typeface="+mn-cs"/>
+              </a:defRPr>
+            </a:lvl8pPr>
+            <a:lvl9pPr marL="3886200" indent="-228600" algn="l" defTabSz="457200" rtl="0" eaLnBrk="1" latinLnBrk="0" hangingPunct="1">
+              <a:spcBef>
+                <a:spcPct val="20000"/>
+              </a:spcBef>
+              <a:buFont typeface="Arial"/>
+              <a:buChar char="•"/>
+              <a:defRPr sz="2000" kern="1200">
+                <a:solidFill>
+                  <a:schemeClr val="tx1"/>
+                </a:solidFill>
+                <a:latin typeface="+mn-lt"/>
+                <a:ea typeface="+mn-ea"/>
+                <a:cs typeface="+mn-cs"/>
+              </a:defRPr>
+            </a:lvl9pPr>
+          </a:lstStyle>
+          <a:p>
+            <a:pPr marL="342900" indent="-342900">
+              <a:buFont typeface="Arial"/>
+              <a:buChar char="•"/>
+            </a:pPr>
+            <a:r>
+              <a:rPr lang="en-GB" sz="2000" dirty="0">
+                <a:latin typeface="Arial"/>
+                <a:cs typeface="Arial"/>
+              </a:rPr>
+              <a:t>Recall the farm yard animal legs puzzle from the session one homework sheet (shown below). Use the input() function to ask the user how many of each animal there are </a:t>
+            </a:r>
+          </a:p>
+          <a:p>
+            <a:pPr marL="342900" indent="-342900">
+              <a:buFont typeface="Arial"/>
+              <a:buChar char="•"/>
+            </a:pPr>
+            <a:endParaRPr lang="en-GB" sz="2000" dirty="0">
+              <a:latin typeface="Arial"/>
+              <a:cs typeface="Arial"/>
+            </a:endParaRPr>
+          </a:p>
+          <a:p>
+            <a:pPr marL="342900" indent="-342900">
+              <a:buFont typeface="Arial"/>
+              <a:buChar char="•"/>
+            </a:pPr>
+            <a:endParaRPr lang="en-GB" sz="2000" dirty="0">
+              <a:latin typeface="Arial"/>
+              <a:cs typeface="Arial"/>
+            </a:endParaRPr>
+          </a:p>
+          <a:p>
+            <a:pPr marL="342900" indent="-342900">
+              <a:buFont typeface="Arial"/>
+              <a:buChar char="•"/>
+            </a:pPr>
+            <a:endParaRPr lang="en-GB" sz="2000" dirty="0">
+              <a:latin typeface="Arial"/>
+              <a:cs typeface="Arial"/>
+            </a:endParaRPr>
+          </a:p>
+          <a:p>
+            <a:pPr marL="342900" indent="-342900">
+              <a:buFont typeface="Arial"/>
+              <a:buChar char="•"/>
+            </a:pPr>
+            <a:endParaRPr lang="en-GB" sz="2000" dirty="0">
+              <a:latin typeface="Arial"/>
+              <a:cs typeface="Arial"/>
+            </a:endParaRPr>
+          </a:p>
+          <a:p>
+            <a:pPr marL="342900" indent="-342900">
+              <a:buFont typeface="Arial"/>
+              <a:buChar char="•"/>
+            </a:pPr>
+            <a:endParaRPr lang="en-GB" sz="2000" dirty="0">
+              <a:latin typeface="Arial"/>
+              <a:cs typeface="Arial"/>
+            </a:endParaRPr>
+          </a:p>
+          <a:p>
+            <a:pPr marL="342900" indent="-342900">
+              <a:buFont typeface="Arial"/>
+              <a:buChar char="•"/>
+            </a:pPr>
+            <a:endParaRPr lang="en-GB" sz="2000" dirty="0">
+              <a:latin typeface="Arial"/>
+              <a:cs typeface="Arial"/>
+            </a:endParaRPr>
+          </a:p>
+          <a:p>
+            <a:pPr marL="342900" indent="-342900">
+              <a:buFont typeface="Arial"/>
+              <a:buChar char="•"/>
+            </a:pPr>
+            <a:endParaRPr lang="en-GB" sz="2000" dirty="0">
+              <a:latin typeface="Arial"/>
+              <a:cs typeface="Arial"/>
+            </a:endParaRPr>
+          </a:p>
+          <a:p>
+            <a:pPr marL="342900" indent="-342900">
+              <a:buFont typeface="Arial"/>
+              <a:buChar char="•"/>
+            </a:pPr>
+            <a:r>
+              <a:rPr lang="en-GB" sz="2000" b="1" dirty="0">
+                <a:latin typeface="Arial"/>
+                <a:cs typeface="Arial"/>
+              </a:rPr>
+              <a:t>Bonus:</a:t>
+            </a:r>
+            <a:r>
+              <a:rPr lang="en-GB" sz="2000" dirty="0">
+                <a:latin typeface="Arial"/>
+                <a:cs typeface="Arial"/>
+              </a:rPr>
+              <a:t> In most editors, the input() function creates an input box immediately after the question rather than on a new line. Try adding the characters ‘\r\n’ to the end of your question to fix this</a:t>
+            </a:r>
+            <a:endParaRPr lang="en-GB" sz="2000" b="1" dirty="0">
+              <a:latin typeface="Arial"/>
+              <a:cs typeface="Arial"/>
+            </a:endParaRPr>
+          </a:p>
+        </p:txBody>
+      </p:sp>
       <p:pic>
         <p:nvPicPr>
-          <p:cNvPr id="5" name="Picture 4">
+          <p:cNvPr id="3" name="Picture 2">
             <a:extLst>
               <a:ext uri="{FF2B5EF4-FFF2-40B4-BE49-F238E27FC236}">
-                <a16:creationId xmlns:a16="http://schemas.microsoft.com/office/drawing/2014/main" id="{852BF60D-F03E-4B04-97F4-38B0F5AD0CF0}"/>
+                <a16:creationId xmlns:a16="http://schemas.microsoft.com/office/drawing/2014/main" id="{7D10E4B5-C93C-47ED-B312-9F12B0154A3C}"/>
               </a:ext>
             </a:extLst>
           </p:cNvPr>
@@ -32259,208 +32920,18 @@
         </p:blipFill>
         <p:spPr>
           <a:xfrm>
-            <a:off x="2109787" y="894759"/>
-            <a:ext cx="4924425" cy="2219325"/>
+            <a:off x="1472267" y="1898924"/>
+            <a:ext cx="5810667" cy="1705037"/>
           </a:xfrm>
           <a:prstGeom prst="rect">
             <a:avLst/>
           </a:prstGeom>
         </p:spPr>
       </p:pic>
-      <p:sp>
-        <p:nvSpPr>
-          <p:cNvPr id="8" name="Text Placeholder 2">
-            <a:extLst>
-              <a:ext uri="{FF2B5EF4-FFF2-40B4-BE49-F238E27FC236}">
-                <a16:creationId xmlns:a16="http://schemas.microsoft.com/office/drawing/2014/main" id="{02F09C7E-2B29-47F4-BC2B-2A460EB7D7D0}"/>
-              </a:ext>
-            </a:extLst>
-          </p:cNvPr>
-          <p:cNvSpPr txBox="1">
-            <a:spLocks/>
-          </p:cNvSpPr>
-          <p:nvPr/>
-        </p:nvSpPr>
-        <p:spPr>
-          <a:xfrm>
-            <a:off x="237061" y="3230435"/>
-            <a:ext cx="8589439" cy="1769064"/>
-          </a:xfrm>
-          <a:prstGeom prst="rect">
-            <a:avLst/>
-          </a:prstGeom>
-        </p:spPr>
-        <p:txBody>
-          <a:bodyPr vert="horz" anchor="t"/>
-          <a:lstStyle>
-            <a:lvl1pPr marL="0" indent="0" algn="l" defTabSz="457200" rtl="0" eaLnBrk="1" latinLnBrk="0" hangingPunct="1">
-              <a:spcBef>
-                <a:spcPts val="0"/>
-              </a:spcBef>
-              <a:buFont typeface="Arial"/>
-              <a:buNone/>
-              <a:defRPr sz="2400" kern="1200" baseline="0">
-                <a:solidFill>
-                  <a:schemeClr val="tx1"/>
-                </a:solidFill>
-                <a:latin typeface="Arial" pitchFamily="34" charset="0"/>
-                <a:ea typeface="+mn-ea"/>
-                <a:cs typeface="Arial" pitchFamily="34" charset="0"/>
-              </a:defRPr>
-            </a:lvl1pPr>
-            <a:lvl2pPr marL="457200" indent="0" algn="l" defTabSz="457200" rtl="0" eaLnBrk="1" latinLnBrk="0" hangingPunct="1">
-              <a:spcBef>
-                <a:spcPct val="20000"/>
-              </a:spcBef>
-              <a:buFont typeface="Arial"/>
-              <a:buNone/>
-              <a:defRPr sz="2400" kern="1200">
-                <a:solidFill>
-                  <a:schemeClr val="tx1"/>
-                </a:solidFill>
-                <a:latin typeface="+mn-lt"/>
-                <a:ea typeface="+mn-ea"/>
-                <a:cs typeface="+mn-cs"/>
-              </a:defRPr>
-            </a:lvl2pPr>
-            <a:lvl3pPr marL="914400" indent="0" algn="l" defTabSz="457200" rtl="0" eaLnBrk="1" latinLnBrk="0" hangingPunct="1">
-              <a:spcBef>
-                <a:spcPct val="20000"/>
-              </a:spcBef>
-              <a:buFont typeface="Arial"/>
-              <a:buNone/>
-              <a:defRPr sz="2400" kern="1200">
-                <a:solidFill>
-                  <a:schemeClr val="tx1"/>
-                </a:solidFill>
-                <a:latin typeface="+mn-lt"/>
-                <a:ea typeface="+mn-ea"/>
-                <a:cs typeface="+mn-cs"/>
-              </a:defRPr>
-            </a:lvl3pPr>
-            <a:lvl4pPr marL="1371600" indent="0" algn="l" defTabSz="457200" rtl="0" eaLnBrk="1" latinLnBrk="0" hangingPunct="1">
-              <a:spcBef>
-                <a:spcPct val="20000"/>
-              </a:spcBef>
-              <a:buFont typeface="Arial"/>
-              <a:buNone/>
-              <a:defRPr sz="2400" kern="1200">
-                <a:solidFill>
-                  <a:schemeClr val="tx1"/>
-                </a:solidFill>
-                <a:latin typeface="+mn-lt"/>
-                <a:ea typeface="+mn-ea"/>
-                <a:cs typeface="+mn-cs"/>
-              </a:defRPr>
-            </a:lvl4pPr>
-            <a:lvl5pPr marL="1828800" indent="0" algn="l" defTabSz="457200" rtl="0" eaLnBrk="1" latinLnBrk="0" hangingPunct="1">
-              <a:spcBef>
-                <a:spcPct val="20000"/>
-              </a:spcBef>
-              <a:buFont typeface="Arial"/>
-              <a:buNone/>
-              <a:defRPr sz="2400" kern="1200">
-                <a:solidFill>
-                  <a:schemeClr val="tx1"/>
-                </a:solidFill>
-                <a:latin typeface="+mn-lt"/>
-                <a:ea typeface="+mn-ea"/>
-                <a:cs typeface="+mn-cs"/>
-              </a:defRPr>
-            </a:lvl5pPr>
-            <a:lvl6pPr marL="2514600" indent="-228600" algn="l" defTabSz="457200" rtl="0" eaLnBrk="1" latinLnBrk="0" hangingPunct="1">
-              <a:spcBef>
-                <a:spcPct val="20000"/>
-              </a:spcBef>
-              <a:buFont typeface="Arial"/>
-              <a:buChar char="•"/>
-              <a:defRPr sz="2000" kern="1200">
-                <a:solidFill>
-                  <a:schemeClr val="tx1"/>
-                </a:solidFill>
-                <a:latin typeface="+mn-lt"/>
-                <a:ea typeface="+mn-ea"/>
-                <a:cs typeface="+mn-cs"/>
-              </a:defRPr>
-            </a:lvl6pPr>
-            <a:lvl7pPr marL="2971800" indent="-228600" algn="l" defTabSz="457200" rtl="0" eaLnBrk="1" latinLnBrk="0" hangingPunct="1">
-              <a:spcBef>
-                <a:spcPct val="20000"/>
-              </a:spcBef>
-              <a:buFont typeface="Arial"/>
-              <a:buChar char="•"/>
-              <a:defRPr sz="2000" kern="1200">
-                <a:solidFill>
-                  <a:schemeClr val="tx1"/>
-                </a:solidFill>
-                <a:latin typeface="+mn-lt"/>
-                <a:ea typeface="+mn-ea"/>
-                <a:cs typeface="+mn-cs"/>
-              </a:defRPr>
-            </a:lvl7pPr>
-            <a:lvl8pPr marL="3429000" indent="-228600" algn="l" defTabSz="457200" rtl="0" eaLnBrk="1" latinLnBrk="0" hangingPunct="1">
-              <a:spcBef>
-                <a:spcPct val="20000"/>
-              </a:spcBef>
-              <a:buFont typeface="Arial"/>
-              <a:buChar char="•"/>
-              <a:defRPr sz="2000" kern="1200">
-                <a:solidFill>
-                  <a:schemeClr val="tx1"/>
-                </a:solidFill>
-                <a:latin typeface="+mn-lt"/>
-                <a:ea typeface="+mn-ea"/>
-                <a:cs typeface="+mn-cs"/>
-              </a:defRPr>
-            </a:lvl8pPr>
-            <a:lvl9pPr marL="3886200" indent="-228600" algn="l" defTabSz="457200" rtl="0" eaLnBrk="1" latinLnBrk="0" hangingPunct="1">
-              <a:spcBef>
-                <a:spcPct val="20000"/>
-              </a:spcBef>
-              <a:buFont typeface="Arial"/>
-              <a:buChar char="•"/>
-              <a:defRPr sz="2000" kern="1200">
-                <a:solidFill>
-                  <a:schemeClr val="tx1"/>
-                </a:solidFill>
-                <a:latin typeface="+mn-lt"/>
-                <a:ea typeface="+mn-ea"/>
-                <a:cs typeface="+mn-cs"/>
-              </a:defRPr>
-            </a:lvl9pPr>
-          </a:lstStyle>
-          <a:p>
-            <a:pPr marL="342900" indent="-342900">
-              <a:buFont typeface="Arial"/>
-              <a:buChar char="•"/>
-            </a:pPr>
-            <a:r>
-              <a:rPr lang="en-GB" sz="2000" dirty="0">
-                <a:latin typeface="Arial"/>
-                <a:cs typeface="Arial"/>
-              </a:rPr>
-              <a:t>Note, we wrapped the input() function in int() to convert the input to an integer</a:t>
-            </a:r>
-          </a:p>
-          <a:p>
-            <a:pPr marL="342900" indent="-342900">
-              <a:buFont typeface="Arial"/>
-              <a:buChar char="•"/>
-            </a:pPr>
-            <a:r>
-              <a:rPr lang="en-GB" sz="2000" dirty="0">
-                <a:latin typeface="Arial"/>
-                <a:cs typeface="Arial"/>
-              </a:rPr>
-              <a:t>Don’t be put off by the layout in the print function. Python ignores almost all whitespace and new lines. They are only added to make it easier for a person to read the code</a:t>
-            </a:r>
-          </a:p>
-        </p:txBody>
-      </p:sp>
     </p:spTree>
     <p:extLst>
       <p:ext uri="{BB962C8B-B14F-4D97-AF65-F5344CB8AC3E}">
-        <p14:creationId xmlns:p14="http://schemas.microsoft.com/office/powerpoint/2010/main" val="16827821"/>
+        <p14:creationId xmlns:p14="http://schemas.microsoft.com/office/powerpoint/2010/main" val="288644712"/>
       </p:ext>
     </p:extLst>
   </p:cSld>
@@ -32492,7 +32963,7 @@
           <p:cNvPr id="2" name="Title 1">
             <a:extLst>
               <a:ext uri="{FF2B5EF4-FFF2-40B4-BE49-F238E27FC236}">
-                <a16:creationId xmlns:a16="http://schemas.microsoft.com/office/drawing/2014/main" id="{532720A5-5A72-40C7-BED8-4B8FFE6E6EB0}"/>
+                <a16:creationId xmlns:a16="http://schemas.microsoft.com/office/drawing/2014/main" id="{6FF1181F-0C76-47D0-83D2-2133FE38FB6F}"/>
               </a:ext>
             </a:extLst>
           </p:cNvPr>
@@ -32513,7 +32984,7 @@
                 <a:latin typeface="Arial"/>
                 <a:cs typeface="Arial"/>
               </a:rPr>
-              <a:t>Variable Types</a:t>
+              <a:t>User Input Puzzles Solutions</a:t>
             </a:r>
             <a:endParaRPr lang="en-GB" dirty="0"/>
           </a:p>
@@ -32524,7 +32995,7 @@
           <p:cNvPr id="4" name="Slide Number Placeholder 3">
             <a:extLst>
               <a:ext uri="{FF2B5EF4-FFF2-40B4-BE49-F238E27FC236}">
-                <a16:creationId xmlns:a16="http://schemas.microsoft.com/office/drawing/2014/main" id="{58F82E0C-B844-4A6A-8EE2-3130128C3C02}"/>
+                <a16:creationId xmlns:a16="http://schemas.microsoft.com/office/drawing/2014/main" id="{CCA97D33-0674-4F0A-9450-AA6A3EE0628D}"/>
               </a:ext>
             </a:extLst>
           </p:cNvPr>
@@ -32549,268 +33020,12 @@
           </a:p>
         </p:txBody>
       </p:sp>
-      <p:sp>
-        <p:nvSpPr>
-          <p:cNvPr id="9" name="Text Placeholder 2">
+      <p:pic>
+        <p:nvPicPr>
+          <p:cNvPr id="7" name="Picture 6">
             <a:extLst>
               <a:ext uri="{FF2B5EF4-FFF2-40B4-BE49-F238E27FC236}">
-                <a16:creationId xmlns:a16="http://schemas.microsoft.com/office/drawing/2014/main" id="{BECFC77B-6DD8-4F54-8E01-9C253CB35BC4}"/>
-              </a:ext>
-            </a:extLst>
-          </p:cNvPr>
-          <p:cNvSpPr txBox="1">
-            <a:spLocks/>
-          </p:cNvSpPr>
-          <p:nvPr/>
-        </p:nvSpPr>
-        <p:spPr>
-          <a:xfrm>
-            <a:off x="237061" y="648000"/>
-            <a:ext cx="8589439" cy="4351499"/>
-          </a:xfrm>
-          <a:prstGeom prst="rect">
-            <a:avLst/>
-          </a:prstGeom>
-        </p:spPr>
-        <p:txBody>
-          <a:bodyPr vert="horz" anchor="t"/>
-          <a:lstStyle>
-            <a:lvl1pPr marL="0" indent="0" algn="l" defTabSz="457200" rtl="0" eaLnBrk="1" latinLnBrk="0" hangingPunct="1">
-              <a:spcBef>
-                <a:spcPts val="0"/>
-              </a:spcBef>
-              <a:buFont typeface="Arial"/>
-              <a:buNone/>
-              <a:defRPr sz="2400" kern="1200" baseline="0">
-                <a:solidFill>
-                  <a:schemeClr val="tx1"/>
-                </a:solidFill>
-                <a:latin typeface="Arial" pitchFamily="34" charset="0"/>
-                <a:ea typeface="+mn-ea"/>
-                <a:cs typeface="Arial" pitchFamily="34" charset="0"/>
-              </a:defRPr>
-            </a:lvl1pPr>
-            <a:lvl2pPr marL="457200" indent="0" algn="l" defTabSz="457200" rtl="0" eaLnBrk="1" latinLnBrk="0" hangingPunct="1">
-              <a:spcBef>
-                <a:spcPct val="20000"/>
-              </a:spcBef>
-              <a:buFont typeface="Arial"/>
-              <a:buNone/>
-              <a:defRPr sz="2400" kern="1200">
-                <a:solidFill>
-                  <a:schemeClr val="tx1"/>
-                </a:solidFill>
-                <a:latin typeface="+mn-lt"/>
-                <a:ea typeface="+mn-ea"/>
-                <a:cs typeface="+mn-cs"/>
-              </a:defRPr>
-            </a:lvl2pPr>
-            <a:lvl3pPr marL="914400" indent="0" algn="l" defTabSz="457200" rtl="0" eaLnBrk="1" latinLnBrk="0" hangingPunct="1">
-              <a:spcBef>
-                <a:spcPct val="20000"/>
-              </a:spcBef>
-              <a:buFont typeface="Arial"/>
-              <a:buNone/>
-              <a:defRPr sz="2400" kern="1200">
-                <a:solidFill>
-                  <a:schemeClr val="tx1"/>
-                </a:solidFill>
-                <a:latin typeface="+mn-lt"/>
-                <a:ea typeface="+mn-ea"/>
-                <a:cs typeface="+mn-cs"/>
-              </a:defRPr>
-            </a:lvl3pPr>
-            <a:lvl4pPr marL="1371600" indent="0" algn="l" defTabSz="457200" rtl="0" eaLnBrk="1" latinLnBrk="0" hangingPunct="1">
-              <a:spcBef>
-                <a:spcPct val="20000"/>
-              </a:spcBef>
-              <a:buFont typeface="Arial"/>
-              <a:buNone/>
-              <a:defRPr sz="2400" kern="1200">
-                <a:solidFill>
-                  <a:schemeClr val="tx1"/>
-                </a:solidFill>
-                <a:latin typeface="+mn-lt"/>
-                <a:ea typeface="+mn-ea"/>
-                <a:cs typeface="+mn-cs"/>
-              </a:defRPr>
-            </a:lvl4pPr>
-            <a:lvl5pPr marL="1828800" indent="0" algn="l" defTabSz="457200" rtl="0" eaLnBrk="1" latinLnBrk="0" hangingPunct="1">
-              <a:spcBef>
-                <a:spcPct val="20000"/>
-              </a:spcBef>
-              <a:buFont typeface="Arial"/>
-              <a:buNone/>
-              <a:defRPr sz="2400" kern="1200">
-                <a:solidFill>
-                  <a:schemeClr val="tx1"/>
-                </a:solidFill>
-                <a:latin typeface="+mn-lt"/>
-                <a:ea typeface="+mn-ea"/>
-                <a:cs typeface="+mn-cs"/>
-              </a:defRPr>
-            </a:lvl5pPr>
-            <a:lvl6pPr marL="2514600" indent="-228600" algn="l" defTabSz="457200" rtl="0" eaLnBrk="1" latinLnBrk="0" hangingPunct="1">
-              <a:spcBef>
-                <a:spcPct val="20000"/>
-              </a:spcBef>
-              <a:buFont typeface="Arial"/>
-              <a:buChar char="•"/>
-              <a:defRPr sz="2000" kern="1200">
-                <a:solidFill>
-                  <a:schemeClr val="tx1"/>
-                </a:solidFill>
-                <a:latin typeface="+mn-lt"/>
-                <a:ea typeface="+mn-ea"/>
-                <a:cs typeface="+mn-cs"/>
-              </a:defRPr>
-            </a:lvl6pPr>
-            <a:lvl7pPr marL="2971800" indent="-228600" algn="l" defTabSz="457200" rtl="0" eaLnBrk="1" latinLnBrk="0" hangingPunct="1">
-              <a:spcBef>
-                <a:spcPct val="20000"/>
-              </a:spcBef>
-              <a:buFont typeface="Arial"/>
-              <a:buChar char="•"/>
-              <a:defRPr sz="2000" kern="1200">
-                <a:solidFill>
-                  <a:schemeClr val="tx1"/>
-                </a:solidFill>
-                <a:latin typeface="+mn-lt"/>
-                <a:ea typeface="+mn-ea"/>
-                <a:cs typeface="+mn-cs"/>
-              </a:defRPr>
-            </a:lvl7pPr>
-            <a:lvl8pPr marL="3429000" indent="-228600" algn="l" defTabSz="457200" rtl="0" eaLnBrk="1" latinLnBrk="0" hangingPunct="1">
-              <a:spcBef>
-                <a:spcPct val="20000"/>
-              </a:spcBef>
-              <a:buFont typeface="Arial"/>
-              <a:buChar char="•"/>
-              <a:defRPr sz="2000" kern="1200">
-                <a:solidFill>
-                  <a:schemeClr val="tx1"/>
-                </a:solidFill>
-                <a:latin typeface="+mn-lt"/>
-                <a:ea typeface="+mn-ea"/>
-                <a:cs typeface="+mn-cs"/>
-              </a:defRPr>
-            </a:lvl8pPr>
-            <a:lvl9pPr marL="3886200" indent="-228600" algn="l" defTabSz="457200" rtl="0" eaLnBrk="1" latinLnBrk="0" hangingPunct="1">
-              <a:spcBef>
-                <a:spcPct val="20000"/>
-              </a:spcBef>
-              <a:buFont typeface="Arial"/>
-              <a:buChar char="•"/>
-              <a:defRPr sz="2000" kern="1200">
-                <a:solidFill>
-                  <a:schemeClr val="tx1"/>
-                </a:solidFill>
-                <a:latin typeface="+mn-lt"/>
-                <a:ea typeface="+mn-ea"/>
-                <a:cs typeface="+mn-cs"/>
-              </a:defRPr>
-            </a:lvl9pPr>
-          </a:lstStyle>
-          <a:p>
-            <a:pPr marL="342900" indent="-342900">
-              <a:buFont typeface="Arial"/>
-              <a:buChar char="•"/>
-            </a:pPr>
-            <a:r>
-              <a:rPr lang="en-GB" sz="2000" dirty="0">
-                <a:latin typeface="Arial"/>
-                <a:cs typeface="Arial"/>
-              </a:rPr>
-              <a:t>Why do variable types matter?</a:t>
-            </a:r>
-          </a:p>
-          <a:p>
-            <a:pPr marL="342900" indent="-342900">
-              <a:buFont typeface="Arial"/>
-              <a:buChar char="•"/>
-            </a:pPr>
-            <a:r>
-              <a:rPr lang="en-GB" sz="2000" dirty="0">
-                <a:latin typeface="Arial"/>
-                <a:cs typeface="Arial"/>
-              </a:rPr>
-              <a:t>A single function or mathematical operation might behave differently (or not work at all) depending on the type of input you give it</a:t>
-            </a:r>
-          </a:p>
-          <a:p>
-            <a:pPr marL="342900" indent="-342900">
-              <a:buFont typeface="Arial"/>
-              <a:buChar char="•"/>
-            </a:pPr>
-            <a:r>
-              <a:rPr lang="en-GB" sz="2000" dirty="0">
-                <a:latin typeface="Arial"/>
-                <a:cs typeface="Arial"/>
-              </a:rPr>
-              <a:t>For example, Python can do ‘arithmetic’ with strings</a:t>
-            </a:r>
-          </a:p>
-          <a:p>
-            <a:pPr marL="342900" indent="-342900">
-              <a:buFont typeface="Arial"/>
-              <a:buChar char="•"/>
-            </a:pPr>
-            <a:endParaRPr lang="en-GB" sz="2000" dirty="0">
-              <a:latin typeface="Arial"/>
-              <a:cs typeface="Arial"/>
-            </a:endParaRPr>
-          </a:p>
-          <a:p>
-            <a:pPr marL="342900" indent="-342900">
-              <a:buFont typeface="Arial"/>
-              <a:buChar char="•"/>
-            </a:pPr>
-            <a:endParaRPr lang="en-GB" sz="2000" dirty="0">
-              <a:latin typeface="Arial"/>
-              <a:cs typeface="Arial"/>
-            </a:endParaRPr>
-          </a:p>
-          <a:p>
-            <a:pPr marL="342900" indent="-342900">
-              <a:buFont typeface="Arial"/>
-              <a:buChar char="•"/>
-            </a:pPr>
-            <a:endParaRPr lang="en-GB" sz="2000" dirty="0">
-              <a:latin typeface="Arial"/>
-              <a:cs typeface="Arial"/>
-            </a:endParaRPr>
-          </a:p>
-          <a:p>
-            <a:pPr marL="342900" indent="-342900">
-              <a:buFont typeface="Arial"/>
-              <a:buChar char="•"/>
-            </a:pPr>
-            <a:endParaRPr lang="en-GB" sz="2000" dirty="0">
-              <a:latin typeface="Arial"/>
-              <a:cs typeface="Arial"/>
-            </a:endParaRPr>
-          </a:p>
-          <a:p>
-            <a:pPr marL="342900" indent="-342900">
-              <a:buFont typeface="Arial"/>
-              <a:buChar char="•"/>
-            </a:pPr>
-            <a:r>
-              <a:rPr lang="en-GB" sz="2000" dirty="0">
-                <a:latin typeface="Arial"/>
-                <a:cs typeface="Arial"/>
-              </a:rPr>
-              <a:t>The latter example only works if you multiply by an integer though. This is one of many examples where variable type is important</a:t>
-            </a:r>
-          </a:p>
-        </p:txBody>
-      </p:sp>
-      <p:pic>
-        <p:nvPicPr>
-          <p:cNvPr id="10" name="Picture 9">
-            <a:extLst>
-              <a:ext uri="{FF2B5EF4-FFF2-40B4-BE49-F238E27FC236}">
-                <a16:creationId xmlns:a16="http://schemas.microsoft.com/office/drawing/2014/main" id="{5D88D8DE-49AD-4C78-96E5-E89CFBC05377}"/>
+                <a16:creationId xmlns:a16="http://schemas.microsoft.com/office/drawing/2014/main" id="{0A9CCCDE-38BA-407D-B893-4D4CD96670C2}"/>
               </a:ext>
             </a:extLst>
           </p:cNvPr>
@@ -32836,10 +33051,10 @@
       </p:pic>
       <p:pic>
         <p:nvPicPr>
-          <p:cNvPr id="3" name="Picture 2">
+          <p:cNvPr id="5" name="Picture 4">
             <a:extLst>
               <a:ext uri="{FF2B5EF4-FFF2-40B4-BE49-F238E27FC236}">
-                <a16:creationId xmlns:a16="http://schemas.microsoft.com/office/drawing/2014/main" id="{42356560-FB1A-457B-ACE3-CD75739BBB6B}"/>
+                <a16:creationId xmlns:a16="http://schemas.microsoft.com/office/drawing/2014/main" id="{852BF60D-F03E-4B04-97F4-38B0F5AD0CF0}"/>
               </a:ext>
             </a:extLst>
           </p:cNvPr>
@@ -32856,78 +33071,208 @@
         </p:blipFill>
         <p:spPr>
           <a:xfrm>
-            <a:off x="1225770" y="2095500"/>
-            <a:ext cx="2847975" cy="952500"/>
+            <a:off x="2109787" y="894759"/>
+            <a:ext cx="4924425" cy="2219325"/>
           </a:xfrm>
           <a:prstGeom prst="rect">
             <a:avLst/>
           </a:prstGeom>
         </p:spPr>
       </p:pic>
-      <p:pic>
-        <p:nvPicPr>
-          <p:cNvPr id="5" name="Picture 4">
+      <p:sp>
+        <p:nvSpPr>
+          <p:cNvPr id="8" name="Text Placeholder 2">
             <a:extLst>
               <a:ext uri="{FF2B5EF4-FFF2-40B4-BE49-F238E27FC236}">
-                <a16:creationId xmlns:a16="http://schemas.microsoft.com/office/drawing/2014/main" id="{113BB7A4-7454-48DD-BC59-D56B79F36190}"/>
+                <a16:creationId xmlns:a16="http://schemas.microsoft.com/office/drawing/2014/main" id="{02F09C7E-2B29-47F4-BC2B-2A460EB7D7D0}"/>
               </a:ext>
             </a:extLst>
           </p:cNvPr>
-          <p:cNvPicPr>
-            <a:picLocks noChangeAspect="1"/>
-          </p:cNvPicPr>
+          <p:cNvSpPr txBox="1">
+            <a:spLocks/>
+          </p:cNvSpPr>
           <p:nvPr/>
-        </p:nvPicPr>
-        <p:blipFill>
-          <a:blip r:embed="rId4"/>
-          <a:stretch>
-            <a:fillRect/>
-          </a:stretch>
-        </p:blipFill>
-        <p:spPr>
-          <a:xfrm>
-            <a:off x="5055606" y="2095500"/>
-            <a:ext cx="2476500" cy="981075"/>
-          </a:xfrm>
-          <a:prstGeom prst="rect">
-            <a:avLst/>
-          </a:prstGeom>
-        </p:spPr>
-      </p:pic>
-      <p:pic>
-        <p:nvPicPr>
-          <p:cNvPr id="6" name="Picture 5">
-            <a:extLst>
-              <a:ext uri="{FF2B5EF4-FFF2-40B4-BE49-F238E27FC236}">
-                <a16:creationId xmlns:a16="http://schemas.microsoft.com/office/drawing/2014/main" id="{EC4B67D2-F522-43F9-8DE5-00947C75EB06}"/>
-              </a:ext>
-            </a:extLst>
-          </p:cNvPr>
-          <p:cNvPicPr>
-            <a:picLocks noChangeAspect="1"/>
-          </p:cNvPicPr>
-          <p:nvPr/>
-        </p:nvPicPr>
-        <p:blipFill>
-          <a:blip r:embed="rId5"/>
-          <a:stretch>
-            <a:fillRect/>
-          </a:stretch>
-        </p:blipFill>
-        <p:spPr>
-          <a:xfrm>
-            <a:off x="2076173" y="3885834"/>
-            <a:ext cx="4991654" cy="997210"/>
-          </a:xfrm>
-          <a:prstGeom prst="rect">
-            <a:avLst/>
-          </a:prstGeom>
-        </p:spPr>
-      </p:pic>
+        </p:nvSpPr>
+        <p:spPr>
+          <a:xfrm>
+            <a:off x="237061" y="3230435"/>
+            <a:ext cx="8589439" cy="1769064"/>
+          </a:xfrm>
+          <a:prstGeom prst="rect">
+            <a:avLst/>
+          </a:prstGeom>
+        </p:spPr>
+        <p:txBody>
+          <a:bodyPr vert="horz" anchor="t"/>
+          <a:lstStyle>
+            <a:lvl1pPr marL="0" indent="0" algn="l" defTabSz="457200" rtl="0" eaLnBrk="1" latinLnBrk="0" hangingPunct="1">
+              <a:spcBef>
+                <a:spcPts val="0"/>
+              </a:spcBef>
+              <a:buFont typeface="Arial"/>
+              <a:buNone/>
+              <a:defRPr sz="2400" kern="1200" baseline="0">
+                <a:solidFill>
+                  <a:schemeClr val="tx1"/>
+                </a:solidFill>
+                <a:latin typeface="Arial" pitchFamily="34" charset="0"/>
+                <a:ea typeface="+mn-ea"/>
+                <a:cs typeface="Arial" pitchFamily="34" charset="0"/>
+              </a:defRPr>
+            </a:lvl1pPr>
+            <a:lvl2pPr marL="457200" indent="0" algn="l" defTabSz="457200" rtl="0" eaLnBrk="1" latinLnBrk="0" hangingPunct="1">
+              <a:spcBef>
+                <a:spcPct val="20000"/>
+              </a:spcBef>
+              <a:buFont typeface="Arial"/>
+              <a:buNone/>
+              <a:defRPr sz="2400" kern="1200">
+                <a:solidFill>
+                  <a:schemeClr val="tx1"/>
+                </a:solidFill>
+                <a:latin typeface="+mn-lt"/>
+                <a:ea typeface="+mn-ea"/>
+                <a:cs typeface="+mn-cs"/>
+              </a:defRPr>
+            </a:lvl2pPr>
+            <a:lvl3pPr marL="914400" indent="0" algn="l" defTabSz="457200" rtl="0" eaLnBrk="1" latinLnBrk="0" hangingPunct="1">
+              <a:spcBef>
+                <a:spcPct val="20000"/>
+              </a:spcBef>
+              <a:buFont typeface="Arial"/>
+              <a:buNone/>
+              <a:defRPr sz="2400" kern="1200">
+                <a:solidFill>
+                  <a:schemeClr val="tx1"/>
+                </a:solidFill>
+                <a:latin typeface="+mn-lt"/>
+                <a:ea typeface="+mn-ea"/>
+                <a:cs typeface="+mn-cs"/>
+              </a:defRPr>
+            </a:lvl3pPr>
+            <a:lvl4pPr marL="1371600" indent="0" algn="l" defTabSz="457200" rtl="0" eaLnBrk="1" latinLnBrk="0" hangingPunct="1">
+              <a:spcBef>
+                <a:spcPct val="20000"/>
+              </a:spcBef>
+              <a:buFont typeface="Arial"/>
+              <a:buNone/>
+              <a:defRPr sz="2400" kern="1200">
+                <a:solidFill>
+                  <a:schemeClr val="tx1"/>
+                </a:solidFill>
+                <a:latin typeface="+mn-lt"/>
+                <a:ea typeface="+mn-ea"/>
+                <a:cs typeface="+mn-cs"/>
+              </a:defRPr>
+            </a:lvl4pPr>
+            <a:lvl5pPr marL="1828800" indent="0" algn="l" defTabSz="457200" rtl="0" eaLnBrk="1" latinLnBrk="0" hangingPunct="1">
+              <a:spcBef>
+                <a:spcPct val="20000"/>
+              </a:spcBef>
+              <a:buFont typeface="Arial"/>
+              <a:buNone/>
+              <a:defRPr sz="2400" kern="1200">
+                <a:solidFill>
+                  <a:schemeClr val="tx1"/>
+                </a:solidFill>
+                <a:latin typeface="+mn-lt"/>
+                <a:ea typeface="+mn-ea"/>
+                <a:cs typeface="+mn-cs"/>
+              </a:defRPr>
+            </a:lvl5pPr>
+            <a:lvl6pPr marL="2514600" indent="-228600" algn="l" defTabSz="457200" rtl="0" eaLnBrk="1" latinLnBrk="0" hangingPunct="1">
+              <a:spcBef>
+                <a:spcPct val="20000"/>
+              </a:spcBef>
+              <a:buFont typeface="Arial"/>
+              <a:buChar char="•"/>
+              <a:defRPr sz="2000" kern="1200">
+                <a:solidFill>
+                  <a:schemeClr val="tx1"/>
+                </a:solidFill>
+                <a:latin typeface="+mn-lt"/>
+                <a:ea typeface="+mn-ea"/>
+                <a:cs typeface="+mn-cs"/>
+              </a:defRPr>
+            </a:lvl6pPr>
+            <a:lvl7pPr marL="2971800" indent="-228600" algn="l" defTabSz="457200" rtl="0" eaLnBrk="1" latinLnBrk="0" hangingPunct="1">
+              <a:spcBef>
+                <a:spcPct val="20000"/>
+              </a:spcBef>
+              <a:buFont typeface="Arial"/>
+              <a:buChar char="•"/>
+              <a:defRPr sz="2000" kern="1200">
+                <a:solidFill>
+                  <a:schemeClr val="tx1"/>
+                </a:solidFill>
+                <a:latin typeface="+mn-lt"/>
+                <a:ea typeface="+mn-ea"/>
+                <a:cs typeface="+mn-cs"/>
+              </a:defRPr>
+            </a:lvl7pPr>
+            <a:lvl8pPr marL="3429000" indent="-228600" algn="l" defTabSz="457200" rtl="0" eaLnBrk="1" latinLnBrk="0" hangingPunct="1">
+              <a:spcBef>
+                <a:spcPct val="20000"/>
+              </a:spcBef>
+              <a:buFont typeface="Arial"/>
+              <a:buChar char="•"/>
+              <a:defRPr sz="2000" kern="1200">
+                <a:solidFill>
+                  <a:schemeClr val="tx1"/>
+                </a:solidFill>
+                <a:latin typeface="+mn-lt"/>
+                <a:ea typeface="+mn-ea"/>
+                <a:cs typeface="+mn-cs"/>
+              </a:defRPr>
+            </a:lvl8pPr>
+            <a:lvl9pPr marL="3886200" indent="-228600" algn="l" defTabSz="457200" rtl="0" eaLnBrk="1" latinLnBrk="0" hangingPunct="1">
+              <a:spcBef>
+                <a:spcPct val="20000"/>
+              </a:spcBef>
+              <a:buFont typeface="Arial"/>
+              <a:buChar char="•"/>
+              <a:defRPr sz="2000" kern="1200">
+                <a:solidFill>
+                  <a:schemeClr val="tx1"/>
+                </a:solidFill>
+                <a:latin typeface="+mn-lt"/>
+                <a:ea typeface="+mn-ea"/>
+                <a:cs typeface="+mn-cs"/>
+              </a:defRPr>
+            </a:lvl9pPr>
+          </a:lstStyle>
+          <a:p>
+            <a:pPr marL="342900" indent="-342900">
+              <a:buFont typeface="Arial"/>
+              <a:buChar char="•"/>
+            </a:pPr>
+            <a:r>
+              <a:rPr lang="en-GB" sz="2000" dirty="0">
+                <a:latin typeface="Arial"/>
+                <a:cs typeface="Arial"/>
+              </a:rPr>
+              <a:t>Note, we wrapped the input() function in int() to convert the input to an integer</a:t>
+            </a:r>
+          </a:p>
+          <a:p>
+            <a:pPr marL="342900" indent="-342900">
+              <a:buFont typeface="Arial"/>
+              <a:buChar char="•"/>
+            </a:pPr>
+            <a:r>
+              <a:rPr lang="en-GB" sz="2000" dirty="0">
+                <a:latin typeface="Arial"/>
+                <a:cs typeface="Arial"/>
+              </a:rPr>
+              <a:t>Don’t be put off by the layout in the print function. Python ignores almost all whitespace and new lines. They are only added to make it easier for a person to read the code</a:t>
+            </a:r>
+          </a:p>
+        </p:txBody>
+      </p:sp>
     </p:spTree>
     <p:extLst>
       <p:ext uri="{BB962C8B-B14F-4D97-AF65-F5344CB8AC3E}">
-        <p14:creationId xmlns:p14="http://schemas.microsoft.com/office/powerpoint/2010/main" val="1297589712"/>
+        <p14:creationId xmlns:p14="http://schemas.microsoft.com/office/powerpoint/2010/main" val="16827821"/>
       </p:ext>
     </p:extLst>
   </p:cSld>
@@ -32980,7 +33325,7 @@
                 <a:latin typeface="Arial"/>
                 <a:cs typeface="Arial"/>
               </a:rPr>
-              <a:t>Variable Types Puzzles</a:t>
+              <a:t>Variable Types</a:t>
             </a:r>
             <a:endParaRPr lang="en-GB" dirty="0"/>
           </a:p>
@@ -33016,36 +33361,6 @@
           </a:p>
         </p:txBody>
       </p:sp>
-      <p:pic>
-        <p:nvPicPr>
-          <p:cNvPr id="8" name="Picture 7">
-            <a:extLst>
-              <a:ext uri="{FF2B5EF4-FFF2-40B4-BE49-F238E27FC236}">
-                <a16:creationId xmlns:a16="http://schemas.microsoft.com/office/drawing/2014/main" id="{C2CD6A36-F468-4805-9790-6910469AD742}"/>
-              </a:ext>
-            </a:extLst>
-          </p:cNvPr>
-          <p:cNvPicPr>
-            <a:picLocks noChangeAspect="1"/>
-          </p:cNvPicPr>
-          <p:nvPr/>
-        </p:nvPicPr>
-        <p:blipFill>
-          <a:blip r:embed="rId2"/>
-          <a:stretch>
-            <a:fillRect/>
-          </a:stretch>
-        </p:blipFill>
-        <p:spPr>
-          <a:xfrm>
-            <a:off x="1625915" y="901781"/>
-            <a:ext cx="5892169" cy="1434278"/>
-          </a:xfrm>
-          <a:prstGeom prst="rect">
-            <a:avLst/>
-          </a:prstGeom>
-        </p:spPr>
-      </p:pic>
       <p:sp>
         <p:nvSpPr>
           <p:cNvPr id="9" name="Text Placeholder 2">
@@ -33062,8 +33377,8 @@
         </p:nvSpPr>
         <p:spPr>
           <a:xfrm>
-            <a:off x="237061" y="2589840"/>
-            <a:ext cx="8589439" cy="2409659"/>
+            <a:off x="237061" y="648000"/>
+            <a:ext cx="8589439" cy="4351499"/>
           </a:xfrm>
           <a:prstGeom prst="rect">
             <a:avLst/>
@@ -33218,7 +33533,7 @@
                 <a:latin typeface="Arial"/>
                 <a:cs typeface="Arial"/>
               </a:rPr>
-              <a:t>What could go wrong with the above code?</a:t>
+              <a:t>Why do variable types matter?</a:t>
             </a:r>
           </a:p>
           <a:p>
@@ -33231,7 +33546,73 @@
                 <a:latin typeface="Arial"/>
                 <a:cs typeface="Arial"/>
               </a:rPr>
-              <a:t>Hint: are there any inputs the user could give to cause an error?</a:t>
+              <a:t>A single function or mathematical operation might behave differently (or not work at all) depending on the type of input you give it</a:t>
+            </a:r>
+          </a:p>
+          <a:p>
+            <a:pPr marL="342900" indent="-342900">
+              <a:buFont typeface="Arial"/>
+              <a:buChar char="•"/>
+            </a:pPr>
+            <a:r>
+              <a:rPr lang="en-GB" sz="2000" dirty="0">
+                <a:latin typeface="Arial"/>
+                <a:cs typeface="Arial"/>
+              </a:rPr>
+              <a:t>For example, Python can do ‘arithmetic’ with strings</a:t>
+            </a:r>
+          </a:p>
+          <a:p>
+            <a:pPr marL="342900" indent="-342900">
+              <a:buFont typeface="Arial"/>
+              <a:buChar char="•"/>
+            </a:pPr>
+            <a:endParaRPr lang="en-GB" sz="2000" dirty="0">
+              <a:latin typeface="Arial"/>
+              <a:cs typeface="Arial"/>
+            </a:endParaRPr>
+          </a:p>
+          <a:p>
+            <a:pPr marL="342900" indent="-342900">
+              <a:buFont typeface="Arial"/>
+              <a:buChar char="•"/>
+            </a:pPr>
+            <a:endParaRPr lang="en-GB" sz="2000" dirty="0">
+              <a:latin typeface="Arial"/>
+              <a:cs typeface="Arial"/>
+            </a:endParaRPr>
+          </a:p>
+          <a:p>
+            <a:pPr marL="342900" indent="-342900">
+              <a:buFont typeface="Arial"/>
+              <a:buChar char="•"/>
+            </a:pPr>
+            <a:endParaRPr lang="en-GB" sz="2000" dirty="0">
+              <a:latin typeface="Arial"/>
+              <a:cs typeface="Arial"/>
+            </a:endParaRPr>
+          </a:p>
+          <a:p>
+            <a:pPr marL="342900" indent="-342900">
+              <a:buFont typeface="Arial"/>
+              <a:buChar char="•"/>
+            </a:pPr>
+            <a:endParaRPr lang="en-GB" sz="2000" dirty="0">
+              <a:latin typeface="Arial"/>
+              <a:cs typeface="Arial"/>
+            </a:endParaRPr>
+          </a:p>
+          <a:p>
+            <a:pPr marL="342900" indent="-342900">
+              <a:buFont typeface="Arial"/>
+              <a:buChar char="•"/>
+            </a:pPr>
+            <a:r>
+              <a:rPr lang="en-GB" sz="2000" dirty="0">
+                <a:latin typeface="Arial"/>
+                <a:cs typeface="Arial"/>
+              </a:rPr>
+              <a:t>The latter example only works if you multiply by an integer though. This is one of many examples where variable type is important</a:t>
             </a:r>
           </a:p>
         </p:txBody>
@@ -33251,7 +33632,7 @@
           <p:nvPr/>
         </p:nvPicPr>
         <p:blipFill rotWithShape="1">
-          <a:blip r:embed="rId3"/>
+          <a:blip r:embed="rId2"/>
           <a:srcRect l="2982" t="3174" r="2869" b="2900"/>
           <a:stretch/>
         </p:blipFill>
@@ -33261,6 +33642,96 @@
             <a:ext cx="498106" cy="496941"/>
           </a:xfrm>
           <a:prstGeom prst="ellipse">
+            <a:avLst/>
+          </a:prstGeom>
+        </p:spPr>
+      </p:pic>
+      <p:pic>
+        <p:nvPicPr>
+          <p:cNvPr id="3" name="Picture 2">
+            <a:extLst>
+              <a:ext uri="{FF2B5EF4-FFF2-40B4-BE49-F238E27FC236}">
+                <a16:creationId xmlns:a16="http://schemas.microsoft.com/office/drawing/2014/main" id="{42356560-FB1A-457B-ACE3-CD75739BBB6B}"/>
+              </a:ext>
+            </a:extLst>
+          </p:cNvPr>
+          <p:cNvPicPr>
+            <a:picLocks noChangeAspect="1"/>
+          </p:cNvPicPr>
+          <p:nvPr/>
+        </p:nvPicPr>
+        <p:blipFill>
+          <a:blip r:embed="rId3"/>
+          <a:stretch>
+            <a:fillRect/>
+          </a:stretch>
+        </p:blipFill>
+        <p:spPr>
+          <a:xfrm>
+            <a:off x="1225770" y="2095500"/>
+            <a:ext cx="2847975" cy="952500"/>
+          </a:xfrm>
+          <a:prstGeom prst="rect">
+            <a:avLst/>
+          </a:prstGeom>
+        </p:spPr>
+      </p:pic>
+      <p:pic>
+        <p:nvPicPr>
+          <p:cNvPr id="5" name="Picture 4">
+            <a:extLst>
+              <a:ext uri="{FF2B5EF4-FFF2-40B4-BE49-F238E27FC236}">
+                <a16:creationId xmlns:a16="http://schemas.microsoft.com/office/drawing/2014/main" id="{113BB7A4-7454-48DD-BC59-D56B79F36190}"/>
+              </a:ext>
+            </a:extLst>
+          </p:cNvPr>
+          <p:cNvPicPr>
+            <a:picLocks noChangeAspect="1"/>
+          </p:cNvPicPr>
+          <p:nvPr/>
+        </p:nvPicPr>
+        <p:blipFill>
+          <a:blip r:embed="rId4"/>
+          <a:stretch>
+            <a:fillRect/>
+          </a:stretch>
+        </p:blipFill>
+        <p:spPr>
+          <a:xfrm>
+            <a:off x="5055606" y="2095500"/>
+            <a:ext cx="2476500" cy="981075"/>
+          </a:xfrm>
+          <a:prstGeom prst="rect">
+            <a:avLst/>
+          </a:prstGeom>
+        </p:spPr>
+      </p:pic>
+      <p:pic>
+        <p:nvPicPr>
+          <p:cNvPr id="6" name="Picture 5">
+            <a:extLst>
+              <a:ext uri="{FF2B5EF4-FFF2-40B4-BE49-F238E27FC236}">
+                <a16:creationId xmlns:a16="http://schemas.microsoft.com/office/drawing/2014/main" id="{EC4B67D2-F522-43F9-8DE5-00947C75EB06}"/>
+              </a:ext>
+            </a:extLst>
+          </p:cNvPr>
+          <p:cNvPicPr>
+            <a:picLocks noChangeAspect="1"/>
+          </p:cNvPicPr>
+          <p:nvPr/>
+        </p:nvPicPr>
+        <p:blipFill>
+          <a:blip r:embed="rId5"/>
+          <a:stretch>
+            <a:fillRect/>
+          </a:stretch>
+        </p:blipFill>
+        <p:spPr>
+          <a:xfrm>
+            <a:off x="2076173" y="3885834"/>
+            <a:ext cx="4991654" cy="997210"/>
+          </a:xfrm>
+          <a:prstGeom prst="rect">
             <a:avLst/>
           </a:prstGeom>
         </p:spPr>
@@ -33268,7 +33739,7 @@
     </p:spTree>
     <p:extLst>
       <p:ext uri="{BB962C8B-B14F-4D97-AF65-F5344CB8AC3E}">
-        <p14:creationId xmlns:p14="http://schemas.microsoft.com/office/powerpoint/2010/main" val="1842913658"/>
+        <p14:creationId xmlns:p14="http://schemas.microsoft.com/office/powerpoint/2010/main" val="1297589712"/>
       </p:ext>
     </p:extLst>
   </p:cSld>
@@ -35282,12 +35753,8 @@
 </file>
 
 <file path=customXml/item2.xml><?xml version="1.0" encoding="utf-8"?>
-<p:properties xmlns:p="http://schemas.microsoft.com/office/2006/metadata/properties" xmlns:xsi="http://www.w3.org/2001/XMLSchema-instance" xmlns:pc="http://schemas.microsoft.com/office/infopath/2007/PartnerControls">
-  <documentManagement>
-    <Keyword xmlns="44a56295-c29e-4898-8136-a54736c65b82" xsi:nil="true"/>
-    <Descriptions xmlns="44a56295-c29e-4898-8136-a54736c65b82" xsi:nil="true"/>
-  </documentManagement>
-</p:properties>
+<?mso-contentType ?>
+<SharedContentType xmlns="Microsoft.SharePoint.Taxonomy.ContentTypeSync" SourceId="1ee89e71-04cd-405e-9ca3-99e020c1694d" ContentTypeId="0x0101" PreviousValue="false"/>
 </file>
 
 <file path=customXml/item3.xml><?xml version="1.0" encoding="utf-8"?>
@@ -35470,8 +35937,12 @@
 </file>
 
 <file path=customXml/item4.xml><?xml version="1.0" encoding="utf-8"?>
-<?mso-contentType ?>
-<SharedContentType xmlns="Microsoft.SharePoint.Taxonomy.ContentTypeSync" SourceId="1ee89e71-04cd-405e-9ca3-99e020c1694d" ContentTypeId="0x0101" PreviousValue="false"/>
+<p:properties xmlns:p="http://schemas.microsoft.com/office/2006/metadata/properties" xmlns:xsi="http://www.w3.org/2001/XMLSchema-instance" xmlns:pc="http://schemas.microsoft.com/office/infopath/2007/PartnerControls">
+  <documentManagement>
+    <Keyword xmlns="44a56295-c29e-4898-8136-a54736c65b82" xsi:nil="true"/>
+    <Descriptions xmlns="44a56295-c29e-4898-8136-a54736c65b82" xsi:nil="true"/>
+  </documentManagement>
+</p:properties>
 </file>
 
 <file path=customXml/itemProps1.xml><?xml version="1.0" encoding="utf-8"?>
@@ -35483,18 +35954,9 @@
 </file>
 
 <file path=customXml/itemProps2.xml><?xml version="1.0" encoding="utf-8"?>
-<ds:datastoreItem xmlns:ds="http://schemas.openxmlformats.org/officeDocument/2006/customXml" ds:itemID="{8E7055A9-979E-42E4-8AE4-11D4A57371C1}">
+<ds:datastoreItem xmlns:ds="http://schemas.openxmlformats.org/officeDocument/2006/customXml" ds:itemID="{3D9D9437-4660-4E6E-9349-9C8386915BD1}">
   <ds:schemaRefs>
-    <ds:schemaRef ds:uri="http://purl.org/dc/terms/"/>
-    <ds:schemaRef ds:uri="9675ef8f-b755-4cd6-a742-8cae3d86c4fe"/>
-    <ds:schemaRef ds:uri="http://schemas.microsoft.com/office/2006/documentManagement/types"/>
-    <ds:schemaRef ds:uri="http://schemas.openxmlformats.org/package/2006/metadata/core-properties"/>
-    <ds:schemaRef ds:uri="http://purl.org/dc/elements/1.1/"/>
-    <ds:schemaRef ds:uri="http://schemas.microsoft.com/office/2006/metadata/properties"/>
-    <ds:schemaRef ds:uri="44a56295-c29e-4898-8136-a54736c65b82"/>
-    <ds:schemaRef ds:uri="http://schemas.microsoft.com/office/infopath/2007/PartnerControls"/>
-    <ds:schemaRef ds:uri="http://www.w3.org/XML/1998/namespace"/>
-    <ds:schemaRef ds:uri="http://purl.org/dc/dcmitype/"/>
+    <ds:schemaRef ds:uri="Microsoft.SharePoint.Taxonomy.ContentTypeSync"/>
   </ds:schemaRefs>
 </ds:datastoreItem>
 </file>
@@ -35519,9 +35981,18 @@
 </file>
 
 <file path=customXml/itemProps4.xml><?xml version="1.0" encoding="utf-8"?>
-<ds:datastoreItem xmlns:ds="http://schemas.openxmlformats.org/officeDocument/2006/customXml" ds:itemID="{3D9D9437-4660-4E6E-9349-9C8386915BD1}">
+<ds:datastoreItem xmlns:ds="http://schemas.openxmlformats.org/officeDocument/2006/customXml" ds:itemID="{8E7055A9-979E-42E4-8AE4-11D4A57371C1}">
   <ds:schemaRefs>
-    <ds:schemaRef ds:uri="Microsoft.SharePoint.Taxonomy.ContentTypeSync"/>
+    <ds:schemaRef ds:uri="http://purl.org/dc/terms/"/>
+    <ds:schemaRef ds:uri="9675ef8f-b755-4cd6-a742-8cae3d86c4fe"/>
+    <ds:schemaRef ds:uri="http://schemas.microsoft.com/office/2006/documentManagement/types"/>
+    <ds:schemaRef ds:uri="http://schemas.openxmlformats.org/package/2006/metadata/core-properties"/>
+    <ds:schemaRef ds:uri="http://purl.org/dc/elements/1.1/"/>
+    <ds:schemaRef ds:uri="http://schemas.microsoft.com/office/2006/metadata/properties"/>
+    <ds:schemaRef ds:uri="44a56295-c29e-4898-8136-a54736c65b82"/>
+    <ds:schemaRef ds:uri="http://schemas.microsoft.com/office/infopath/2007/PartnerControls"/>
+    <ds:schemaRef ds:uri="http://www.w3.org/XML/1998/namespace"/>
+    <ds:schemaRef ds:uri="http://purl.org/dc/dcmitype/"/>
   </ds:schemaRefs>
 </ds:datastoreItem>
 </file>
--- a/session_two/session_two_presentation.pptx
+++ b/session_two/session_two_presentation.pptx
@@ -185,123 +185,6 @@
 
 <file path=ppt/changesInfos/changesInfo1.xml><?xml version="1.0" encoding="utf-8"?>
 <pc:chgInfo xmlns:a="http://schemas.openxmlformats.org/drawingml/2006/main" xmlns:r="http://schemas.openxmlformats.org/officeDocument/2006/relationships" xmlns:ac="http://schemas.microsoft.com/office/drawing/2013/main/command" xmlns:pc="http://schemas.microsoft.com/office/powerpoint/2013/main/command">
-  <pc:docChgLst>
-    <pc:chgData name="McKinney, David" userId="S::kqkh779@astrazeneca.net::8b945cb3-78ce-42d7-adc5-b07bab32cd5b" providerId="AD" clId="Web-{7452821F-C3D1-4F7E-A975-9F3C59B113CD}"/>
-  </pc:docChgLst>
-  <pc:docChgLst>
-    <pc:chgData name="Bradley, Sam" userId="S::kwgk592@astrazeneca.net::f75c196c-0419-4ed7-9101-2e14ae32ff77" providerId="AD" clId="Web-{19D16AB9-1FF2-4740-8107-2440C047CBCF}"/>
-  </pc:docChgLst>
-  <pc:docChgLst>
-    <pc:chgData name="Bradley, Sam" userId="S::kwgk592@astrazeneca.net::f75c196c-0419-4ed7-9101-2e14ae32ff77" providerId="AD" clId="Web-{5CC56428-C25D-40EB-847A-A98786CC8A93}"/>
-  </pc:docChgLst>
-  <pc:docChgLst>
-    <pc:chgData name="Whittaker, Ryan" userId="S::kbqc931@astrazeneca.net::873b3a98-b8cc-426f-9da0-8dcfa40dc643" providerId="AD" clId="Web-{2CD48DDE-551F-4792-BDF2-CD2098FB28F6}"/>
-  </pc:docChgLst>
-  <pc:docChgLst>
-    <pc:chgData name="Hargreaves, Tim" userId="90cf5d3a-17ee-49d5-b3bb-4550ca7cb171" providerId="ADAL" clId="{5DFC5665-DC49-40E8-A176-7B6AE2F9733A}"/>
-  </pc:docChgLst>
-  <pc:docChgLst>
-    <pc:chgData name="McKinney, David" userId="S::kqkh779@astrazeneca.net::8b945cb3-78ce-42d7-adc5-b07bab32cd5b" providerId="AD" clId="Web-{A3F1E17F-75AC-45B8-AC87-605E8FE95041}"/>
-    <pc:docChg chg="addSld modSld">
-      <pc:chgData name="McKinney, David" userId="S::kqkh779@astrazeneca.net::8b945cb3-78ce-42d7-adc5-b07bab32cd5b" providerId="AD" clId="Web-{A3F1E17F-75AC-45B8-AC87-605E8FE95041}" dt="2020-02-13T11:48:59.943" v="45" actId="1076"/>
-      <pc:docMkLst>
-        <pc:docMk/>
-      </pc:docMkLst>
-      <pc:sldChg chg="modSp">
-        <pc:chgData name="McKinney, David" userId="S::kqkh779@astrazeneca.net::8b945cb3-78ce-42d7-adc5-b07bab32cd5b" providerId="AD" clId="Web-{A3F1E17F-75AC-45B8-AC87-605E8FE95041}" dt="2020-02-13T11:45:09.740" v="21" actId="20577"/>
-        <pc:sldMkLst>
-          <pc:docMk/>
-          <pc:sldMk cId="2499478442" sldId="365"/>
-        </pc:sldMkLst>
-        <pc:spChg chg="mod">
-          <ac:chgData name="McKinney, David" userId="S::kqkh779@astrazeneca.net::8b945cb3-78ce-42d7-adc5-b07bab32cd5b" providerId="AD" clId="Web-{A3F1E17F-75AC-45B8-AC87-605E8FE95041}" dt="2020-02-13T11:45:09.740" v="21" actId="20577"/>
-          <ac:spMkLst>
-            <pc:docMk/>
-            <pc:sldMk cId="2499478442" sldId="365"/>
-            <ac:spMk id="3" creationId="{D9F59F0A-AA59-4F15-95CC-124F6F55180D}"/>
-          </ac:spMkLst>
-        </pc:spChg>
-      </pc:sldChg>
-      <pc:sldChg chg="addSp delSp modSp add replId">
-        <pc:chgData name="McKinney, David" userId="S::kqkh779@astrazeneca.net::8b945cb3-78ce-42d7-adc5-b07bab32cd5b" providerId="AD" clId="Web-{A3F1E17F-75AC-45B8-AC87-605E8FE95041}" dt="2020-02-13T11:48:59.943" v="45" actId="1076"/>
-        <pc:sldMkLst>
-          <pc:docMk/>
-          <pc:sldMk cId="2819223974" sldId="422"/>
-        </pc:sldMkLst>
-        <pc:spChg chg="mod">
-          <ac:chgData name="McKinney, David" userId="S::kqkh779@astrazeneca.net::8b945cb3-78ce-42d7-adc5-b07bab32cd5b" providerId="AD" clId="Web-{A3F1E17F-75AC-45B8-AC87-605E8FE95041}" dt="2020-02-13T11:45:14.911" v="23" actId="20577"/>
-          <ac:spMkLst>
-            <pc:docMk/>
-            <pc:sldMk cId="2819223974" sldId="422"/>
-            <ac:spMk id="3" creationId="{D9F59F0A-AA59-4F15-95CC-124F6F55180D}"/>
-          </ac:spMkLst>
-        </pc:spChg>
-        <pc:picChg chg="del">
-          <ac:chgData name="McKinney, David" userId="S::kqkh779@astrazeneca.net::8b945cb3-78ce-42d7-adc5-b07bab32cd5b" providerId="AD" clId="Web-{A3F1E17F-75AC-45B8-AC87-605E8FE95041}" dt="2020-02-13T11:48:40.850" v="36"/>
-          <ac:picMkLst>
-            <pc:docMk/>
-            <pc:sldMk cId="2819223974" sldId="422"/>
-            <ac:picMk id="5" creationId="{EB4C028F-E23D-4091-962F-46D6A6A0B8A1}"/>
-          </ac:picMkLst>
-        </pc:picChg>
-        <pc:picChg chg="add del mod">
-          <ac:chgData name="McKinney, David" userId="S::kqkh779@astrazeneca.net::8b945cb3-78ce-42d7-adc5-b07bab32cd5b" providerId="AD" clId="Web-{A3F1E17F-75AC-45B8-AC87-605E8FE95041}" dt="2020-02-13T11:47:54.303" v="25"/>
-          <ac:picMkLst>
-            <pc:docMk/>
-            <pc:sldMk cId="2819223974" sldId="422"/>
-            <ac:picMk id="6" creationId="{133305DB-CFA2-44BF-8CD9-E123986488B3}"/>
-          </ac:picMkLst>
-        </pc:picChg>
-        <pc:picChg chg="add mod">
-          <ac:chgData name="McKinney, David" userId="S::kqkh779@astrazeneca.net::8b945cb3-78ce-42d7-adc5-b07bab32cd5b" providerId="AD" clId="Web-{A3F1E17F-75AC-45B8-AC87-605E8FE95041}" dt="2020-02-13T11:48:59.943" v="45" actId="1076"/>
-          <ac:picMkLst>
-            <pc:docMk/>
-            <pc:sldMk cId="2819223974" sldId="422"/>
-            <ac:picMk id="9" creationId="{A58C0E81-5A34-4153-B80F-5987F9950C45}"/>
-          </ac:picMkLst>
-        </pc:picChg>
-        <pc:picChg chg="add mod">
-          <ac:chgData name="McKinney, David" userId="S::kqkh779@astrazeneca.net::8b945cb3-78ce-42d7-adc5-b07bab32cd5b" providerId="AD" clId="Web-{A3F1E17F-75AC-45B8-AC87-605E8FE95041}" dt="2020-02-13T11:48:58.022" v="44" actId="1076"/>
-          <ac:picMkLst>
-            <pc:docMk/>
-            <pc:sldMk cId="2819223974" sldId="422"/>
-            <ac:picMk id="11" creationId="{03304E51-3B93-4348-80E7-9A3D07B59455}"/>
-          </ac:picMkLst>
-        </pc:picChg>
-        <pc:picChg chg="del">
-          <ac:chgData name="McKinney, David" userId="S::kqkh779@astrazeneca.net::8b945cb3-78ce-42d7-adc5-b07bab32cd5b" providerId="AD" clId="Web-{A3F1E17F-75AC-45B8-AC87-605E8FE95041}" dt="2020-02-13T11:48:42.537" v="37"/>
-          <ac:picMkLst>
-            <pc:docMk/>
-            <pc:sldMk cId="2819223974" sldId="422"/>
-            <ac:picMk id="1032" creationId="{CC0E1BB1-AC2B-4727-BACD-21A08E047076}"/>
-          </ac:picMkLst>
-        </pc:picChg>
-        <pc:cxnChg chg="del">
-          <ac:chgData name="McKinney, David" userId="S::kqkh779@astrazeneca.net::8b945cb3-78ce-42d7-adc5-b07bab32cd5b" providerId="AD" clId="Web-{A3F1E17F-75AC-45B8-AC87-605E8FE95041}" dt="2020-02-13T11:48:44.584" v="38"/>
-          <ac:cxnSpMkLst>
-            <pc:docMk/>
-            <pc:sldMk cId="2819223974" sldId="422"/>
-            <ac:cxnSpMk id="7" creationId="{94E50603-B748-4EAD-823F-CFC68A339D5B}"/>
-          </ac:cxnSpMkLst>
-        </pc:cxnChg>
-      </pc:sldChg>
-    </pc:docChg>
-  </pc:docChgLst>
-  <pc:docChgLst>
-    <pc:chgData name="McKinney, David" userId="S::kqkh779@astrazeneca.net::8b945cb3-78ce-42d7-adc5-b07bab32cd5b" providerId="AD" clId="Web-{439A5F8D-E2D5-4507-938F-6935057FAB23}"/>
-  </pc:docChgLst>
-  <pc:docChgLst>
-    <pc:chgData name="Whittaker, Ryan" userId="S::kbqc931@astrazeneca.net::873b3a98-b8cc-426f-9da0-8dcfa40dc643" providerId="AD" clId="Web-{73D14E00-AD3D-46DA-9E7A-7DE2ED1212F3}"/>
-  </pc:docChgLst>
-  <pc:docChgLst>
-    <pc:chgData name="Bradley, Sam" userId="f75c196c-0419-4ed7-9101-2e14ae32ff77" providerId="ADAL" clId="{5D539316-6F26-47C3-88B4-BCB4FE4A3E07}"/>
-  </pc:docChgLst>
-  <pc:docChgLst>
-    <pc:chgData name="Whittaker, Ryan" userId="S::kbqc931@astrazeneca.net::873b3a98-b8cc-426f-9da0-8dcfa40dc643" providerId="AD" clId="Web-{5BCDD864-810F-4098-8BF2-8E12CA711862}"/>
-  </pc:docChgLst>
-  <pc:docChgLst>
-    <pc:chgData name="Hargreaves, Tim" userId="90cf5d3a-17ee-49d5-b3bb-4550ca7cb171" providerId="ADAL" clId="{A551ADB2-18BB-4E92-A406-F2675FF4D41A}"/>
-  </pc:docChgLst>
   <pc:docChgLst>
     <pc:chgData name="McKinney, David" userId="8b945cb3-78ce-42d7-adc5-b07bab32cd5b" providerId="ADAL" clId="{10779F69-084B-46DF-8B9A-577A83F6E190}"/>
     <pc:docChg chg="custSel addSld delSld modSld sldOrd">
@@ -735,28 +618,91 @@
     </pc:docChg>
   </pc:docChgLst>
   <pc:docChgLst>
-    <pc:chgData name="McKinney, David" userId="8b945cb3-78ce-42d7-adc5-b07bab32cd5b" providerId="ADAL" clId="{4B50621F-9B5F-4849-8581-C894387D6D49}"/>
-  </pc:docChgLst>
-  <pc:docChgLst>
-    <pc:chgData name="McKinney, David" userId="S::kqkh779@astrazeneca.net::8b945cb3-78ce-42d7-adc5-b07bab32cd5b" providerId="AD" clId="Web-{19ED5777-9461-488C-9C2F-EA5FA8BDDD4A}"/>
-  </pc:docChgLst>
-  <pc:docChgLst>
-    <pc:chgData name="Whittaker, Ryan" userId="S::kbqc931@astrazeneca.net::873b3a98-b8cc-426f-9da0-8dcfa40dc643" providerId="AD" clId="Web-{B64EA736-3A8F-466E-8E47-784F4DEF7478}"/>
-  </pc:docChgLst>
-  <pc:docChgLst>
-    <pc:chgData name="McKinney, David" userId="8b945cb3-78ce-42d7-adc5-b07bab32cd5b" providerId="ADAL" clId="{9603A653-FB5C-458E-AF3B-FE7FDA175610}"/>
-  </pc:docChgLst>
-  <pc:docChgLst>
-    <pc:chgData name="Whittaker, Ryan" userId="S::kbqc931@astrazeneca.net::873b3a98-b8cc-426f-9da0-8dcfa40dc643" providerId="AD" clId="Web-{A49819BF-3708-4E37-B4EC-C9678268031B}"/>
-  </pc:docChgLst>
-  <pc:docChgLst>
-    <pc:chgData name="Whittaker, Ryan" userId="S::kbqc931@astrazeneca.net::873b3a98-b8cc-426f-9da0-8dcfa40dc643" providerId="AD" clId="Web-{DCB56511-3446-40CF-BFF7-5E04E04BE463}"/>
-  </pc:docChgLst>
-  <pc:docChgLst>
-    <pc:chgData name="Whittaker, Ryan" userId="S::kbqc931@astrazeneca.net::873b3a98-b8cc-426f-9da0-8dcfa40dc643" providerId="AD" clId="Web-{9A42D76C-D160-41CA-9A1F-C4FC95B41C8B}"/>
-  </pc:docChgLst>
-  <pc:docChgLst>
-    <pc:chgData name="McKinney, David" userId="S::kqkh779@astrazeneca.net::8b945cb3-78ce-42d7-adc5-b07bab32cd5b" providerId="AD" clId="Web-{644B498D-08F7-481A-98FA-B2675B8104AA}"/>
+    <pc:chgData name="McKinney, David" userId="S::kqkh779@astrazeneca.net::8b945cb3-78ce-42d7-adc5-b07bab32cd5b" providerId="AD" clId="Web-{A3F1E17F-75AC-45B8-AC87-605E8FE95041}"/>
+    <pc:docChg chg="addSld modSld">
+      <pc:chgData name="McKinney, David" userId="S::kqkh779@astrazeneca.net::8b945cb3-78ce-42d7-adc5-b07bab32cd5b" providerId="AD" clId="Web-{A3F1E17F-75AC-45B8-AC87-605E8FE95041}" dt="2020-02-13T11:48:59.943" v="45" actId="1076"/>
+      <pc:docMkLst>
+        <pc:docMk/>
+      </pc:docMkLst>
+      <pc:sldChg chg="modSp">
+        <pc:chgData name="McKinney, David" userId="S::kqkh779@astrazeneca.net::8b945cb3-78ce-42d7-adc5-b07bab32cd5b" providerId="AD" clId="Web-{A3F1E17F-75AC-45B8-AC87-605E8FE95041}" dt="2020-02-13T11:45:09.740" v="21" actId="20577"/>
+        <pc:sldMkLst>
+          <pc:docMk/>
+          <pc:sldMk cId="2499478442" sldId="365"/>
+        </pc:sldMkLst>
+        <pc:spChg chg="mod">
+          <ac:chgData name="McKinney, David" userId="S::kqkh779@astrazeneca.net::8b945cb3-78ce-42d7-adc5-b07bab32cd5b" providerId="AD" clId="Web-{A3F1E17F-75AC-45B8-AC87-605E8FE95041}" dt="2020-02-13T11:45:09.740" v="21" actId="20577"/>
+          <ac:spMkLst>
+            <pc:docMk/>
+            <pc:sldMk cId="2499478442" sldId="365"/>
+            <ac:spMk id="3" creationId="{D9F59F0A-AA59-4F15-95CC-124F6F55180D}"/>
+          </ac:spMkLst>
+        </pc:spChg>
+      </pc:sldChg>
+      <pc:sldChg chg="addSp delSp modSp add replId">
+        <pc:chgData name="McKinney, David" userId="S::kqkh779@astrazeneca.net::8b945cb3-78ce-42d7-adc5-b07bab32cd5b" providerId="AD" clId="Web-{A3F1E17F-75AC-45B8-AC87-605E8FE95041}" dt="2020-02-13T11:48:59.943" v="45" actId="1076"/>
+        <pc:sldMkLst>
+          <pc:docMk/>
+          <pc:sldMk cId="2819223974" sldId="422"/>
+        </pc:sldMkLst>
+        <pc:spChg chg="mod">
+          <ac:chgData name="McKinney, David" userId="S::kqkh779@astrazeneca.net::8b945cb3-78ce-42d7-adc5-b07bab32cd5b" providerId="AD" clId="Web-{A3F1E17F-75AC-45B8-AC87-605E8FE95041}" dt="2020-02-13T11:45:14.911" v="23" actId="20577"/>
+          <ac:spMkLst>
+            <pc:docMk/>
+            <pc:sldMk cId="2819223974" sldId="422"/>
+            <ac:spMk id="3" creationId="{D9F59F0A-AA59-4F15-95CC-124F6F55180D}"/>
+          </ac:spMkLst>
+        </pc:spChg>
+        <pc:picChg chg="del">
+          <ac:chgData name="McKinney, David" userId="S::kqkh779@astrazeneca.net::8b945cb3-78ce-42d7-adc5-b07bab32cd5b" providerId="AD" clId="Web-{A3F1E17F-75AC-45B8-AC87-605E8FE95041}" dt="2020-02-13T11:48:40.850" v="36"/>
+          <ac:picMkLst>
+            <pc:docMk/>
+            <pc:sldMk cId="2819223974" sldId="422"/>
+            <ac:picMk id="5" creationId="{EB4C028F-E23D-4091-962F-46D6A6A0B8A1}"/>
+          </ac:picMkLst>
+        </pc:picChg>
+        <pc:picChg chg="add del mod">
+          <ac:chgData name="McKinney, David" userId="S::kqkh779@astrazeneca.net::8b945cb3-78ce-42d7-adc5-b07bab32cd5b" providerId="AD" clId="Web-{A3F1E17F-75AC-45B8-AC87-605E8FE95041}" dt="2020-02-13T11:47:54.303" v="25"/>
+          <ac:picMkLst>
+            <pc:docMk/>
+            <pc:sldMk cId="2819223974" sldId="422"/>
+            <ac:picMk id="6" creationId="{133305DB-CFA2-44BF-8CD9-E123986488B3}"/>
+          </ac:picMkLst>
+        </pc:picChg>
+        <pc:picChg chg="add mod">
+          <ac:chgData name="McKinney, David" userId="S::kqkh779@astrazeneca.net::8b945cb3-78ce-42d7-adc5-b07bab32cd5b" providerId="AD" clId="Web-{A3F1E17F-75AC-45B8-AC87-605E8FE95041}" dt="2020-02-13T11:48:59.943" v="45" actId="1076"/>
+          <ac:picMkLst>
+            <pc:docMk/>
+            <pc:sldMk cId="2819223974" sldId="422"/>
+            <ac:picMk id="9" creationId="{A58C0E81-5A34-4153-B80F-5987F9950C45}"/>
+          </ac:picMkLst>
+        </pc:picChg>
+        <pc:picChg chg="add mod">
+          <ac:chgData name="McKinney, David" userId="S::kqkh779@astrazeneca.net::8b945cb3-78ce-42d7-adc5-b07bab32cd5b" providerId="AD" clId="Web-{A3F1E17F-75AC-45B8-AC87-605E8FE95041}" dt="2020-02-13T11:48:58.022" v="44" actId="1076"/>
+          <ac:picMkLst>
+            <pc:docMk/>
+            <pc:sldMk cId="2819223974" sldId="422"/>
+            <ac:picMk id="11" creationId="{03304E51-3B93-4348-80E7-9A3D07B59455}"/>
+          </ac:picMkLst>
+        </pc:picChg>
+        <pc:picChg chg="del">
+          <ac:chgData name="McKinney, David" userId="S::kqkh779@astrazeneca.net::8b945cb3-78ce-42d7-adc5-b07bab32cd5b" providerId="AD" clId="Web-{A3F1E17F-75AC-45B8-AC87-605E8FE95041}" dt="2020-02-13T11:48:42.537" v="37"/>
+          <ac:picMkLst>
+            <pc:docMk/>
+            <pc:sldMk cId="2819223974" sldId="422"/>
+            <ac:picMk id="1032" creationId="{CC0E1BB1-AC2B-4727-BACD-21A08E047076}"/>
+          </ac:picMkLst>
+        </pc:picChg>
+        <pc:cxnChg chg="del">
+          <ac:chgData name="McKinney, David" userId="S::kqkh779@astrazeneca.net::8b945cb3-78ce-42d7-adc5-b07bab32cd5b" providerId="AD" clId="Web-{A3F1E17F-75AC-45B8-AC87-605E8FE95041}" dt="2020-02-13T11:48:44.584" v="38"/>
+          <ac:cxnSpMkLst>
+            <pc:docMk/>
+            <pc:sldMk cId="2819223974" sldId="422"/>
+            <ac:cxnSpMk id="7" creationId="{94E50603-B748-4EAD-823F-CFC68A339D5B}"/>
+          </ac:cxnSpMkLst>
+        </pc:cxnChg>
+      </pc:sldChg>
+    </pc:docChg>
   </pc:docChgLst>
 </pc:chgInfo>
 </file>
@@ -844,7 +790,7 @@
             <a:fld id="{3BBED7E8-0829-F34C-B479-A757805E6C1B}" type="datetimeFigureOut">
               <a:rPr lang="en-US" smtClean="0"/>
               <a:pPr/>
-              <a:t>4/3/2020</a:t>
+              <a:t>7/13/2020</a:t>
             </a:fld>
             <a:endParaRPr lang="en-US"/>
           </a:p>
@@ -1012,7 +958,7 @@
             <a:fld id="{6C7E4F11-7667-5045-A00B-01970EA44BB5}" type="datetimeFigureOut">
               <a:rPr lang="en-US" smtClean="0"/>
               <a:pPr/>
-              <a:t>4/3/2020</a:t>
+              <a:t>7/13/2020</a:t>
             </a:fld>
             <a:endParaRPr lang="en-US"/>
           </a:p>
@@ -26350,7 +26296,7 @@
 </file>
 
 <file path=ppt/slides/slide1.xml><?xml version="1.0" encoding="utf-8"?>
-<p:sld xmlns:a="http://schemas.openxmlformats.org/drawingml/2006/main" xmlns:r="http://schemas.openxmlformats.org/officeDocument/2006/relationships" xmlns:p="http://schemas.openxmlformats.org/presentationml/2006/main">
+<p:sld xmlns:a="http://schemas.openxmlformats.org/drawingml/2006/main" xmlns:r="http://schemas.openxmlformats.org/officeDocument/2006/relationships" xmlns:p="http://schemas.openxmlformats.org/presentationml/2006/main" showMasterSp="0">
   <p:cSld>
     <p:spTree>
       <p:nvGrpSpPr>
@@ -26561,10 +26507,9 @@
           </a:lstStyle>
           <a:p>
             <a:r>
-              <a:rPr lang="en-GB"/>
-              <a:t>The AZ Code Club Team</a:t>
-            </a:r>
-            <a:endParaRPr lang="en-GB" dirty="0"/>
+              <a:rPr lang="en-GB" dirty="0"/>
+              <a:t>Warwick Data Science Society</a:t>
+            </a:r>
           </a:p>
         </p:txBody>
       </p:sp>
@@ -26856,6 +26801,51 @@
           </a:p>
         </p:txBody>
       </p:sp>
+      <p:pic>
+        <p:nvPicPr>
+          <p:cNvPr id="10" name="Picture 2" descr="photo of outer space">
+            <a:extLst>
+              <a:ext uri="{FF2B5EF4-FFF2-40B4-BE49-F238E27FC236}">
+                <a16:creationId xmlns:a16="http://schemas.microsoft.com/office/drawing/2014/main" id="{651329D0-5338-462C-AA44-6A4023B08F79}"/>
+              </a:ext>
+            </a:extLst>
+          </p:cNvPr>
+          <p:cNvPicPr>
+            <a:picLocks noChangeAspect="1" noChangeArrowheads="1"/>
+          </p:cNvPicPr>
+          <p:nvPr/>
+        </p:nvPicPr>
+        <p:blipFill rotWithShape="1">
+          <a:blip r:embed="rId6">
+            <a:extLst>
+              <a:ext uri="{28A0092B-C50C-407E-A947-70E740481C1C}">
+                <a14:useLocalDpi xmlns:a14="http://schemas.microsoft.com/office/drawing/2010/main" val="0"/>
+              </a:ext>
+            </a:extLst>
+          </a:blip>
+          <a:srcRect t="23528" b="41523"/>
+          <a:stretch/>
+        </p:blipFill>
+        <p:spPr bwMode="auto">
+          <a:xfrm>
+            <a:off x="238757" y="2941219"/>
+            <a:ext cx="8689242" cy="2019600"/>
+          </a:xfrm>
+          <a:prstGeom prst="rect">
+            <a:avLst/>
+          </a:prstGeom>
+          <a:noFill/>
+          <a:extLst>
+            <a:ext uri="{909E8E84-426E-40DD-AFC4-6F175D3DCCD1}">
+              <a14:hiddenFill xmlns:a14="http://schemas.microsoft.com/office/drawing/2010/main">
+                <a:solidFill>
+                  <a:srgbClr val="FFFFFF"/>
+                </a:solidFill>
+              </a14:hiddenFill>
+            </a:ext>
+          </a:extLst>
+        </p:spPr>
+      </p:pic>
     </p:spTree>
     <p:extLst>
       <p:ext uri="{BB962C8B-B14F-4D97-AF65-F5344CB8AC3E}">
@@ -27170,10 +27160,10 @@
       </p:sp>
       <p:pic>
         <p:nvPicPr>
-          <p:cNvPr id="10" name="Picture 9">
+          <p:cNvPr id="7" name="Picture 6" descr="A picture containing stool&#10;&#10;Description automatically generated">
             <a:extLst>
               <a:ext uri="{FF2B5EF4-FFF2-40B4-BE49-F238E27FC236}">
-                <a16:creationId xmlns:a16="http://schemas.microsoft.com/office/drawing/2014/main" id="{5D88D8DE-49AD-4C78-96E5-E89CFBC05377}"/>
+                <a16:creationId xmlns:a16="http://schemas.microsoft.com/office/drawing/2014/main" id="{454F2191-16D7-4129-92CA-332BF20F6F1E}"/>
               </a:ext>
             </a:extLst>
           </p:cNvPr>
@@ -27182,19 +27172,27 @@
           </p:cNvPicPr>
           <p:nvPr/>
         </p:nvPicPr>
-        <p:blipFill rotWithShape="1">
+        <p:blipFill>
           <a:blip r:embed="rId3"/>
-          <a:srcRect l="2982" t="3174" r="2869" b="2900"/>
-          <a:stretch/>
+          <a:stretch>
+            <a:fillRect/>
+          </a:stretch>
         </p:blipFill>
         <p:spPr>
           <a:xfrm>
-            <a:off x="8576572" y="4598283"/>
-            <a:ext cx="498106" cy="496941"/>
+            <a:off x="8515735" y="4536281"/>
+            <a:ext cx="558943" cy="558943"/>
           </a:xfrm>
           <a:prstGeom prst="ellipse">
             <a:avLst/>
           </a:prstGeom>
+          <a:effectLst>
+            <a:outerShdw blurRad="63500" sx="102000" sy="102000" algn="ctr" rotWithShape="0">
+              <a:prstClr val="black">
+                <a:alpha val="40000"/>
+              </a:prstClr>
+            </a:outerShdw>
+          </a:effectLst>
         </p:spPr>
       </p:pic>
     </p:spTree>
@@ -27562,10 +27560,10 @@
       </p:sp>
       <p:pic>
         <p:nvPicPr>
-          <p:cNvPr id="10" name="Picture 9">
+          <p:cNvPr id="8" name="Picture 7" descr="A picture containing stool&#10;&#10;Description automatically generated">
             <a:extLst>
               <a:ext uri="{FF2B5EF4-FFF2-40B4-BE49-F238E27FC236}">
-                <a16:creationId xmlns:a16="http://schemas.microsoft.com/office/drawing/2014/main" id="{4DEBDB1A-F4DA-49CD-BDBC-731E0FFE3E0C}"/>
+                <a16:creationId xmlns:a16="http://schemas.microsoft.com/office/drawing/2014/main" id="{8A3808FB-225D-4CD2-9C9E-180601563B95}"/>
               </a:ext>
             </a:extLst>
           </p:cNvPr>
@@ -27574,19 +27572,27 @@
           </p:cNvPicPr>
           <p:nvPr/>
         </p:nvPicPr>
-        <p:blipFill rotWithShape="1">
+        <p:blipFill>
           <a:blip r:embed="rId3"/>
-          <a:srcRect l="2982" t="3174" r="2869" b="2900"/>
-          <a:stretch/>
+          <a:stretch>
+            <a:fillRect/>
+          </a:stretch>
         </p:blipFill>
         <p:spPr>
           <a:xfrm>
-            <a:off x="8576572" y="4598283"/>
-            <a:ext cx="498106" cy="496941"/>
+            <a:off x="8515735" y="4536281"/>
+            <a:ext cx="558943" cy="558943"/>
           </a:xfrm>
           <a:prstGeom prst="ellipse">
             <a:avLst/>
           </a:prstGeom>
+          <a:effectLst>
+            <a:outerShdw blurRad="63500" sx="102000" sy="102000" algn="ctr" rotWithShape="0">
+              <a:prstClr val="black">
+                <a:alpha val="40000"/>
+              </a:prstClr>
+            </a:outerShdw>
+          </a:effectLst>
         </p:spPr>
       </p:pic>
     </p:spTree>
@@ -27925,10 +27931,10 @@
       </p:sp>
       <p:pic>
         <p:nvPicPr>
-          <p:cNvPr id="7" name="Picture 6">
+          <p:cNvPr id="6" name="Picture 5">
             <a:extLst>
               <a:ext uri="{FF2B5EF4-FFF2-40B4-BE49-F238E27FC236}">
-                <a16:creationId xmlns:a16="http://schemas.microsoft.com/office/drawing/2014/main" id="{90A0D736-6095-48B0-8F4C-E4B4C1B254BE}"/>
+                <a16:creationId xmlns:a16="http://schemas.microsoft.com/office/drawing/2014/main" id="{14E2F2CC-87F0-4D86-B46B-D50EF938B590}"/>
               </a:ext>
             </a:extLst>
           </p:cNvPr>
@@ -27937,27 +27943,28 @@
           </p:cNvPicPr>
           <p:nvPr/>
         </p:nvPicPr>
-        <p:blipFill rotWithShape="1">
+        <p:blipFill>
           <a:blip r:embed="rId2"/>
-          <a:srcRect l="2982" t="3174" r="2869" b="2900"/>
-          <a:stretch/>
+          <a:stretch>
+            <a:fillRect/>
+          </a:stretch>
         </p:blipFill>
         <p:spPr>
           <a:xfrm>
-            <a:off x="8576572" y="4598283"/>
-            <a:ext cx="498106" cy="496941"/>
-          </a:xfrm>
-          <a:prstGeom prst="ellipse">
+            <a:off x="3212567" y="3351328"/>
+            <a:ext cx="2638425" cy="1495425"/>
+          </a:xfrm>
+          <a:prstGeom prst="rect">
             <a:avLst/>
           </a:prstGeom>
         </p:spPr>
       </p:pic>
       <p:pic>
         <p:nvPicPr>
-          <p:cNvPr id="6" name="Picture 5">
+          <p:cNvPr id="8" name="Picture 7" descr="A picture containing stool&#10;&#10;Description automatically generated">
             <a:extLst>
               <a:ext uri="{FF2B5EF4-FFF2-40B4-BE49-F238E27FC236}">
-                <a16:creationId xmlns:a16="http://schemas.microsoft.com/office/drawing/2014/main" id="{14E2F2CC-87F0-4D86-B46B-D50EF938B590}"/>
+                <a16:creationId xmlns:a16="http://schemas.microsoft.com/office/drawing/2014/main" id="{48B82981-3866-4509-B5B7-B68F1F260C2F}"/>
               </a:ext>
             </a:extLst>
           </p:cNvPr>
@@ -27974,12 +27981,19 @@
         </p:blipFill>
         <p:spPr>
           <a:xfrm>
-            <a:off x="3212567" y="3351328"/>
-            <a:ext cx="2638425" cy="1495425"/>
-          </a:xfrm>
-          <a:prstGeom prst="rect">
-            <a:avLst/>
-          </a:prstGeom>
+            <a:off x="8515735" y="4536281"/>
+            <a:ext cx="558943" cy="558943"/>
+          </a:xfrm>
+          <a:prstGeom prst="ellipse">
+            <a:avLst/>
+          </a:prstGeom>
+          <a:effectLst>
+            <a:outerShdw blurRad="63500" sx="102000" sy="102000" algn="ctr" rotWithShape="0">
+              <a:prstClr val="black">
+                <a:alpha val="40000"/>
+              </a:prstClr>
+            </a:outerShdw>
+          </a:effectLst>
         </p:spPr>
       </p:pic>
     </p:spTree>
@@ -28340,10 +28354,10 @@
       </p:sp>
       <p:pic>
         <p:nvPicPr>
-          <p:cNvPr id="7" name="Picture 6">
+          <p:cNvPr id="6" name="Picture 5" descr="A picture containing stool&#10;&#10;Description automatically generated">
             <a:extLst>
               <a:ext uri="{FF2B5EF4-FFF2-40B4-BE49-F238E27FC236}">
-                <a16:creationId xmlns:a16="http://schemas.microsoft.com/office/drawing/2014/main" id="{90A0D736-6095-48B0-8F4C-E4B4C1B254BE}"/>
+                <a16:creationId xmlns:a16="http://schemas.microsoft.com/office/drawing/2014/main" id="{0A7D6CB1-1538-4E6A-9F9C-D8BE2FD2AA9C}"/>
               </a:ext>
             </a:extLst>
           </p:cNvPr>
@@ -28352,19 +28366,27 @@
           </p:cNvPicPr>
           <p:nvPr/>
         </p:nvPicPr>
-        <p:blipFill rotWithShape="1">
+        <p:blipFill>
           <a:blip r:embed="rId2"/>
-          <a:srcRect l="2982" t="3174" r="2869" b="2900"/>
-          <a:stretch/>
+          <a:stretch>
+            <a:fillRect/>
+          </a:stretch>
         </p:blipFill>
         <p:spPr>
           <a:xfrm>
-            <a:off x="8576572" y="4598283"/>
-            <a:ext cx="498106" cy="496941"/>
+            <a:off x="8515735" y="4536281"/>
+            <a:ext cx="558943" cy="558943"/>
           </a:xfrm>
           <a:prstGeom prst="ellipse">
             <a:avLst/>
           </a:prstGeom>
+          <a:effectLst>
+            <a:outerShdw blurRad="63500" sx="102000" sy="102000" algn="ctr" rotWithShape="0">
+              <a:prstClr val="black">
+                <a:alpha val="40000"/>
+              </a:prstClr>
+            </a:outerShdw>
+          </a:effectLst>
         </p:spPr>
       </p:pic>
     </p:spTree>
@@ -28461,10 +28483,10 @@
       </p:sp>
       <p:pic>
         <p:nvPicPr>
-          <p:cNvPr id="7" name="Picture 6">
+          <p:cNvPr id="3" name="Picture 2">
             <a:extLst>
               <a:ext uri="{FF2B5EF4-FFF2-40B4-BE49-F238E27FC236}">
-                <a16:creationId xmlns:a16="http://schemas.microsoft.com/office/drawing/2014/main" id="{90A0D736-6095-48B0-8F4C-E4B4C1B254BE}"/>
+                <a16:creationId xmlns:a16="http://schemas.microsoft.com/office/drawing/2014/main" id="{E23F9FDE-84C9-44B2-BA21-64B9E7EC24B1}"/>
               </a:ext>
             </a:extLst>
           </p:cNvPr>
@@ -28473,27 +28495,28 @@
           </p:cNvPicPr>
           <p:nvPr/>
         </p:nvPicPr>
-        <p:blipFill rotWithShape="1">
+        <p:blipFill>
           <a:blip r:embed="rId2"/>
-          <a:srcRect l="2982" t="3174" r="2869" b="2900"/>
-          <a:stretch/>
+          <a:stretch>
+            <a:fillRect/>
+          </a:stretch>
         </p:blipFill>
         <p:spPr>
           <a:xfrm>
-            <a:off x="8576572" y="4598283"/>
-            <a:ext cx="498106" cy="496941"/>
-          </a:xfrm>
-          <a:prstGeom prst="ellipse">
+            <a:off x="1971675" y="1809750"/>
+            <a:ext cx="5200650" cy="1524000"/>
+          </a:xfrm>
+          <a:prstGeom prst="rect">
             <a:avLst/>
           </a:prstGeom>
         </p:spPr>
       </p:pic>
       <p:pic>
         <p:nvPicPr>
-          <p:cNvPr id="3" name="Picture 2">
+          <p:cNvPr id="6" name="Picture 5" descr="A picture containing stool&#10;&#10;Description automatically generated">
             <a:extLst>
               <a:ext uri="{FF2B5EF4-FFF2-40B4-BE49-F238E27FC236}">
-                <a16:creationId xmlns:a16="http://schemas.microsoft.com/office/drawing/2014/main" id="{E23F9FDE-84C9-44B2-BA21-64B9E7EC24B1}"/>
+                <a16:creationId xmlns:a16="http://schemas.microsoft.com/office/drawing/2014/main" id="{E4689925-3A4D-41E9-BFCE-B7233DB49A24}"/>
               </a:ext>
             </a:extLst>
           </p:cNvPr>
@@ -28510,12 +28533,19 @@
         </p:blipFill>
         <p:spPr>
           <a:xfrm>
-            <a:off x="1971675" y="1809750"/>
-            <a:ext cx="5200650" cy="1524000"/>
-          </a:xfrm>
-          <a:prstGeom prst="rect">
-            <a:avLst/>
-          </a:prstGeom>
+            <a:off x="8515735" y="4536281"/>
+            <a:ext cx="558943" cy="558943"/>
+          </a:xfrm>
+          <a:prstGeom prst="ellipse">
+            <a:avLst/>
+          </a:prstGeom>
+          <a:effectLst>
+            <a:outerShdw blurRad="63500" sx="102000" sy="102000" algn="ctr" rotWithShape="0">
+              <a:prstClr val="black">
+                <a:alpha val="40000"/>
+              </a:prstClr>
+            </a:outerShdw>
+          </a:effectLst>
         </p:spPr>
       </p:pic>
     </p:spTree>
@@ -28815,35 +28845,6 @@
       </p:sp>
       <p:pic>
         <p:nvPicPr>
-          <p:cNvPr id="7" name="Picture 6">
-            <a:extLst>
-              <a:ext uri="{FF2B5EF4-FFF2-40B4-BE49-F238E27FC236}">
-                <a16:creationId xmlns:a16="http://schemas.microsoft.com/office/drawing/2014/main" id="{90A0D736-6095-48B0-8F4C-E4B4C1B254BE}"/>
-              </a:ext>
-            </a:extLst>
-          </p:cNvPr>
-          <p:cNvPicPr>
-            <a:picLocks noChangeAspect="1"/>
-          </p:cNvPicPr>
-          <p:nvPr/>
-        </p:nvPicPr>
-        <p:blipFill rotWithShape="1">
-          <a:blip r:embed="rId2"/>
-          <a:srcRect l="2982" t="3174" r="2869" b="2900"/>
-          <a:stretch/>
-        </p:blipFill>
-        <p:spPr>
-          <a:xfrm>
-            <a:off x="8576572" y="4598283"/>
-            <a:ext cx="498106" cy="496941"/>
-          </a:xfrm>
-          <a:prstGeom prst="ellipse">
-            <a:avLst/>
-          </a:prstGeom>
-        </p:spPr>
-      </p:pic>
-      <p:pic>
-        <p:nvPicPr>
           <p:cNvPr id="3" name="Picture 2">
             <a:extLst>
               <a:ext uri="{FF2B5EF4-FFF2-40B4-BE49-F238E27FC236}">
@@ -28857,7 +28858,7 @@
           <p:nvPr/>
         </p:nvPicPr>
         <p:blipFill>
-          <a:blip r:embed="rId3"/>
+          <a:blip r:embed="rId2"/>
           <a:stretch>
             <a:fillRect/>
           </a:stretch>
@@ -28887,7 +28888,7 @@
           <p:nvPr/>
         </p:nvPicPr>
         <p:blipFill>
-          <a:blip r:embed="rId4"/>
+          <a:blip r:embed="rId3"/>
           <a:stretch>
             <a:fillRect/>
           </a:stretch>
@@ -28917,6 +28918,36 @@
           <p:nvPr/>
         </p:nvPicPr>
         <p:blipFill>
+          <a:blip r:embed="rId4"/>
+          <a:stretch>
+            <a:fillRect/>
+          </a:stretch>
+        </p:blipFill>
+        <p:spPr>
+          <a:xfrm>
+            <a:off x="4759093" y="3130176"/>
+            <a:ext cx="3197063" cy="1365324"/>
+          </a:xfrm>
+          <a:prstGeom prst="rect">
+            <a:avLst/>
+          </a:prstGeom>
+        </p:spPr>
+      </p:pic>
+      <p:pic>
+        <p:nvPicPr>
+          <p:cNvPr id="10" name="Picture 9" descr="A picture containing stool&#10;&#10;Description automatically generated">
+            <a:extLst>
+              <a:ext uri="{FF2B5EF4-FFF2-40B4-BE49-F238E27FC236}">
+                <a16:creationId xmlns:a16="http://schemas.microsoft.com/office/drawing/2014/main" id="{729D465E-C049-4A44-A3DC-B783A97D4568}"/>
+              </a:ext>
+            </a:extLst>
+          </p:cNvPr>
+          <p:cNvPicPr>
+            <a:picLocks noChangeAspect="1"/>
+          </p:cNvPicPr>
+          <p:nvPr/>
+        </p:nvPicPr>
+        <p:blipFill>
           <a:blip r:embed="rId5"/>
           <a:stretch>
             <a:fillRect/>
@@ -28924,12 +28955,19 @@
         </p:blipFill>
         <p:spPr>
           <a:xfrm>
-            <a:off x="4759093" y="3130176"/>
-            <a:ext cx="3197063" cy="1365324"/>
-          </a:xfrm>
-          <a:prstGeom prst="rect">
-            <a:avLst/>
-          </a:prstGeom>
+            <a:off x="8515735" y="4536281"/>
+            <a:ext cx="558943" cy="558943"/>
+          </a:xfrm>
+          <a:prstGeom prst="ellipse">
+            <a:avLst/>
+          </a:prstGeom>
+          <a:effectLst>
+            <a:outerShdw blurRad="63500" sx="102000" sy="102000" algn="ctr" rotWithShape="0">
+              <a:prstClr val="black">
+                <a:alpha val="40000"/>
+              </a:prstClr>
+            </a:outerShdw>
+          </a:effectLst>
         </p:spPr>
       </p:pic>
     </p:spTree>
@@ -29266,10 +29304,10 @@
       </p:sp>
       <p:pic>
         <p:nvPicPr>
-          <p:cNvPr id="7" name="Picture 6">
+          <p:cNvPr id="6" name="Picture 5" descr="A picture containing stool&#10;&#10;Description automatically generated">
             <a:extLst>
               <a:ext uri="{FF2B5EF4-FFF2-40B4-BE49-F238E27FC236}">
-                <a16:creationId xmlns:a16="http://schemas.microsoft.com/office/drawing/2014/main" id="{90A0D736-6095-48B0-8F4C-E4B4C1B254BE}"/>
+                <a16:creationId xmlns:a16="http://schemas.microsoft.com/office/drawing/2014/main" id="{6B3AC483-F1F1-4D38-A322-2C610ED4D8FC}"/>
               </a:ext>
             </a:extLst>
           </p:cNvPr>
@@ -29278,19 +29316,27 @@
           </p:cNvPicPr>
           <p:nvPr/>
         </p:nvPicPr>
-        <p:blipFill rotWithShape="1">
+        <p:blipFill>
           <a:blip r:embed="rId2"/>
-          <a:srcRect l="2982" t="3174" r="2869" b="2900"/>
-          <a:stretch/>
+          <a:stretch>
+            <a:fillRect/>
+          </a:stretch>
         </p:blipFill>
         <p:spPr>
           <a:xfrm>
-            <a:off x="8576572" y="4598283"/>
-            <a:ext cx="498106" cy="496941"/>
+            <a:off x="8515735" y="4536281"/>
+            <a:ext cx="558943" cy="558943"/>
           </a:xfrm>
           <a:prstGeom prst="ellipse">
             <a:avLst/>
           </a:prstGeom>
+          <a:effectLst>
+            <a:outerShdw blurRad="63500" sx="102000" sy="102000" algn="ctr" rotWithShape="0">
+              <a:prstClr val="black">
+                <a:alpha val="40000"/>
+              </a:prstClr>
+            </a:outerShdw>
+          </a:effectLst>
         </p:spPr>
       </p:pic>
     </p:spTree>
@@ -29387,10 +29433,10 @@
       </p:sp>
       <p:pic>
         <p:nvPicPr>
-          <p:cNvPr id="7" name="Picture 6">
+          <p:cNvPr id="3" name="Picture 2">
             <a:extLst>
               <a:ext uri="{FF2B5EF4-FFF2-40B4-BE49-F238E27FC236}">
-                <a16:creationId xmlns:a16="http://schemas.microsoft.com/office/drawing/2014/main" id="{90A0D736-6095-48B0-8F4C-E4B4C1B254BE}"/>
+                <a16:creationId xmlns:a16="http://schemas.microsoft.com/office/drawing/2014/main" id="{5015EE7F-77ED-42CB-AA7C-F0A6598AD3C5}"/>
               </a:ext>
             </a:extLst>
           </p:cNvPr>
@@ -29399,27 +29445,28 @@
           </p:cNvPicPr>
           <p:nvPr/>
         </p:nvPicPr>
-        <p:blipFill rotWithShape="1">
+        <p:blipFill>
           <a:blip r:embed="rId2"/>
-          <a:srcRect l="2982" t="3174" r="2869" b="2900"/>
-          <a:stretch/>
+          <a:stretch>
+            <a:fillRect/>
+          </a:stretch>
         </p:blipFill>
         <p:spPr>
           <a:xfrm>
-            <a:off x="8576572" y="4598283"/>
-            <a:ext cx="498106" cy="496941"/>
-          </a:xfrm>
-          <a:prstGeom prst="ellipse">
+            <a:off x="2209800" y="1547812"/>
+            <a:ext cx="4724400" cy="2047875"/>
+          </a:xfrm>
+          <a:prstGeom prst="rect">
             <a:avLst/>
           </a:prstGeom>
         </p:spPr>
       </p:pic>
       <p:pic>
         <p:nvPicPr>
-          <p:cNvPr id="3" name="Picture 2">
+          <p:cNvPr id="6" name="Picture 5" descr="A picture containing stool&#10;&#10;Description automatically generated">
             <a:extLst>
               <a:ext uri="{FF2B5EF4-FFF2-40B4-BE49-F238E27FC236}">
-                <a16:creationId xmlns:a16="http://schemas.microsoft.com/office/drawing/2014/main" id="{5015EE7F-77ED-42CB-AA7C-F0A6598AD3C5}"/>
+                <a16:creationId xmlns:a16="http://schemas.microsoft.com/office/drawing/2014/main" id="{5F85E9B4-74EB-4578-B5F1-8367A8018A2B}"/>
               </a:ext>
             </a:extLst>
           </p:cNvPr>
@@ -29436,12 +29483,19 @@
         </p:blipFill>
         <p:spPr>
           <a:xfrm>
-            <a:off x="2209800" y="1547812"/>
-            <a:ext cx="4724400" cy="2047875"/>
-          </a:xfrm>
-          <a:prstGeom prst="rect">
-            <a:avLst/>
-          </a:prstGeom>
+            <a:off x="8515735" y="4536281"/>
+            <a:ext cx="558943" cy="558943"/>
+          </a:xfrm>
+          <a:prstGeom prst="ellipse">
+            <a:avLst/>
+          </a:prstGeom>
+          <a:effectLst>
+            <a:outerShdw blurRad="63500" sx="102000" sy="102000" algn="ctr" rotWithShape="0">
+              <a:prstClr val="black">
+                <a:alpha val="40000"/>
+              </a:prstClr>
+            </a:outerShdw>
+          </a:effectLst>
         </p:spPr>
       </p:pic>
     </p:spTree>
@@ -29782,10 +29836,10 @@
       </p:sp>
       <p:pic>
         <p:nvPicPr>
-          <p:cNvPr id="7" name="Picture 6">
+          <p:cNvPr id="3" name="Picture 2">
             <a:extLst>
               <a:ext uri="{FF2B5EF4-FFF2-40B4-BE49-F238E27FC236}">
-                <a16:creationId xmlns:a16="http://schemas.microsoft.com/office/drawing/2014/main" id="{90A0D736-6095-48B0-8F4C-E4B4C1B254BE}"/>
+                <a16:creationId xmlns:a16="http://schemas.microsoft.com/office/drawing/2014/main" id="{930F2A1C-8F8A-49A7-90C8-AB0D48286CC7}"/>
               </a:ext>
             </a:extLst>
           </p:cNvPr>
@@ -29794,27 +29848,28 @@
           </p:cNvPicPr>
           <p:nvPr/>
         </p:nvPicPr>
-        <p:blipFill rotWithShape="1">
+        <p:blipFill>
           <a:blip r:embed="rId2"/>
-          <a:srcRect l="2982" t="3174" r="2869" b="2900"/>
-          <a:stretch/>
+          <a:stretch>
+            <a:fillRect/>
+          </a:stretch>
         </p:blipFill>
         <p:spPr>
           <a:xfrm>
-            <a:off x="8576572" y="4598283"/>
-            <a:ext cx="498106" cy="496941"/>
-          </a:xfrm>
-          <a:prstGeom prst="ellipse">
+            <a:off x="3252517" y="1152000"/>
+            <a:ext cx="2638425" cy="752475"/>
+          </a:xfrm>
+          <a:prstGeom prst="rect">
             <a:avLst/>
           </a:prstGeom>
         </p:spPr>
       </p:pic>
       <p:pic>
         <p:nvPicPr>
-          <p:cNvPr id="3" name="Picture 2">
+          <p:cNvPr id="8" name="Picture 7" descr="A picture containing stool&#10;&#10;Description automatically generated">
             <a:extLst>
               <a:ext uri="{FF2B5EF4-FFF2-40B4-BE49-F238E27FC236}">
-                <a16:creationId xmlns:a16="http://schemas.microsoft.com/office/drawing/2014/main" id="{930F2A1C-8F8A-49A7-90C8-AB0D48286CC7}"/>
+                <a16:creationId xmlns:a16="http://schemas.microsoft.com/office/drawing/2014/main" id="{6016F154-79EE-4194-AB6E-10CB3B4188EB}"/>
               </a:ext>
             </a:extLst>
           </p:cNvPr>
@@ -29831,12 +29886,19 @@
         </p:blipFill>
         <p:spPr>
           <a:xfrm>
-            <a:off x="3252517" y="1152000"/>
-            <a:ext cx="2638425" cy="752475"/>
-          </a:xfrm>
-          <a:prstGeom prst="rect">
-            <a:avLst/>
-          </a:prstGeom>
+            <a:off x="8515735" y="4536281"/>
+            <a:ext cx="558943" cy="558943"/>
+          </a:xfrm>
+          <a:prstGeom prst="ellipse">
+            <a:avLst/>
+          </a:prstGeom>
+          <a:effectLst>
+            <a:outerShdw blurRad="63500" sx="102000" sy="102000" algn="ctr" rotWithShape="0">
+              <a:prstClr val="black">
+                <a:alpha val="40000"/>
+              </a:prstClr>
+            </a:outerShdw>
+          </a:effectLst>
         </p:spPr>
       </p:pic>
     </p:spTree>
@@ -30151,10 +30213,10 @@
       </p:sp>
       <p:pic>
         <p:nvPicPr>
-          <p:cNvPr id="7" name="Picture 6">
+          <p:cNvPr id="5" name="Picture 4">
             <a:extLst>
               <a:ext uri="{FF2B5EF4-FFF2-40B4-BE49-F238E27FC236}">
-                <a16:creationId xmlns:a16="http://schemas.microsoft.com/office/drawing/2014/main" id="{90A0D736-6095-48B0-8F4C-E4B4C1B254BE}"/>
+                <a16:creationId xmlns:a16="http://schemas.microsoft.com/office/drawing/2014/main" id="{AE996536-F040-44C8-B00E-F20BF04FB7A2}"/>
               </a:ext>
             </a:extLst>
           </p:cNvPr>
@@ -30163,27 +30225,28 @@
           </p:cNvPicPr>
           <p:nvPr/>
         </p:nvPicPr>
-        <p:blipFill rotWithShape="1">
+        <p:blipFill>
           <a:blip r:embed="rId2"/>
-          <a:srcRect l="2982" t="3174" r="2869" b="2900"/>
-          <a:stretch/>
+          <a:stretch>
+            <a:fillRect/>
+          </a:stretch>
         </p:blipFill>
         <p:spPr>
           <a:xfrm>
-            <a:off x="8576572" y="4598283"/>
-            <a:ext cx="498106" cy="496941"/>
-          </a:xfrm>
-          <a:prstGeom prst="ellipse">
+            <a:off x="2700067" y="2237962"/>
+            <a:ext cx="3743325" cy="1171575"/>
+          </a:xfrm>
+          <a:prstGeom prst="rect">
             <a:avLst/>
           </a:prstGeom>
         </p:spPr>
       </p:pic>
       <p:pic>
         <p:nvPicPr>
-          <p:cNvPr id="5" name="Picture 4">
+          <p:cNvPr id="8" name="Picture 7" descr="A picture containing stool&#10;&#10;Description automatically generated">
             <a:extLst>
               <a:ext uri="{FF2B5EF4-FFF2-40B4-BE49-F238E27FC236}">
-                <a16:creationId xmlns:a16="http://schemas.microsoft.com/office/drawing/2014/main" id="{AE996536-F040-44C8-B00E-F20BF04FB7A2}"/>
+                <a16:creationId xmlns:a16="http://schemas.microsoft.com/office/drawing/2014/main" id="{2D1626B8-995A-4ACD-BEF9-79BDC7FD1F67}"/>
               </a:ext>
             </a:extLst>
           </p:cNvPr>
@@ -30200,12 +30263,19 @@
         </p:blipFill>
         <p:spPr>
           <a:xfrm>
-            <a:off x="2700067" y="2237962"/>
-            <a:ext cx="3743325" cy="1171575"/>
-          </a:xfrm>
-          <a:prstGeom prst="rect">
-            <a:avLst/>
-          </a:prstGeom>
+            <a:off x="8515735" y="4536281"/>
+            <a:ext cx="558943" cy="558943"/>
+          </a:xfrm>
+          <a:prstGeom prst="ellipse">
+            <a:avLst/>
+          </a:prstGeom>
+          <a:effectLst>
+            <a:outerShdw blurRad="63500" sx="102000" sy="102000" algn="ctr" rotWithShape="0">
+              <a:prstClr val="black">
+                <a:alpha val="40000"/>
+              </a:prstClr>
+            </a:outerShdw>
+          </a:effectLst>
         </p:spPr>
       </p:pic>
     </p:spTree>
@@ -30300,35 +30370,6 @@
           </a:p>
         </p:txBody>
       </p:sp>
-      <p:pic>
-        <p:nvPicPr>
-          <p:cNvPr id="7" name="Picture 6">
-            <a:extLst>
-              <a:ext uri="{FF2B5EF4-FFF2-40B4-BE49-F238E27FC236}">
-                <a16:creationId xmlns:a16="http://schemas.microsoft.com/office/drawing/2014/main" id="{0A9CCCDE-38BA-407D-B893-4D4CD96670C2}"/>
-              </a:ext>
-            </a:extLst>
-          </p:cNvPr>
-          <p:cNvPicPr>
-            <a:picLocks noChangeAspect="1"/>
-          </p:cNvPicPr>
-          <p:nvPr/>
-        </p:nvPicPr>
-        <p:blipFill rotWithShape="1">
-          <a:blip r:embed="rId2"/>
-          <a:srcRect l="2982" t="3174" r="2869" b="2900"/>
-          <a:stretch/>
-        </p:blipFill>
-        <p:spPr>
-          <a:xfrm>
-            <a:off x="8576572" y="4598283"/>
-            <a:ext cx="498106" cy="496941"/>
-          </a:xfrm>
-          <a:prstGeom prst="ellipse">
-            <a:avLst/>
-          </a:prstGeom>
-        </p:spPr>
-      </p:pic>
       <p:sp>
         <p:nvSpPr>
           <p:cNvPr id="11" name="Text Placeholder 2">
@@ -30545,6 +30586,43 @@
           </a:p>
         </p:txBody>
       </p:sp>
+      <p:pic>
+        <p:nvPicPr>
+          <p:cNvPr id="6" name="Picture 5" descr="A picture containing stool&#10;&#10;Description automatically generated">
+            <a:extLst>
+              <a:ext uri="{FF2B5EF4-FFF2-40B4-BE49-F238E27FC236}">
+                <a16:creationId xmlns:a16="http://schemas.microsoft.com/office/drawing/2014/main" id="{D126DCA9-34D6-44B8-9F94-F7ED196F6CC6}"/>
+              </a:ext>
+            </a:extLst>
+          </p:cNvPr>
+          <p:cNvPicPr>
+            <a:picLocks noChangeAspect="1"/>
+          </p:cNvPicPr>
+          <p:nvPr/>
+        </p:nvPicPr>
+        <p:blipFill>
+          <a:blip r:embed="rId2"/>
+          <a:stretch>
+            <a:fillRect/>
+          </a:stretch>
+        </p:blipFill>
+        <p:spPr>
+          <a:xfrm>
+            <a:off x="8515735" y="4536281"/>
+            <a:ext cx="558943" cy="558943"/>
+          </a:xfrm>
+          <a:prstGeom prst="ellipse">
+            <a:avLst/>
+          </a:prstGeom>
+          <a:effectLst>
+            <a:outerShdw blurRad="63500" sx="102000" sy="102000" algn="ctr" rotWithShape="0">
+              <a:prstClr val="black">
+                <a:alpha val="40000"/>
+              </a:prstClr>
+            </a:outerShdw>
+          </a:effectLst>
+        </p:spPr>
+      </p:pic>
     </p:spTree>
     <p:extLst>
       <p:ext uri="{BB962C8B-B14F-4D97-AF65-F5344CB8AC3E}">
@@ -30863,10 +30941,10 @@
       </p:sp>
       <p:pic>
         <p:nvPicPr>
-          <p:cNvPr id="7" name="Picture 6">
+          <p:cNvPr id="3" name="Picture 2">
             <a:extLst>
               <a:ext uri="{FF2B5EF4-FFF2-40B4-BE49-F238E27FC236}">
-                <a16:creationId xmlns:a16="http://schemas.microsoft.com/office/drawing/2014/main" id="{90A0D736-6095-48B0-8F4C-E4B4C1B254BE}"/>
+                <a16:creationId xmlns:a16="http://schemas.microsoft.com/office/drawing/2014/main" id="{6ABC7996-2729-436F-951A-6D260B6E299C}"/>
               </a:ext>
             </a:extLst>
           </p:cNvPr>
@@ -30875,27 +30953,28 @@
           </p:cNvPicPr>
           <p:nvPr/>
         </p:nvPicPr>
-        <p:blipFill rotWithShape="1">
+        <p:blipFill>
           <a:blip r:embed="rId2"/>
-          <a:srcRect l="2982" t="3174" r="2869" b="2900"/>
-          <a:stretch/>
+          <a:stretch>
+            <a:fillRect/>
+          </a:stretch>
         </p:blipFill>
         <p:spPr>
           <a:xfrm>
-            <a:off x="8576572" y="4598283"/>
-            <a:ext cx="498106" cy="496941"/>
-          </a:xfrm>
-          <a:prstGeom prst="ellipse">
+            <a:off x="2664262" y="2571750"/>
+            <a:ext cx="3814936" cy="1349185"/>
+          </a:xfrm>
+          <a:prstGeom prst="rect">
             <a:avLst/>
           </a:prstGeom>
         </p:spPr>
       </p:pic>
       <p:pic>
         <p:nvPicPr>
-          <p:cNvPr id="3" name="Picture 2">
+          <p:cNvPr id="8" name="Picture 7" descr="A picture containing stool&#10;&#10;Description automatically generated">
             <a:extLst>
               <a:ext uri="{FF2B5EF4-FFF2-40B4-BE49-F238E27FC236}">
-                <a16:creationId xmlns:a16="http://schemas.microsoft.com/office/drawing/2014/main" id="{6ABC7996-2729-436F-951A-6D260B6E299C}"/>
+                <a16:creationId xmlns:a16="http://schemas.microsoft.com/office/drawing/2014/main" id="{9884C8B6-5A72-4B28-8FED-7EEDFBE8F35F}"/>
               </a:ext>
             </a:extLst>
           </p:cNvPr>
@@ -30912,12 +30991,19 @@
         </p:blipFill>
         <p:spPr>
           <a:xfrm>
-            <a:off x="2664262" y="2571750"/>
-            <a:ext cx="3814936" cy="1349185"/>
-          </a:xfrm>
-          <a:prstGeom prst="rect">
-            <a:avLst/>
-          </a:prstGeom>
+            <a:off x="8515735" y="4536281"/>
+            <a:ext cx="558943" cy="558943"/>
+          </a:xfrm>
+          <a:prstGeom prst="ellipse">
+            <a:avLst/>
+          </a:prstGeom>
+          <a:effectLst>
+            <a:outerShdw blurRad="63500" sx="102000" sy="102000" algn="ctr" rotWithShape="0">
+              <a:prstClr val="black">
+                <a:alpha val="40000"/>
+              </a:prstClr>
+            </a:outerShdw>
+          </a:effectLst>
         </p:spPr>
       </p:pic>
     </p:spTree>
@@ -31014,10 +31100,10 @@
       </p:sp>
       <p:pic>
         <p:nvPicPr>
-          <p:cNvPr id="7" name="Picture 6">
+          <p:cNvPr id="5" name="Picture 4">
             <a:extLst>
               <a:ext uri="{FF2B5EF4-FFF2-40B4-BE49-F238E27FC236}">
-                <a16:creationId xmlns:a16="http://schemas.microsoft.com/office/drawing/2014/main" id="{90A0D736-6095-48B0-8F4C-E4B4C1B254BE}"/>
+                <a16:creationId xmlns:a16="http://schemas.microsoft.com/office/drawing/2014/main" id="{E7262AC4-11D8-4409-8649-6684161A14EE}"/>
               </a:ext>
             </a:extLst>
           </p:cNvPr>
@@ -31026,27 +31112,28 @@
           </p:cNvPicPr>
           <p:nvPr/>
         </p:nvPicPr>
-        <p:blipFill rotWithShape="1">
+        <p:blipFill>
           <a:blip r:embed="rId2"/>
-          <a:srcRect l="2982" t="3174" r="2869" b="2900"/>
-          <a:stretch/>
+          <a:stretch>
+            <a:fillRect/>
+          </a:stretch>
         </p:blipFill>
         <p:spPr>
           <a:xfrm>
-            <a:off x="8576572" y="4598283"/>
-            <a:ext cx="498106" cy="496941"/>
-          </a:xfrm>
-          <a:prstGeom prst="ellipse">
+            <a:off x="2286000" y="1547812"/>
+            <a:ext cx="4572000" cy="2047875"/>
+          </a:xfrm>
+          <a:prstGeom prst="rect">
             <a:avLst/>
           </a:prstGeom>
         </p:spPr>
       </p:pic>
       <p:pic>
         <p:nvPicPr>
-          <p:cNvPr id="5" name="Picture 4">
+          <p:cNvPr id="6" name="Picture 5" descr="A picture containing stool&#10;&#10;Description automatically generated">
             <a:extLst>
               <a:ext uri="{FF2B5EF4-FFF2-40B4-BE49-F238E27FC236}">
-                <a16:creationId xmlns:a16="http://schemas.microsoft.com/office/drawing/2014/main" id="{E7262AC4-11D8-4409-8649-6684161A14EE}"/>
+                <a16:creationId xmlns:a16="http://schemas.microsoft.com/office/drawing/2014/main" id="{E5268E48-2FEF-4978-8941-ACF5E08983F3}"/>
               </a:ext>
             </a:extLst>
           </p:cNvPr>
@@ -31063,12 +31150,19 @@
         </p:blipFill>
         <p:spPr>
           <a:xfrm>
-            <a:off x="2286000" y="1547812"/>
-            <a:ext cx="4572000" cy="2047875"/>
-          </a:xfrm>
-          <a:prstGeom prst="rect">
-            <a:avLst/>
-          </a:prstGeom>
+            <a:off x="8515735" y="4536281"/>
+            <a:ext cx="558943" cy="558943"/>
+          </a:xfrm>
+          <a:prstGeom prst="ellipse">
+            <a:avLst/>
+          </a:prstGeom>
+          <a:effectLst>
+            <a:outerShdw blurRad="63500" sx="102000" sy="102000" algn="ctr" rotWithShape="0">
+              <a:prstClr val="black">
+                <a:alpha val="40000"/>
+              </a:prstClr>
+            </a:outerShdw>
+          </a:effectLst>
         </p:spPr>
       </p:pic>
     </p:spTree>
@@ -31163,35 +31257,6 @@
           </a:p>
         </p:txBody>
       </p:sp>
-      <p:pic>
-        <p:nvPicPr>
-          <p:cNvPr id="7" name="Picture 6">
-            <a:extLst>
-              <a:ext uri="{FF2B5EF4-FFF2-40B4-BE49-F238E27FC236}">
-                <a16:creationId xmlns:a16="http://schemas.microsoft.com/office/drawing/2014/main" id="{0A9CCCDE-38BA-407D-B893-4D4CD96670C2}"/>
-              </a:ext>
-            </a:extLst>
-          </p:cNvPr>
-          <p:cNvPicPr>
-            <a:picLocks noChangeAspect="1"/>
-          </p:cNvPicPr>
-          <p:nvPr/>
-        </p:nvPicPr>
-        <p:blipFill rotWithShape="1">
-          <a:blip r:embed="rId2"/>
-          <a:srcRect l="2982" t="3174" r="2869" b="2900"/>
-          <a:stretch/>
-        </p:blipFill>
-        <p:spPr>
-          <a:xfrm>
-            <a:off x="8576572" y="4598283"/>
-            <a:ext cx="498106" cy="496941"/>
-          </a:xfrm>
-          <a:prstGeom prst="ellipse">
-            <a:avLst/>
-          </a:prstGeom>
-        </p:spPr>
-      </p:pic>
       <p:sp>
         <p:nvSpPr>
           <p:cNvPr id="11" name="Text Placeholder 2">
@@ -31496,7 +31561,7 @@
           <p:nvPr/>
         </p:nvPicPr>
         <p:blipFill>
-          <a:blip r:embed="rId3"/>
+          <a:blip r:embed="rId2"/>
           <a:stretch>
             <a:fillRect/>
           </a:stretch>
@@ -31526,6 +31591,36 @@
           <p:nvPr/>
         </p:nvPicPr>
         <p:blipFill>
+          <a:blip r:embed="rId3"/>
+          <a:stretch>
+            <a:fillRect/>
+          </a:stretch>
+        </p:blipFill>
+        <p:spPr>
+          <a:xfrm>
+            <a:off x="4572000" y="2845283"/>
+            <a:ext cx="2966904" cy="1406842"/>
+          </a:xfrm>
+          <a:prstGeom prst="rect">
+            <a:avLst/>
+          </a:prstGeom>
+        </p:spPr>
+      </p:pic>
+      <p:pic>
+        <p:nvPicPr>
+          <p:cNvPr id="8" name="Picture 7" descr="A picture containing stool&#10;&#10;Description automatically generated">
+            <a:extLst>
+              <a:ext uri="{FF2B5EF4-FFF2-40B4-BE49-F238E27FC236}">
+                <a16:creationId xmlns:a16="http://schemas.microsoft.com/office/drawing/2014/main" id="{2ABF4014-E422-43D3-9D85-912E98F772CD}"/>
+              </a:ext>
+            </a:extLst>
+          </p:cNvPr>
+          <p:cNvPicPr>
+            <a:picLocks noChangeAspect="1"/>
+          </p:cNvPicPr>
+          <p:nvPr/>
+        </p:nvPicPr>
+        <p:blipFill>
           <a:blip r:embed="rId4"/>
           <a:stretch>
             <a:fillRect/>
@@ -31533,12 +31628,19 @@
         </p:blipFill>
         <p:spPr>
           <a:xfrm>
-            <a:off x="4572000" y="2845283"/>
-            <a:ext cx="2966904" cy="1406842"/>
-          </a:xfrm>
-          <a:prstGeom prst="rect">
-            <a:avLst/>
-          </a:prstGeom>
+            <a:off x="8515735" y="4536281"/>
+            <a:ext cx="558943" cy="558943"/>
+          </a:xfrm>
+          <a:prstGeom prst="ellipse">
+            <a:avLst/>
+          </a:prstGeom>
+          <a:effectLst>
+            <a:outerShdw blurRad="63500" sx="102000" sy="102000" algn="ctr" rotWithShape="0">
+              <a:prstClr val="black">
+                <a:alpha val="40000"/>
+              </a:prstClr>
+            </a:outerShdw>
+          </a:effectLst>
         </p:spPr>
       </p:pic>
     </p:spTree>
@@ -31635,35 +31737,6 @@
       </p:sp>
       <p:pic>
         <p:nvPicPr>
-          <p:cNvPr id="6" name="Picture 5">
-            <a:extLst>
-              <a:ext uri="{FF2B5EF4-FFF2-40B4-BE49-F238E27FC236}">
-                <a16:creationId xmlns:a16="http://schemas.microsoft.com/office/drawing/2014/main" id="{37949AE5-D60E-4936-B98F-425E2E107293}"/>
-              </a:ext>
-            </a:extLst>
-          </p:cNvPr>
-          <p:cNvPicPr>
-            <a:picLocks noChangeAspect="1"/>
-          </p:cNvPicPr>
-          <p:nvPr/>
-        </p:nvPicPr>
-        <p:blipFill rotWithShape="1">
-          <a:blip r:embed="rId2"/>
-          <a:srcRect l="2982" t="3174" r="2869" b="2900"/>
-          <a:stretch/>
-        </p:blipFill>
-        <p:spPr>
-          <a:xfrm>
-            <a:off x="8576572" y="4598283"/>
-            <a:ext cx="498106" cy="496941"/>
-          </a:xfrm>
-          <a:prstGeom prst="ellipse">
-            <a:avLst/>
-          </a:prstGeom>
-        </p:spPr>
-      </p:pic>
-      <p:pic>
-        <p:nvPicPr>
           <p:cNvPr id="28674" name="Picture 2" descr="Checklist vector icon | Free SVG">
             <a:extLst>
               <a:ext uri="{FF2B5EF4-FFF2-40B4-BE49-F238E27FC236}">
@@ -31677,7 +31750,7 @@
           <p:nvPr/>
         </p:nvPicPr>
         <p:blipFill>
-          <a:blip r:embed="rId3">
+          <a:blip r:embed="rId2">
             <a:extLst>
               <a:ext uri="{28A0092B-C50C-407E-A947-70E740481C1C}">
                 <a14:useLocalDpi xmlns:a14="http://schemas.microsoft.com/office/drawing/2010/main" val="0"/>
@@ -31784,6 +31857,43 @@
           </a:p>
         </p:txBody>
       </p:sp>
+      <p:pic>
+        <p:nvPicPr>
+          <p:cNvPr id="7" name="Picture 6" descr="A picture containing stool&#10;&#10;Description automatically generated">
+            <a:extLst>
+              <a:ext uri="{FF2B5EF4-FFF2-40B4-BE49-F238E27FC236}">
+                <a16:creationId xmlns:a16="http://schemas.microsoft.com/office/drawing/2014/main" id="{B8476F85-3706-45DB-95D2-28827CA8294A}"/>
+              </a:ext>
+            </a:extLst>
+          </p:cNvPr>
+          <p:cNvPicPr>
+            <a:picLocks noChangeAspect="1"/>
+          </p:cNvPicPr>
+          <p:nvPr/>
+        </p:nvPicPr>
+        <p:blipFill>
+          <a:blip r:embed="rId3"/>
+          <a:stretch>
+            <a:fillRect/>
+          </a:stretch>
+        </p:blipFill>
+        <p:spPr>
+          <a:xfrm>
+            <a:off x="8515735" y="4536281"/>
+            <a:ext cx="558943" cy="558943"/>
+          </a:xfrm>
+          <a:prstGeom prst="ellipse">
+            <a:avLst/>
+          </a:prstGeom>
+          <a:effectLst>
+            <a:outerShdw blurRad="63500" sx="102000" sy="102000" algn="ctr" rotWithShape="0">
+              <a:prstClr val="black">
+                <a:alpha val="40000"/>
+              </a:prstClr>
+            </a:outerShdw>
+          </a:effectLst>
+        </p:spPr>
+      </p:pic>
     </p:spTree>
     <p:extLst>
       <p:ext uri="{BB962C8B-B14F-4D97-AF65-F5344CB8AC3E}">
@@ -31876,35 +31986,6 @@
           </a:p>
         </p:txBody>
       </p:sp>
-      <p:pic>
-        <p:nvPicPr>
-          <p:cNvPr id="7" name="Picture 6">
-            <a:extLst>
-              <a:ext uri="{FF2B5EF4-FFF2-40B4-BE49-F238E27FC236}">
-                <a16:creationId xmlns:a16="http://schemas.microsoft.com/office/drawing/2014/main" id="{0A9CCCDE-38BA-407D-B893-4D4CD96670C2}"/>
-              </a:ext>
-            </a:extLst>
-          </p:cNvPr>
-          <p:cNvPicPr>
-            <a:picLocks noChangeAspect="1"/>
-          </p:cNvPicPr>
-          <p:nvPr/>
-        </p:nvPicPr>
-        <p:blipFill rotWithShape="1">
-          <a:blip r:embed="rId2"/>
-          <a:srcRect l="2982" t="3174" r="2869" b="2900"/>
-          <a:stretch/>
-        </p:blipFill>
-        <p:spPr>
-          <a:xfrm>
-            <a:off x="8576572" y="4598283"/>
-            <a:ext cx="498106" cy="496941"/>
-          </a:xfrm>
-          <a:prstGeom prst="ellipse">
-            <a:avLst/>
-          </a:prstGeom>
-        </p:spPr>
-      </p:pic>
       <p:sp>
         <p:nvSpPr>
           <p:cNvPr id="11" name="Text Placeholder 2">
@@ -32136,6 +32217,36 @@
           <p:nvPr/>
         </p:nvPicPr>
         <p:blipFill>
+          <a:blip r:embed="rId2"/>
+          <a:stretch>
+            <a:fillRect/>
+          </a:stretch>
+        </p:blipFill>
+        <p:spPr>
+          <a:xfrm>
+            <a:off x="1971942" y="3129525"/>
+            <a:ext cx="4804535" cy="1798229"/>
+          </a:xfrm>
+          <a:prstGeom prst="rect">
+            <a:avLst/>
+          </a:prstGeom>
+        </p:spPr>
+      </p:pic>
+      <p:pic>
+        <p:nvPicPr>
+          <p:cNvPr id="9" name="Picture 8" descr="A picture containing stool&#10;&#10;Description automatically generated">
+            <a:extLst>
+              <a:ext uri="{FF2B5EF4-FFF2-40B4-BE49-F238E27FC236}">
+                <a16:creationId xmlns:a16="http://schemas.microsoft.com/office/drawing/2014/main" id="{4FC9F488-2BF8-4A4D-9E1D-3AA8A5A1A460}"/>
+              </a:ext>
+            </a:extLst>
+          </p:cNvPr>
+          <p:cNvPicPr>
+            <a:picLocks noChangeAspect="1"/>
+          </p:cNvPicPr>
+          <p:nvPr/>
+        </p:nvPicPr>
+        <p:blipFill>
           <a:blip r:embed="rId3"/>
           <a:stretch>
             <a:fillRect/>
@@ -32143,12 +32254,19 @@
         </p:blipFill>
         <p:spPr>
           <a:xfrm>
-            <a:off x="1971942" y="3129525"/>
-            <a:ext cx="4804535" cy="1798229"/>
-          </a:xfrm>
-          <a:prstGeom prst="rect">
-            <a:avLst/>
-          </a:prstGeom>
+            <a:off x="8515735" y="4536281"/>
+            <a:ext cx="558943" cy="558943"/>
+          </a:xfrm>
+          <a:prstGeom prst="ellipse">
+            <a:avLst/>
+          </a:prstGeom>
+          <a:effectLst>
+            <a:outerShdw blurRad="63500" sx="102000" sy="102000" algn="ctr" rotWithShape="0">
+              <a:prstClr val="black">
+                <a:alpha val="40000"/>
+              </a:prstClr>
+            </a:outerShdw>
+          </a:effectLst>
         </p:spPr>
       </p:pic>
     </p:spTree>
@@ -32243,35 +32361,6 @@
           </a:p>
         </p:txBody>
       </p:sp>
-      <p:pic>
-        <p:nvPicPr>
-          <p:cNvPr id="7" name="Picture 6">
-            <a:extLst>
-              <a:ext uri="{FF2B5EF4-FFF2-40B4-BE49-F238E27FC236}">
-                <a16:creationId xmlns:a16="http://schemas.microsoft.com/office/drawing/2014/main" id="{0A9CCCDE-38BA-407D-B893-4D4CD96670C2}"/>
-              </a:ext>
-            </a:extLst>
-          </p:cNvPr>
-          <p:cNvPicPr>
-            <a:picLocks noChangeAspect="1"/>
-          </p:cNvPicPr>
-          <p:nvPr/>
-        </p:nvPicPr>
-        <p:blipFill rotWithShape="1">
-          <a:blip r:embed="rId2"/>
-          <a:srcRect l="2982" t="3174" r="2869" b="2900"/>
-          <a:stretch/>
-        </p:blipFill>
-        <p:spPr>
-          <a:xfrm>
-            <a:off x="8576572" y="4598283"/>
-            <a:ext cx="498106" cy="496941"/>
-          </a:xfrm>
-          <a:prstGeom prst="ellipse">
-            <a:avLst/>
-          </a:prstGeom>
-        </p:spPr>
-      </p:pic>
       <p:sp>
         <p:nvSpPr>
           <p:cNvPr id="11" name="Text Placeholder 2">
@@ -32491,6 +32580,36 @@
           <p:nvPr/>
         </p:nvPicPr>
         <p:blipFill>
+          <a:blip r:embed="rId2"/>
+          <a:stretch>
+            <a:fillRect/>
+          </a:stretch>
+        </p:blipFill>
+        <p:spPr>
+          <a:xfrm>
+            <a:off x="1930252" y="2411249"/>
+            <a:ext cx="5283495" cy="2019295"/>
+          </a:xfrm>
+          <a:prstGeom prst="rect">
+            <a:avLst/>
+          </a:prstGeom>
+        </p:spPr>
+      </p:pic>
+      <p:pic>
+        <p:nvPicPr>
+          <p:cNvPr id="8" name="Picture 7" descr="A picture containing stool&#10;&#10;Description automatically generated">
+            <a:extLst>
+              <a:ext uri="{FF2B5EF4-FFF2-40B4-BE49-F238E27FC236}">
+                <a16:creationId xmlns:a16="http://schemas.microsoft.com/office/drawing/2014/main" id="{897BAEF1-2271-426D-8E2E-CEFCC8BF3129}"/>
+              </a:ext>
+            </a:extLst>
+          </p:cNvPr>
+          <p:cNvPicPr>
+            <a:picLocks noChangeAspect="1"/>
+          </p:cNvPicPr>
+          <p:nvPr/>
+        </p:nvPicPr>
+        <p:blipFill>
           <a:blip r:embed="rId3"/>
           <a:stretch>
             <a:fillRect/>
@@ -32498,12 +32617,19 @@
         </p:blipFill>
         <p:spPr>
           <a:xfrm>
-            <a:off x="1930252" y="2411249"/>
-            <a:ext cx="5283495" cy="2019295"/>
-          </a:xfrm>
-          <a:prstGeom prst="rect">
-            <a:avLst/>
-          </a:prstGeom>
+            <a:off x="8515735" y="4536281"/>
+            <a:ext cx="558943" cy="558943"/>
+          </a:xfrm>
+          <a:prstGeom prst="ellipse">
+            <a:avLst/>
+          </a:prstGeom>
+          <a:effectLst>
+            <a:outerShdw blurRad="63500" sx="102000" sy="102000" algn="ctr" rotWithShape="0">
+              <a:prstClr val="black">
+                <a:alpha val="40000"/>
+              </a:prstClr>
+            </a:outerShdw>
+          </a:effectLst>
         </p:spPr>
       </p:pic>
     </p:spTree>
@@ -32598,35 +32724,6 @@
           </a:p>
         </p:txBody>
       </p:sp>
-      <p:pic>
-        <p:nvPicPr>
-          <p:cNvPr id="7" name="Picture 6">
-            <a:extLst>
-              <a:ext uri="{FF2B5EF4-FFF2-40B4-BE49-F238E27FC236}">
-                <a16:creationId xmlns:a16="http://schemas.microsoft.com/office/drawing/2014/main" id="{0A9CCCDE-38BA-407D-B893-4D4CD96670C2}"/>
-              </a:ext>
-            </a:extLst>
-          </p:cNvPr>
-          <p:cNvPicPr>
-            <a:picLocks noChangeAspect="1"/>
-          </p:cNvPicPr>
-          <p:nvPr/>
-        </p:nvPicPr>
-        <p:blipFill rotWithShape="1">
-          <a:blip r:embed="rId2"/>
-          <a:srcRect l="2982" t="3174" r="2869" b="2900"/>
-          <a:stretch/>
-        </p:blipFill>
-        <p:spPr>
-          <a:xfrm>
-            <a:off x="8576572" y="4598283"/>
-            <a:ext cx="498106" cy="496941"/>
-          </a:xfrm>
-          <a:prstGeom prst="ellipse">
-            <a:avLst/>
-          </a:prstGeom>
-        </p:spPr>
-      </p:pic>
       <p:sp>
         <p:nvSpPr>
           <p:cNvPr id="11" name="Text Placeholder 2">
@@ -32913,6 +33010,36 @@
           <p:nvPr/>
         </p:nvPicPr>
         <p:blipFill>
+          <a:blip r:embed="rId2"/>
+          <a:stretch>
+            <a:fillRect/>
+          </a:stretch>
+        </p:blipFill>
+        <p:spPr>
+          <a:xfrm>
+            <a:off x="1472267" y="1898924"/>
+            <a:ext cx="5810667" cy="1705037"/>
+          </a:xfrm>
+          <a:prstGeom prst="rect">
+            <a:avLst/>
+          </a:prstGeom>
+        </p:spPr>
+      </p:pic>
+      <p:pic>
+        <p:nvPicPr>
+          <p:cNvPr id="8" name="Picture 7" descr="A picture containing stool&#10;&#10;Description automatically generated">
+            <a:extLst>
+              <a:ext uri="{FF2B5EF4-FFF2-40B4-BE49-F238E27FC236}">
+                <a16:creationId xmlns:a16="http://schemas.microsoft.com/office/drawing/2014/main" id="{5F5FA98B-8AAC-4CE9-8840-DC69380549AA}"/>
+              </a:ext>
+            </a:extLst>
+          </p:cNvPr>
+          <p:cNvPicPr>
+            <a:picLocks noChangeAspect="1"/>
+          </p:cNvPicPr>
+          <p:nvPr/>
+        </p:nvPicPr>
+        <p:blipFill>
           <a:blip r:embed="rId3"/>
           <a:stretch>
             <a:fillRect/>
@@ -32920,12 +33047,19 @@
         </p:blipFill>
         <p:spPr>
           <a:xfrm>
-            <a:off x="1472267" y="1898924"/>
-            <a:ext cx="5810667" cy="1705037"/>
-          </a:xfrm>
-          <a:prstGeom prst="rect">
-            <a:avLst/>
-          </a:prstGeom>
+            <a:off x="8515735" y="4536281"/>
+            <a:ext cx="558943" cy="558943"/>
+          </a:xfrm>
+          <a:prstGeom prst="ellipse">
+            <a:avLst/>
+          </a:prstGeom>
+          <a:effectLst>
+            <a:outerShdw blurRad="63500" sx="102000" sy="102000" algn="ctr" rotWithShape="0">
+              <a:prstClr val="black">
+                <a:alpha val="40000"/>
+              </a:prstClr>
+            </a:outerShdw>
+          </a:effectLst>
         </p:spPr>
       </p:pic>
     </p:spTree>
@@ -33022,10 +33156,10 @@
       </p:sp>
       <p:pic>
         <p:nvPicPr>
-          <p:cNvPr id="7" name="Picture 6">
+          <p:cNvPr id="5" name="Picture 4">
             <a:extLst>
               <a:ext uri="{FF2B5EF4-FFF2-40B4-BE49-F238E27FC236}">
-                <a16:creationId xmlns:a16="http://schemas.microsoft.com/office/drawing/2014/main" id="{0A9CCCDE-38BA-407D-B893-4D4CD96670C2}"/>
+                <a16:creationId xmlns:a16="http://schemas.microsoft.com/office/drawing/2014/main" id="{852BF60D-F03E-4B04-97F4-38B0F5AD0CF0}"/>
               </a:ext>
             </a:extLst>
           </p:cNvPr>
@@ -33034,27 +33168,218 @@
           </p:cNvPicPr>
           <p:nvPr/>
         </p:nvPicPr>
-        <p:blipFill rotWithShape="1">
+        <p:blipFill>
           <a:blip r:embed="rId2"/>
-          <a:srcRect l="2982" t="3174" r="2869" b="2900"/>
-          <a:stretch/>
+          <a:stretch>
+            <a:fillRect/>
+          </a:stretch>
         </p:blipFill>
         <p:spPr>
           <a:xfrm>
-            <a:off x="8576572" y="4598283"/>
-            <a:ext cx="498106" cy="496941"/>
-          </a:xfrm>
-          <a:prstGeom prst="ellipse">
+            <a:off x="2109787" y="894759"/>
+            <a:ext cx="4924425" cy="2219325"/>
+          </a:xfrm>
+          <a:prstGeom prst="rect">
             <a:avLst/>
           </a:prstGeom>
         </p:spPr>
       </p:pic>
+      <p:sp>
+        <p:nvSpPr>
+          <p:cNvPr id="8" name="Text Placeholder 2">
+            <a:extLst>
+              <a:ext uri="{FF2B5EF4-FFF2-40B4-BE49-F238E27FC236}">
+                <a16:creationId xmlns:a16="http://schemas.microsoft.com/office/drawing/2014/main" id="{02F09C7E-2B29-47F4-BC2B-2A460EB7D7D0}"/>
+              </a:ext>
+            </a:extLst>
+          </p:cNvPr>
+          <p:cNvSpPr txBox="1">
+            <a:spLocks/>
+          </p:cNvSpPr>
+          <p:nvPr/>
+        </p:nvSpPr>
+        <p:spPr>
+          <a:xfrm>
+            <a:off x="237061" y="3230435"/>
+            <a:ext cx="8589439" cy="1769064"/>
+          </a:xfrm>
+          <a:prstGeom prst="rect">
+            <a:avLst/>
+          </a:prstGeom>
+        </p:spPr>
+        <p:txBody>
+          <a:bodyPr vert="horz" anchor="t"/>
+          <a:lstStyle>
+            <a:lvl1pPr marL="0" indent="0" algn="l" defTabSz="457200" rtl="0" eaLnBrk="1" latinLnBrk="0" hangingPunct="1">
+              <a:spcBef>
+                <a:spcPts val="0"/>
+              </a:spcBef>
+              <a:buFont typeface="Arial"/>
+              <a:buNone/>
+              <a:defRPr sz="2400" kern="1200" baseline="0">
+                <a:solidFill>
+                  <a:schemeClr val="tx1"/>
+                </a:solidFill>
+                <a:latin typeface="Arial" pitchFamily="34" charset="0"/>
+                <a:ea typeface="+mn-ea"/>
+                <a:cs typeface="Arial" pitchFamily="34" charset="0"/>
+              </a:defRPr>
+            </a:lvl1pPr>
+            <a:lvl2pPr marL="457200" indent="0" algn="l" defTabSz="457200" rtl="0" eaLnBrk="1" latinLnBrk="0" hangingPunct="1">
+              <a:spcBef>
+                <a:spcPct val="20000"/>
+              </a:spcBef>
+              <a:buFont typeface="Arial"/>
+              <a:buNone/>
+              <a:defRPr sz="2400" kern="1200">
+                <a:solidFill>
+                  <a:schemeClr val="tx1"/>
+                </a:solidFill>
+                <a:latin typeface="+mn-lt"/>
+                <a:ea typeface="+mn-ea"/>
+                <a:cs typeface="+mn-cs"/>
+              </a:defRPr>
+            </a:lvl2pPr>
+            <a:lvl3pPr marL="914400" indent="0" algn="l" defTabSz="457200" rtl="0" eaLnBrk="1" latinLnBrk="0" hangingPunct="1">
+              <a:spcBef>
+                <a:spcPct val="20000"/>
+              </a:spcBef>
+              <a:buFont typeface="Arial"/>
+              <a:buNone/>
+              <a:defRPr sz="2400" kern="1200">
+                <a:solidFill>
+                  <a:schemeClr val="tx1"/>
+                </a:solidFill>
+                <a:latin typeface="+mn-lt"/>
+                <a:ea typeface="+mn-ea"/>
+                <a:cs typeface="+mn-cs"/>
+              </a:defRPr>
+            </a:lvl3pPr>
+            <a:lvl4pPr marL="1371600" indent="0" algn="l" defTabSz="457200" rtl="0" eaLnBrk="1" latinLnBrk="0" hangingPunct="1">
+              <a:spcBef>
+                <a:spcPct val="20000"/>
+              </a:spcBef>
+              <a:buFont typeface="Arial"/>
+              <a:buNone/>
+              <a:defRPr sz="2400" kern="1200">
+                <a:solidFill>
+                  <a:schemeClr val="tx1"/>
+                </a:solidFill>
+                <a:latin typeface="+mn-lt"/>
+                <a:ea typeface="+mn-ea"/>
+                <a:cs typeface="+mn-cs"/>
+              </a:defRPr>
+            </a:lvl4pPr>
+            <a:lvl5pPr marL="1828800" indent="0" algn="l" defTabSz="457200" rtl="0" eaLnBrk="1" latinLnBrk="0" hangingPunct="1">
+              <a:spcBef>
+                <a:spcPct val="20000"/>
+              </a:spcBef>
+              <a:buFont typeface="Arial"/>
+              <a:buNone/>
+              <a:defRPr sz="2400" kern="1200">
+                <a:solidFill>
+                  <a:schemeClr val="tx1"/>
+                </a:solidFill>
+                <a:latin typeface="+mn-lt"/>
+                <a:ea typeface="+mn-ea"/>
+                <a:cs typeface="+mn-cs"/>
+              </a:defRPr>
+            </a:lvl5pPr>
+            <a:lvl6pPr marL="2514600" indent="-228600" algn="l" defTabSz="457200" rtl="0" eaLnBrk="1" latinLnBrk="0" hangingPunct="1">
+              <a:spcBef>
+                <a:spcPct val="20000"/>
+              </a:spcBef>
+              <a:buFont typeface="Arial"/>
+              <a:buChar char="•"/>
+              <a:defRPr sz="2000" kern="1200">
+                <a:solidFill>
+                  <a:schemeClr val="tx1"/>
+                </a:solidFill>
+                <a:latin typeface="+mn-lt"/>
+                <a:ea typeface="+mn-ea"/>
+                <a:cs typeface="+mn-cs"/>
+              </a:defRPr>
+            </a:lvl6pPr>
+            <a:lvl7pPr marL="2971800" indent="-228600" algn="l" defTabSz="457200" rtl="0" eaLnBrk="1" latinLnBrk="0" hangingPunct="1">
+              <a:spcBef>
+                <a:spcPct val="20000"/>
+              </a:spcBef>
+              <a:buFont typeface="Arial"/>
+              <a:buChar char="•"/>
+              <a:defRPr sz="2000" kern="1200">
+                <a:solidFill>
+                  <a:schemeClr val="tx1"/>
+                </a:solidFill>
+                <a:latin typeface="+mn-lt"/>
+                <a:ea typeface="+mn-ea"/>
+                <a:cs typeface="+mn-cs"/>
+              </a:defRPr>
+            </a:lvl7pPr>
+            <a:lvl8pPr marL="3429000" indent="-228600" algn="l" defTabSz="457200" rtl="0" eaLnBrk="1" latinLnBrk="0" hangingPunct="1">
+              <a:spcBef>
+                <a:spcPct val="20000"/>
+              </a:spcBef>
+              <a:buFont typeface="Arial"/>
+              <a:buChar char="•"/>
+              <a:defRPr sz="2000" kern="1200">
+                <a:solidFill>
+                  <a:schemeClr val="tx1"/>
+                </a:solidFill>
+                <a:latin typeface="+mn-lt"/>
+                <a:ea typeface="+mn-ea"/>
+                <a:cs typeface="+mn-cs"/>
+              </a:defRPr>
+            </a:lvl8pPr>
+            <a:lvl9pPr marL="3886200" indent="-228600" algn="l" defTabSz="457200" rtl="0" eaLnBrk="1" latinLnBrk="0" hangingPunct="1">
+              <a:spcBef>
+                <a:spcPct val="20000"/>
+              </a:spcBef>
+              <a:buFont typeface="Arial"/>
+              <a:buChar char="•"/>
+              <a:defRPr sz="2000" kern="1200">
+                <a:solidFill>
+                  <a:schemeClr val="tx1"/>
+                </a:solidFill>
+                <a:latin typeface="+mn-lt"/>
+                <a:ea typeface="+mn-ea"/>
+                <a:cs typeface="+mn-cs"/>
+              </a:defRPr>
+            </a:lvl9pPr>
+          </a:lstStyle>
+          <a:p>
+            <a:pPr marL="342900" indent="-342900">
+              <a:buFont typeface="Arial"/>
+              <a:buChar char="•"/>
+            </a:pPr>
+            <a:r>
+              <a:rPr lang="en-GB" sz="2000" dirty="0">
+                <a:latin typeface="Arial"/>
+                <a:cs typeface="Arial"/>
+              </a:rPr>
+              <a:t>Note, we wrapped the input() function in int() to convert the input to an integer</a:t>
+            </a:r>
+          </a:p>
+          <a:p>
+            <a:pPr marL="342900" indent="-342900">
+              <a:buFont typeface="Arial"/>
+              <a:buChar char="•"/>
+            </a:pPr>
+            <a:r>
+              <a:rPr lang="en-GB" sz="2000" dirty="0">
+                <a:latin typeface="Arial"/>
+                <a:cs typeface="Arial"/>
+              </a:rPr>
+              <a:t>Don’t be put off by the layout in the print function. Python ignores almost all whitespace and new lines. They are only added to make it easier for a person to read the code</a:t>
+            </a:r>
+          </a:p>
+        </p:txBody>
+      </p:sp>
       <p:pic>
         <p:nvPicPr>
-          <p:cNvPr id="5" name="Picture 4">
+          <p:cNvPr id="9" name="Picture 8" descr="A picture containing stool&#10;&#10;Description automatically generated">
             <a:extLst>
               <a:ext uri="{FF2B5EF4-FFF2-40B4-BE49-F238E27FC236}">
-                <a16:creationId xmlns:a16="http://schemas.microsoft.com/office/drawing/2014/main" id="{852BF60D-F03E-4B04-97F4-38B0F5AD0CF0}"/>
+                <a16:creationId xmlns:a16="http://schemas.microsoft.com/office/drawing/2014/main" id="{4AC59912-4989-44F7-8E01-2DF9AD14A6F7}"/>
               </a:ext>
             </a:extLst>
           </p:cNvPr>
@@ -33071,204 +33396,21 @@
         </p:blipFill>
         <p:spPr>
           <a:xfrm>
-            <a:off x="2109787" y="894759"/>
-            <a:ext cx="4924425" cy="2219325"/>
-          </a:xfrm>
-          <a:prstGeom prst="rect">
-            <a:avLst/>
-          </a:prstGeom>
+            <a:off x="8515735" y="4536281"/>
+            <a:ext cx="558943" cy="558943"/>
+          </a:xfrm>
+          <a:prstGeom prst="ellipse">
+            <a:avLst/>
+          </a:prstGeom>
+          <a:effectLst>
+            <a:outerShdw blurRad="63500" sx="102000" sy="102000" algn="ctr" rotWithShape="0">
+              <a:prstClr val="black">
+                <a:alpha val="40000"/>
+              </a:prstClr>
+            </a:outerShdw>
+          </a:effectLst>
         </p:spPr>
       </p:pic>
-      <p:sp>
-        <p:nvSpPr>
-          <p:cNvPr id="8" name="Text Placeholder 2">
-            <a:extLst>
-              <a:ext uri="{FF2B5EF4-FFF2-40B4-BE49-F238E27FC236}">
-                <a16:creationId xmlns:a16="http://schemas.microsoft.com/office/drawing/2014/main" id="{02F09C7E-2B29-47F4-BC2B-2A460EB7D7D0}"/>
-              </a:ext>
-            </a:extLst>
-          </p:cNvPr>
-          <p:cNvSpPr txBox="1">
-            <a:spLocks/>
-          </p:cNvSpPr>
-          <p:nvPr/>
-        </p:nvSpPr>
-        <p:spPr>
-          <a:xfrm>
-            <a:off x="237061" y="3230435"/>
-            <a:ext cx="8589439" cy="1769064"/>
-          </a:xfrm>
-          <a:prstGeom prst="rect">
-            <a:avLst/>
-          </a:prstGeom>
-        </p:spPr>
-        <p:txBody>
-          <a:bodyPr vert="horz" anchor="t"/>
-          <a:lstStyle>
-            <a:lvl1pPr marL="0" indent="0" algn="l" defTabSz="457200" rtl="0" eaLnBrk="1" latinLnBrk="0" hangingPunct="1">
-              <a:spcBef>
-                <a:spcPts val="0"/>
-              </a:spcBef>
-              <a:buFont typeface="Arial"/>
-              <a:buNone/>
-              <a:defRPr sz="2400" kern="1200" baseline="0">
-                <a:solidFill>
-                  <a:schemeClr val="tx1"/>
-                </a:solidFill>
-                <a:latin typeface="Arial" pitchFamily="34" charset="0"/>
-                <a:ea typeface="+mn-ea"/>
-                <a:cs typeface="Arial" pitchFamily="34" charset="0"/>
-              </a:defRPr>
-            </a:lvl1pPr>
-            <a:lvl2pPr marL="457200" indent="0" algn="l" defTabSz="457200" rtl="0" eaLnBrk="1" latinLnBrk="0" hangingPunct="1">
-              <a:spcBef>
-                <a:spcPct val="20000"/>
-              </a:spcBef>
-              <a:buFont typeface="Arial"/>
-              <a:buNone/>
-              <a:defRPr sz="2400" kern="1200">
-                <a:solidFill>
-                  <a:schemeClr val="tx1"/>
-                </a:solidFill>
-                <a:latin typeface="+mn-lt"/>
-                <a:ea typeface="+mn-ea"/>
-                <a:cs typeface="+mn-cs"/>
-              </a:defRPr>
-            </a:lvl2pPr>
-            <a:lvl3pPr marL="914400" indent="0" algn="l" defTabSz="457200" rtl="0" eaLnBrk="1" latinLnBrk="0" hangingPunct="1">
-              <a:spcBef>
-                <a:spcPct val="20000"/>
-              </a:spcBef>
-              <a:buFont typeface="Arial"/>
-              <a:buNone/>
-              <a:defRPr sz="2400" kern="1200">
-                <a:solidFill>
-                  <a:schemeClr val="tx1"/>
-                </a:solidFill>
-                <a:latin typeface="+mn-lt"/>
-                <a:ea typeface="+mn-ea"/>
-                <a:cs typeface="+mn-cs"/>
-              </a:defRPr>
-            </a:lvl3pPr>
-            <a:lvl4pPr marL="1371600" indent="0" algn="l" defTabSz="457200" rtl="0" eaLnBrk="1" latinLnBrk="0" hangingPunct="1">
-              <a:spcBef>
-                <a:spcPct val="20000"/>
-              </a:spcBef>
-              <a:buFont typeface="Arial"/>
-              <a:buNone/>
-              <a:defRPr sz="2400" kern="1200">
-                <a:solidFill>
-                  <a:schemeClr val="tx1"/>
-                </a:solidFill>
-                <a:latin typeface="+mn-lt"/>
-                <a:ea typeface="+mn-ea"/>
-                <a:cs typeface="+mn-cs"/>
-              </a:defRPr>
-            </a:lvl4pPr>
-            <a:lvl5pPr marL="1828800" indent="0" algn="l" defTabSz="457200" rtl="0" eaLnBrk="1" latinLnBrk="0" hangingPunct="1">
-              <a:spcBef>
-                <a:spcPct val="20000"/>
-              </a:spcBef>
-              <a:buFont typeface="Arial"/>
-              <a:buNone/>
-              <a:defRPr sz="2400" kern="1200">
-                <a:solidFill>
-                  <a:schemeClr val="tx1"/>
-                </a:solidFill>
-                <a:latin typeface="+mn-lt"/>
-                <a:ea typeface="+mn-ea"/>
-                <a:cs typeface="+mn-cs"/>
-              </a:defRPr>
-            </a:lvl5pPr>
-            <a:lvl6pPr marL="2514600" indent="-228600" algn="l" defTabSz="457200" rtl="0" eaLnBrk="1" latinLnBrk="0" hangingPunct="1">
-              <a:spcBef>
-                <a:spcPct val="20000"/>
-              </a:spcBef>
-              <a:buFont typeface="Arial"/>
-              <a:buChar char="•"/>
-              <a:defRPr sz="2000" kern="1200">
-                <a:solidFill>
-                  <a:schemeClr val="tx1"/>
-                </a:solidFill>
-                <a:latin typeface="+mn-lt"/>
-                <a:ea typeface="+mn-ea"/>
-                <a:cs typeface="+mn-cs"/>
-              </a:defRPr>
-            </a:lvl6pPr>
-            <a:lvl7pPr marL="2971800" indent="-228600" algn="l" defTabSz="457200" rtl="0" eaLnBrk="1" latinLnBrk="0" hangingPunct="1">
-              <a:spcBef>
-                <a:spcPct val="20000"/>
-              </a:spcBef>
-              <a:buFont typeface="Arial"/>
-              <a:buChar char="•"/>
-              <a:defRPr sz="2000" kern="1200">
-                <a:solidFill>
-                  <a:schemeClr val="tx1"/>
-                </a:solidFill>
-                <a:latin typeface="+mn-lt"/>
-                <a:ea typeface="+mn-ea"/>
-                <a:cs typeface="+mn-cs"/>
-              </a:defRPr>
-            </a:lvl7pPr>
-            <a:lvl8pPr marL="3429000" indent="-228600" algn="l" defTabSz="457200" rtl="0" eaLnBrk="1" latinLnBrk="0" hangingPunct="1">
-              <a:spcBef>
-                <a:spcPct val="20000"/>
-              </a:spcBef>
-              <a:buFont typeface="Arial"/>
-              <a:buChar char="•"/>
-              <a:defRPr sz="2000" kern="1200">
-                <a:solidFill>
-                  <a:schemeClr val="tx1"/>
-                </a:solidFill>
-                <a:latin typeface="+mn-lt"/>
-                <a:ea typeface="+mn-ea"/>
-                <a:cs typeface="+mn-cs"/>
-              </a:defRPr>
-            </a:lvl8pPr>
-            <a:lvl9pPr marL="3886200" indent="-228600" algn="l" defTabSz="457200" rtl="0" eaLnBrk="1" latinLnBrk="0" hangingPunct="1">
-              <a:spcBef>
-                <a:spcPct val="20000"/>
-              </a:spcBef>
-              <a:buFont typeface="Arial"/>
-              <a:buChar char="•"/>
-              <a:defRPr sz="2000" kern="1200">
-                <a:solidFill>
-                  <a:schemeClr val="tx1"/>
-                </a:solidFill>
-                <a:latin typeface="+mn-lt"/>
-                <a:ea typeface="+mn-ea"/>
-                <a:cs typeface="+mn-cs"/>
-              </a:defRPr>
-            </a:lvl9pPr>
-          </a:lstStyle>
-          <a:p>
-            <a:pPr marL="342900" indent="-342900">
-              <a:buFont typeface="Arial"/>
-              <a:buChar char="•"/>
-            </a:pPr>
-            <a:r>
-              <a:rPr lang="en-GB" sz="2000" dirty="0">
-                <a:latin typeface="Arial"/>
-                <a:cs typeface="Arial"/>
-              </a:rPr>
-              <a:t>Note, we wrapped the input() function in int() to convert the input to an integer</a:t>
-            </a:r>
-          </a:p>
-          <a:p>
-            <a:pPr marL="342900" indent="-342900">
-              <a:buFont typeface="Arial"/>
-              <a:buChar char="•"/>
-            </a:pPr>
-            <a:r>
-              <a:rPr lang="en-GB" sz="2000" dirty="0">
-                <a:latin typeface="Arial"/>
-                <a:cs typeface="Arial"/>
-              </a:rPr>
-              <a:t>Don’t be put off by the layout in the print function. Python ignores almost all whitespace and new lines. They are only added to make it easier for a person to read the code</a:t>
-            </a:r>
-          </a:p>
-        </p:txBody>
-      </p:sp>
     </p:spTree>
     <p:extLst>
       <p:ext uri="{BB962C8B-B14F-4D97-AF65-F5344CB8AC3E}">
@@ -33619,35 +33761,6 @@
       </p:sp>
       <p:pic>
         <p:nvPicPr>
-          <p:cNvPr id="10" name="Picture 9">
-            <a:extLst>
-              <a:ext uri="{FF2B5EF4-FFF2-40B4-BE49-F238E27FC236}">
-                <a16:creationId xmlns:a16="http://schemas.microsoft.com/office/drawing/2014/main" id="{5D88D8DE-49AD-4C78-96E5-E89CFBC05377}"/>
-              </a:ext>
-            </a:extLst>
-          </p:cNvPr>
-          <p:cNvPicPr>
-            <a:picLocks noChangeAspect="1"/>
-          </p:cNvPicPr>
-          <p:nvPr/>
-        </p:nvPicPr>
-        <p:blipFill rotWithShape="1">
-          <a:blip r:embed="rId2"/>
-          <a:srcRect l="2982" t="3174" r="2869" b="2900"/>
-          <a:stretch/>
-        </p:blipFill>
-        <p:spPr>
-          <a:xfrm>
-            <a:off x="8576572" y="4598283"/>
-            <a:ext cx="498106" cy="496941"/>
-          </a:xfrm>
-          <a:prstGeom prst="ellipse">
-            <a:avLst/>
-          </a:prstGeom>
-        </p:spPr>
-      </p:pic>
-      <p:pic>
-        <p:nvPicPr>
           <p:cNvPr id="3" name="Picture 2">
             <a:extLst>
               <a:ext uri="{FF2B5EF4-FFF2-40B4-BE49-F238E27FC236}">
@@ -33661,7 +33774,7 @@
           <p:nvPr/>
         </p:nvPicPr>
         <p:blipFill>
-          <a:blip r:embed="rId3"/>
+          <a:blip r:embed="rId2"/>
           <a:stretch>
             <a:fillRect/>
           </a:stretch>
@@ -33691,7 +33804,7 @@
           <p:nvPr/>
         </p:nvPicPr>
         <p:blipFill>
-          <a:blip r:embed="rId4"/>
+          <a:blip r:embed="rId3"/>
           <a:stretch>
             <a:fillRect/>
           </a:stretch>
@@ -33721,6 +33834,36 @@
           <p:nvPr/>
         </p:nvPicPr>
         <p:blipFill>
+          <a:blip r:embed="rId4"/>
+          <a:stretch>
+            <a:fillRect/>
+          </a:stretch>
+        </p:blipFill>
+        <p:spPr>
+          <a:xfrm>
+            <a:off x="2076173" y="3885834"/>
+            <a:ext cx="4991654" cy="997210"/>
+          </a:xfrm>
+          <a:prstGeom prst="rect">
+            <a:avLst/>
+          </a:prstGeom>
+        </p:spPr>
+      </p:pic>
+      <p:pic>
+        <p:nvPicPr>
+          <p:cNvPr id="11" name="Picture 10" descr="A picture containing stool&#10;&#10;Description automatically generated">
+            <a:extLst>
+              <a:ext uri="{FF2B5EF4-FFF2-40B4-BE49-F238E27FC236}">
+                <a16:creationId xmlns:a16="http://schemas.microsoft.com/office/drawing/2014/main" id="{9F1C302B-252D-4BEE-B1DE-5A53447157A4}"/>
+              </a:ext>
+            </a:extLst>
+          </p:cNvPr>
+          <p:cNvPicPr>
+            <a:picLocks noChangeAspect="1"/>
+          </p:cNvPicPr>
+          <p:nvPr/>
+        </p:nvPicPr>
+        <p:blipFill>
           <a:blip r:embed="rId5"/>
           <a:stretch>
             <a:fillRect/>
@@ -33728,12 +33871,19 @@
         </p:blipFill>
         <p:spPr>
           <a:xfrm>
-            <a:off x="2076173" y="3885834"/>
-            <a:ext cx="4991654" cy="997210"/>
-          </a:xfrm>
-          <a:prstGeom prst="rect">
-            <a:avLst/>
-          </a:prstGeom>
+            <a:off x="8515735" y="4536281"/>
+            <a:ext cx="558943" cy="558943"/>
+          </a:xfrm>
+          <a:prstGeom prst="ellipse">
+            <a:avLst/>
+          </a:prstGeom>
+          <a:effectLst>
+            <a:outerShdw blurRad="63500" sx="102000" sy="102000" algn="ctr" rotWithShape="0">
+              <a:prstClr val="black">
+                <a:alpha val="40000"/>
+              </a:prstClr>
+            </a:outerShdw>
+          </a:effectLst>
         </p:spPr>
       </p:pic>
     </p:spTree>
@@ -33758,42 +33908,42 @@
 <file path=ppt/theme/theme1.xml><?xml version="1.0" encoding="utf-8"?>
 <a:theme xmlns:a="http://schemas.openxmlformats.org/drawingml/2006/main" name="AZ Cover Slide Options">
   <a:themeElements>
-    <a:clrScheme name="Custom 239">
+    <a:clrScheme name="Blue">
       <a:dk1>
-        <a:srgbClr val="000000"/>
+        <a:sysClr val="windowText" lastClr="000000"/>
       </a:dk1>
       <a:lt1>
-        <a:srgbClr val="FFFFFF"/>
+        <a:sysClr val="window" lastClr="FFFFFF"/>
       </a:lt1>
       <a:dk2>
-        <a:srgbClr val="830051"/>
+        <a:srgbClr val="17406D"/>
       </a:dk2>
       <a:lt2>
-        <a:srgbClr val="F0AB00"/>
+        <a:srgbClr val="DBEFF9"/>
       </a:lt2>
       <a:accent1>
-        <a:srgbClr val="830051"/>
+        <a:srgbClr val="0F6FC6"/>
       </a:accent1>
       <a:accent2>
-        <a:srgbClr val="003865"/>
+        <a:srgbClr val="009DD9"/>
       </a:accent2>
       <a:accent3>
-        <a:srgbClr val="68D2DF"/>
+        <a:srgbClr val="0BD0D9"/>
       </a:accent3>
       <a:accent4>
-        <a:srgbClr val="3C1053"/>
+        <a:srgbClr val="10CF9B"/>
       </a:accent4>
       <a:accent5>
-        <a:srgbClr val="C4D600"/>
+        <a:srgbClr val="7CCA62"/>
       </a:accent5>
       <a:accent6>
-        <a:srgbClr val="3F4444"/>
+        <a:srgbClr val="A5C249"/>
       </a:accent6>
       <a:hlink>
-        <a:srgbClr val="003865"/>
+        <a:srgbClr val="F49100"/>
       </a:hlink>
       <a:folHlink>
-        <a:srgbClr val="9DB0AC"/>
+        <a:srgbClr val="85DFD0"/>
       </a:folHlink>
     </a:clrScheme>
     <a:fontScheme name="Office Classic 2">
@@ -34769,42 +34919,42 @@
 <file path=ppt/theme/theme4.xml><?xml version="1.0" encoding="utf-8"?>
 <a:theme xmlns:a="http://schemas.openxmlformats.org/drawingml/2006/main" name="AZ General Master Slide Options">
   <a:themeElements>
-    <a:clrScheme name="Custom 203">
+    <a:clrScheme name="Blue">
       <a:dk1>
-        <a:srgbClr val="000000"/>
+        <a:sysClr val="windowText" lastClr="000000"/>
       </a:dk1>
       <a:lt1>
-        <a:srgbClr val="FFFFFF"/>
+        <a:sysClr val="window" lastClr="FFFFFF"/>
       </a:lt1>
       <a:dk2>
-        <a:srgbClr val="830051"/>
+        <a:srgbClr val="17406D"/>
       </a:dk2>
       <a:lt2>
-        <a:srgbClr val="F0AB00"/>
+        <a:srgbClr val="DBEFF9"/>
       </a:lt2>
       <a:accent1>
-        <a:srgbClr val="830051"/>
+        <a:srgbClr val="0F6FC6"/>
       </a:accent1>
       <a:accent2>
-        <a:srgbClr val="003865"/>
+        <a:srgbClr val="009DD9"/>
       </a:accent2>
       <a:accent3>
-        <a:srgbClr val="68D2DF"/>
+        <a:srgbClr val="0BD0D9"/>
       </a:accent3>
       <a:accent4>
-        <a:srgbClr val="3C1053"/>
+        <a:srgbClr val="10CF9B"/>
       </a:accent4>
       <a:accent5>
-        <a:srgbClr val="C4D600"/>
+        <a:srgbClr val="7CCA62"/>
       </a:accent5>
       <a:accent6>
-        <a:srgbClr val="3F4444"/>
+        <a:srgbClr val="A5C249"/>
       </a:accent6>
       <a:hlink>
-        <a:srgbClr val="003865"/>
+        <a:srgbClr val="F49100"/>
       </a:hlink>
       <a:folHlink>
-        <a:srgbClr val="9DA7AC"/>
+        <a:srgbClr val="85DFD0"/>
       </a:folHlink>
     </a:clrScheme>
     <a:fontScheme name="Office Classic 2">
@@ -35745,6 +35895,11 @@
 
 <file path=customXml/item1.xml><?xml version="1.0" encoding="utf-8"?>
 <?mso-contentType ?>
+<SharedContentType xmlns="Microsoft.SharePoint.Taxonomy.ContentTypeSync" SourceId="1ee89e71-04cd-405e-9ca3-99e020c1694d" ContentTypeId="0x0101" PreviousValue="false"/>
+</file>
+
+<file path=customXml/item2.xml><?xml version="1.0" encoding="utf-8"?>
+<?mso-contentType ?>
 <FormTemplates xmlns="http://schemas.microsoft.com/sharepoint/v3/contenttype/forms">
   <Display>DocumentLibraryForm</Display>
   <Edit>DocumentLibraryForm</Edit>
@@ -35752,12 +35907,16 @@
 </FormTemplates>
 </file>
 
-<file path=customXml/item2.xml><?xml version="1.0" encoding="utf-8"?>
-<?mso-contentType ?>
-<SharedContentType xmlns="Microsoft.SharePoint.Taxonomy.ContentTypeSync" SourceId="1ee89e71-04cd-405e-9ca3-99e020c1694d" ContentTypeId="0x0101" PreviousValue="false"/>
+<file path=customXml/item3.xml><?xml version="1.0" encoding="utf-8"?>
+<p:properties xmlns:p="http://schemas.microsoft.com/office/2006/metadata/properties" xmlns:xsi="http://www.w3.org/2001/XMLSchema-instance" xmlns:pc="http://schemas.microsoft.com/office/infopath/2007/PartnerControls">
+  <documentManagement>
+    <Keyword xmlns="44a56295-c29e-4898-8136-a54736c65b82" xsi:nil="true"/>
+    <Descriptions xmlns="44a56295-c29e-4898-8136-a54736c65b82" xsi:nil="true"/>
+  </documentManagement>
+</p:properties>
 </file>
 
-<file path=customXml/item3.xml><?xml version="1.0" encoding="utf-8"?>
+<file path=customXml/item4.xml><?xml version="1.0" encoding="utf-8"?>
 <ct:contentTypeSchema xmlns:ct="http://schemas.microsoft.com/office/2006/metadata/contentType" xmlns:ma="http://schemas.microsoft.com/office/2006/metadata/properties/metaAttributes" ct:_="" ma:_="" ma:contentTypeName="Document" ma:contentTypeID="0x010100C9F3DD611966374C9EAA8DC5A2F94CD8" ma:contentTypeVersion="8" ma:contentTypeDescription="Create a new document." ma:contentTypeScope="" ma:versionID="18a8759320524e51783f13c6663a10d1">
   <xsd:schema xmlns:xsd="http://www.w3.org/2001/XMLSchema" xmlns:xs="http://www.w3.org/2001/XMLSchema" xmlns:p="http://schemas.microsoft.com/office/2006/metadata/properties" xmlns:ns2="44a56295-c29e-4898-8136-a54736c65b82" xmlns:ns3="9675ef8f-b755-4cd6-a742-8cae3d86c4fe" targetNamespace="http://schemas.microsoft.com/office/2006/metadata/properties" ma:root="true" ma:fieldsID="1b693415669a5bc10d56a9234ce5202b" ns2:_="" ns3:_="">
     <xsd:import namespace="44a56295-c29e-4898-8136-a54736c65b82"/>
@@ -35936,16 +36095,15 @@
 </ct:contentTypeSchema>
 </file>
 
-<file path=customXml/item4.xml><?xml version="1.0" encoding="utf-8"?>
-<p:properties xmlns:p="http://schemas.microsoft.com/office/2006/metadata/properties" xmlns:xsi="http://www.w3.org/2001/XMLSchema-instance" xmlns:pc="http://schemas.microsoft.com/office/infopath/2007/PartnerControls">
-  <documentManagement>
-    <Keyword xmlns="44a56295-c29e-4898-8136-a54736c65b82" xsi:nil="true"/>
-    <Descriptions xmlns="44a56295-c29e-4898-8136-a54736c65b82" xsi:nil="true"/>
-  </documentManagement>
-</p:properties>
+<file path=customXml/itemProps1.xml><?xml version="1.0" encoding="utf-8"?>
+<ds:datastoreItem xmlns:ds="http://schemas.openxmlformats.org/officeDocument/2006/customXml" ds:itemID="{3D9D9437-4660-4E6E-9349-9C8386915BD1}">
+  <ds:schemaRefs>
+    <ds:schemaRef ds:uri="Microsoft.SharePoint.Taxonomy.ContentTypeSync"/>
+  </ds:schemaRefs>
+</ds:datastoreItem>
 </file>
 
-<file path=customXml/itemProps1.xml><?xml version="1.0" encoding="utf-8"?>
+<file path=customXml/itemProps2.xml><?xml version="1.0" encoding="utf-8"?>
 <ds:datastoreItem xmlns:ds="http://schemas.openxmlformats.org/officeDocument/2006/customXml" ds:itemID="{CCB085B9-8EF5-4B2C-B089-029492EC23AC}">
   <ds:schemaRefs>
     <ds:schemaRef ds:uri="http://schemas.microsoft.com/sharepoint/v3/contenttype/forms"/>
@@ -35953,15 +36111,24 @@
 </ds:datastoreItem>
 </file>
 
-<file path=customXml/itemProps2.xml><?xml version="1.0" encoding="utf-8"?>
-<ds:datastoreItem xmlns:ds="http://schemas.openxmlformats.org/officeDocument/2006/customXml" ds:itemID="{3D9D9437-4660-4E6E-9349-9C8386915BD1}">
+<file path=customXml/itemProps3.xml><?xml version="1.0" encoding="utf-8"?>
+<ds:datastoreItem xmlns:ds="http://schemas.openxmlformats.org/officeDocument/2006/customXml" ds:itemID="{8E7055A9-979E-42E4-8AE4-11D4A57371C1}">
   <ds:schemaRefs>
-    <ds:schemaRef ds:uri="Microsoft.SharePoint.Taxonomy.ContentTypeSync"/>
+    <ds:schemaRef ds:uri="http://purl.org/dc/terms/"/>
+    <ds:schemaRef ds:uri="9675ef8f-b755-4cd6-a742-8cae3d86c4fe"/>
+    <ds:schemaRef ds:uri="http://schemas.microsoft.com/office/2006/documentManagement/types"/>
+    <ds:schemaRef ds:uri="http://schemas.openxmlformats.org/package/2006/metadata/core-properties"/>
+    <ds:schemaRef ds:uri="http://purl.org/dc/elements/1.1/"/>
+    <ds:schemaRef ds:uri="http://schemas.microsoft.com/office/2006/metadata/properties"/>
+    <ds:schemaRef ds:uri="44a56295-c29e-4898-8136-a54736c65b82"/>
+    <ds:schemaRef ds:uri="http://schemas.microsoft.com/office/infopath/2007/PartnerControls"/>
+    <ds:schemaRef ds:uri="http://www.w3.org/XML/1998/namespace"/>
+    <ds:schemaRef ds:uri="http://purl.org/dc/dcmitype/"/>
   </ds:schemaRefs>
 </ds:datastoreItem>
 </file>
 
-<file path=customXml/itemProps3.xml><?xml version="1.0" encoding="utf-8"?>
+<file path=customXml/itemProps4.xml><?xml version="1.0" encoding="utf-8"?>
 <ds:datastoreItem xmlns:ds="http://schemas.openxmlformats.org/officeDocument/2006/customXml" ds:itemID="{0B5CDA7F-D407-42B2-AFFC-685DACC4A847}">
   <ds:schemaRefs>
     <ds:schemaRef ds:uri="http://schemas.microsoft.com/office/2006/metadata/contentType"/>
@@ -35978,21 +36145,4 @@
     <ds:schemaRef ds:uri="http://schemas.microsoft.com/internal/obd"/>
   </ds:schemaRefs>
 </ds:datastoreItem>
-</file>
-
-<file path=customXml/itemProps4.xml><?xml version="1.0" encoding="utf-8"?>
-<ds:datastoreItem xmlns:ds="http://schemas.openxmlformats.org/officeDocument/2006/customXml" ds:itemID="{8E7055A9-979E-42E4-8AE4-11D4A57371C1}">
-  <ds:schemaRefs>
-    <ds:schemaRef ds:uri="http://purl.org/dc/terms/"/>
-    <ds:schemaRef ds:uri="9675ef8f-b755-4cd6-a742-8cae3d86c4fe"/>
-    <ds:schemaRef ds:uri="http://schemas.microsoft.com/office/2006/documentManagement/types"/>
-    <ds:schemaRef ds:uri="http://schemas.openxmlformats.org/package/2006/metadata/core-properties"/>
-    <ds:schemaRef ds:uri="http://purl.org/dc/elements/1.1/"/>
-    <ds:schemaRef ds:uri="http://schemas.microsoft.com/office/2006/metadata/properties"/>
-    <ds:schemaRef ds:uri="44a56295-c29e-4898-8136-a54736c65b82"/>
-    <ds:schemaRef ds:uri="http://schemas.microsoft.com/office/infopath/2007/PartnerControls"/>
-    <ds:schemaRef ds:uri="http://www.w3.org/XML/1998/namespace"/>
-    <ds:schemaRef ds:uri="http://purl.org/dc/dcmitype/"/>
-  </ds:schemaRefs>
-</ds:datastoreItem>
 </file>
--- a/session_two/session_two_presentation.pptx
+++ b/session_two/session_two_presentation.pptx
@@ -26844,6 +26844,37 @@
               </a14:hiddenFill>
             </a:ext>
           </a:extLst>
+        </p:spPr>
+      </p:pic>
+      <p:pic>
+        <p:nvPicPr>
+          <p:cNvPr id="11" name="Picture 10" descr="A picture containing drawing, light, plate&#10;&#10;Description automatically generated">
+            <a:hlinkClick r:id="rId7"/>
+            <a:extLst>
+              <a:ext uri="{FF2B5EF4-FFF2-40B4-BE49-F238E27FC236}">
+                <a16:creationId xmlns:a16="http://schemas.microsoft.com/office/drawing/2014/main" id="{3EF6570B-72C9-420D-900F-2BF6A69FB19A}"/>
+              </a:ext>
+            </a:extLst>
+          </p:cNvPr>
+          <p:cNvPicPr>
+            <a:picLocks noChangeAspect="1"/>
+          </p:cNvPicPr>
+          <p:nvPr/>
+        </p:nvPicPr>
+        <p:blipFill>
+          <a:blip r:embed="rId8"/>
+          <a:stretch>
+            <a:fillRect/>
+          </a:stretch>
+        </p:blipFill>
+        <p:spPr>
+          <a:xfrm>
+            <a:off x="6498567" y="942188"/>
+            <a:ext cx="2419199" cy="504000"/>
+          </a:xfrm>
+          <a:prstGeom prst="rect">
+            <a:avLst/>
+          </a:prstGeom>
         </p:spPr>
       </p:pic>
     </p:spTree>
@@ -35895,11 +35926,6 @@
 
 <file path=customXml/item1.xml><?xml version="1.0" encoding="utf-8"?>
 <?mso-contentType ?>
-<SharedContentType xmlns="Microsoft.SharePoint.Taxonomy.ContentTypeSync" SourceId="1ee89e71-04cd-405e-9ca3-99e020c1694d" ContentTypeId="0x0101" PreviousValue="false"/>
-</file>
-
-<file path=customXml/item2.xml><?xml version="1.0" encoding="utf-8"?>
-<?mso-contentType ?>
 <FormTemplates xmlns="http://schemas.microsoft.com/sharepoint/v3/contenttype/forms">
   <Display>DocumentLibraryForm</Display>
   <Edit>DocumentLibraryForm</Edit>
@@ -35907,16 +35933,12 @@
 </FormTemplates>
 </file>
 
-<file path=customXml/item3.xml><?xml version="1.0" encoding="utf-8"?>
-<p:properties xmlns:p="http://schemas.microsoft.com/office/2006/metadata/properties" xmlns:xsi="http://www.w3.org/2001/XMLSchema-instance" xmlns:pc="http://schemas.microsoft.com/office/infopath/2007/PartnerControls">
-  <documentManagement>
-    <Keyword xmlns="44a56295-c29e-4898-8136-a54736c65b82" xsi:nil="true"/>
-    <Descriptions xmlns="44a56295-c29e-4898-8136-a54736c65b82" xsi:nil="true"/>
-  </documentManagement>
-</p:properties>
+<file path=customXml/item2.xml><?xml version="1.0" encoding="utf-8"?>
+<?mso-contentType ?>
+<SharedContentType xmlns="Microsoft.SharePoint.Taxonomy.ContentTypeSync" SourceId="1ee89e71-04cd-405e-9ca3-99e020c1694d" ContentTypeId="0x0101" PreviousValue="false"/>
 </file>
 
-<file path=customXml/item4.xml><?xml version="1.0" encoding="utf-8"?>
+<file path=customXml/item3.xml><?xml version="1.0" encoding="utf-8"?>
 <ct:contentTypeSchema xmlns:ct="http://schemas.microsoft.com/office/2006/metadata/contentType" xmlns:ma="http://schemas.microsoft.com/office/2006/metadata/properties/metaAttributes" ct:_="" ma:_="" ma:contentTypeName="Document" ma:contentTypeID="0x010100C9F3DD611966374C9EAA8DC5A2F94CD8" ma:contentTypeVersion="8" ma:contentTypeDescription="Create a new document." ma:contentTypeScope="" ma:versionID="18a8759320524e51783f13c6663a10d1">
   <xsd:schema xmlns:xsd="http://www.w3.org/2001/XMLSchema" xmlns:xs="http://www.w3.org/2001/XMLSchema" xmlns:p="http://schemas.microsoft.com/office/2006/metadata/properties" xmlns:ns2="44a56295-c29e-4898-8136-a54736c65b82" xmlns:ns3="9675ef8f-b755-4cd6-a742-8cae3d86c4fe" targetNamespace="http://schemas.microsoft.com/office/2006/metadata/properties" ma:root="true" ma:fieldsID="1b693415669a5bc10d56a9234ce5202b" ns2:_="" ns3:_="">
     <xsd:import namespace="44a56295-c29e-4898-8136-a54736c65b82"/>
@@ -36095,7 +36117,24 @@
 </ct:contentTypeSchema>
 </file>
 
+<file path=customXml/item4.xml><?xml version="1.0" encoding="utf-8"?>
+<p:properties xmlns:p="http://schemas.microsoft.com/office/2006/metadata/properties" xmlns:xsi="http://www.w3.org/2001/XMLSchema-instance" xmlns:pc="http://schemas.microsoft.com/office/infopath/2007/PartnerControls">
+  <documentManagement>
+    <Keyword xmlns="44a56295-c29e-4898-8136-a54736c65b82" xsi:nil="true"/>
+    <Descriptions xmlns="44a56295-c29e-4898-8136-a54736c65b82" xsi:nil="true"/>
+  </documentManagement>
+</p:properties>
+</file>
+
 <file path=customXml/itemProps1.xml><?xml version="1.0" encoding="utf-8"?>
+<ds:datastoreItem xmlns:ds="http://schemas.openxmlformats.org/officeDocument/2006/customXml" ds:itemID="{CCB085B9-8EF5-4B2C-B089-029492EC23AC}">
+  <ds:schemaRefs>
+    <ds:schemaRef ds:uri="http://schemas.microsoft.com/sharepoint/v3/contenttype/forms"/>
+  </ds:schemaRefs>
+</ds:datastoreItem>
+</file>
+
+<file path=customXml/itemProps2.xml><?xml version="1.0" encoding="utf-8"?>
 <ds:datastoreItem xmlns:ds="http://schemas.openxmlformats.org/officeDocument/2006/customXml" ds:itemID="{3D9D9437-4660-4E6E-9349-9C8386915BD1}">
   <ds:schemaRefs>
     <ds:schemaRef ds:uri="Microsoft.SharePoint.Taxonomy.ContentTypeSync"/>
@@ -36103,32 +36142,7 @@
 </ds:datastoreItem>
 </file>
 
-<file path=customXml/itemProps2.xml><?xml version="1.0" encoding="utf-8"?>
-<ds:datastoreItem xmlns:ds="http://schemas.openxmlformats.org/officeDocument/2006/customXml" ds:itemID="{CCB085B9-8EF5-4B2C-B089-029492EC23AC}">
-  <ds:schemaRefs>
-    <ds:schemaRef ds:uri="http://schemas.microsoft.com/sharepoint/v3/contenttype/forms"/>
-  </ds:schemaRefs>
-</ds:datastoreItem>
-</file>
-
 <file path=customXml/itemProps3.xml><?xml version="1.0" encoding="utf-8"?>
-<ds:datastoreItem xmlns:ds="http://schemas.openxmlformats.org/officeDocument/2006/customXml" ds:itemID="{8E7055A9-979E-42E4-8AE4-11D4A57371C1}">
-  <ds:schemaRefs>
-    <ds:schemaRef ds:uri="http://purl.org/dc/terms/"/>
-    <ds:schemaRef ds:uri="9675ef8f-b755-4cd6-a742-8cae3d86c4fe"/>
-    <ds:schemaRef ds:uri="http://schemas.microsoft.com/office/2006/documentManagement/types"/>
-    <ds:schemaRef ds:uri="http://schemas.openxmlformats.org/package/2006/metadata/core-properties"/>
-    <ds:schemaRef ds:uri="http://purl.org/dc/elements/1.1/"/>
-    <ds:schemaRef ds:uri="http://schemas.microsoft.com/office/2006/metadata/properties"/>
-    <ds:schemaRef ds:uri="44a56295-c29e-4898-8136-a54736c65b82"/>
-    <ds:schemaRef ds:uri="http://schemas.microsoft.com/office/infopath/2007/PartnerControls"/>
-    <ds:schemaRef ds:uri="http://www.w3.org/XML/1998/namespace"/>
-    <ds:schemaRef ds:uri="http://purl.org/dc/dcmitype/"/>
-  </ds:schemaRefs>
-</ds:datastoreItem>
-</file>
-
-<file path=customXml/itemProps4.xml><?xml version="1.0" encoding="utf-8"?>
 <ds:datastoreItem xmlns:ds="http://schemas.openxmlformats.org/officeDocument/2006/customXml" ds:itemID="{0B5CDA7F-D407-42B2-AFFC-685DACC4A847}">
   <ds:schemaRefs>
     <ds:schemaRef ds:uri="http://schemas.microsoft.com/office/2006/metadata/contentType"/>
@@ -36145,4 +36159,21 @@
     <ds:schemaRef ds:uri="http://schemas.microsoft.com/internal/obd"/>
   </ds:schemaRefs>
 </ds:datastoreItem>
+</file>
+
+<file path=customXml/itemProps4.xml><?xml version="1.0" encoding="utf-8"?>
+<ds:datastoreItem xmlns:ds="http://schemas.openxmlformats.org/officeDocument/2006/customXml" ds:itemID="{8E7055A9-979E-42E4-8AE4-11D4A57371C1}">
+  <ds:schemaRefs>
+    <ds:schemaRef ds:uri="http://purl.org/dc/terms/"/>
+    <ds:schemaRef ds:uri="9675ef8f-b755-4cd6-a742-8cae3d86c4fe"/>
+    <ds:schemaRef ds:uri="http://schemas.microsoft.com/office/2006/documentManagement/types"/>
+    <ds:schemaRef ds:uri="http://schemas.openxmlformats.org/package/2006/metadata/core-properties"/>
+    <ds:schemaRef ds:uri="http://purl.org/dc/elements/1.1/"/>
+    <ds:schemaRef ds:uri="http://schemas.microsoft.com/office/2006/metadata/properties"/>
+    <ds:schemaRef ds:uri="44a56295-c29e-4898-8136-a54736c65b82"/>
+    <ds:schemaRef ds:uri="http://schemas.microsoft.com/office/infopath/2007/PartnerControls"/>
+    <ds:schemaRef ds:uri="http://www.w3.org/XML/1998/namespace"/>
+    <ds:schemaRef ds:uri="http://purl.org/dc/dcmitype/"/>
+  </ds:schemaRefs>
+</ds:datastoreItem>
 </file>
--- a/session_two/session_two_presentation.pptx
+++ b/session_two/session_two_presentation.pptx
@@ -790,7 +790,7 @@
             <a:fld id="{3BBED7E8-0829-F34C-B479-A757805E6C1B}" type="datetimeFigureOut">
               <a:rPr lang="en-US" smtClean="0"/>
               <a:pPr/>
-              <a:t>7/13/2020</a:t>
+              <a:t>7/19/2020</a:t>
             </a:fld>
             <a:endParaRPr lang="en-US"/>
           </a:p>
@@ -958,7 +958,7 @@
             <a:fld id="{6C7E4F11-7667-5045-A00B-01970EA44BB5}" type="datetimeFigureOut">
               <a:rPr lang="en-US" smtClean="0"/>
               <a:pPr/>
-              <a:t>7/13/2020</a:t>
+              <a:t>7/19/2020</a:t>
             </a:fld>
             <a:endParaRPr lang="en-US"/>
           </a:p>
@@ -35926,6 +35926,11 @@
 
 <file path=customXml/item1.xml><?xml version="1.0" encoding="utf-8"?>
 <?mso-contentType ?>
+<SharedContentType xmlns="Microsoft.SharePoint.Taxonomy.ContentTypeSync" SourceId="1ee89e71-04cd-405e-9ca3-99e020c1694d" ContentTypeId="0x0101" PreviousValue="false"/>
+</file>
+
+<file path=customXml/item2.xml><?xml version="1.0" encoding="utf-8"?>
+<?mso-contentType ?>
 <FormTemplates xmlns="http://schemas.microsoft.com/sharepoint/v3/contenttype/forms">
   <Display>DocumentLibraryForm</Display>
   <Edit>DocumentLibraryForm</Edit>
@@ -35933,12 +35938,16 @@
 </FormTemplates>
 </file>
 
-<file path=customXml/item2.xml><?xml version="1.0" encoding="utf-8"?>
-<?mso-contentType ?>
-<SharedContentType xmlns="Microsoft.SharePoint.Taxonomy.ContentTypeSync" SourceId="1ee89e71-04cd-405e-9ca3-99e020c1694d" ContentTypeId="0x0101" PreviousValue="false"/>
+<file path=customXml/item3.xml><?xml version="1.0" encoding="utf-8"?>
+<p:properties xmlns:p="http://schemas.microsoft.com/office/2006/metadata/properties" xmlns:xsi="http://www.w3.org/2001/XMLSchema-instance" xmlns:pc="http://schemas.microsoft.com/office/infopath/2007/PartnerControls">
+  <documentManagement>
+    <Keyword xmlns="44a56295-c29e-4898-8136-a54736c65b82" xsi:nil="true"/>
+    <Descriptions xmlns="44a56295-c29e-4898-8136-a54736c65b82" xsi:nil="true"/>
+  </documentManagement>
+</p:properties>
 </file>
 
-<file path=customXml/item3.xml><?xml version="1.0" encoding="utf-8"?>
+<file path=customXml/item4.xml><?xml version="1.0" encoding="utf-8"?>
 <ct:contentTypeSchema xmlns:ct="http://schemas.microsoft.com/office/2006/metadata/contentType" xmlns:ma="http://schemas.microsoft.com/office/2006/metadata/properties/metaAttributes" ct:_="" ma:_="" ma:contentTypeName="Document" ma:contentTypeID="0x010100C9F3DD611966374C9EAA8DC5A2F94CD8" ma:contentTypeVersion="8" ma:contentTypeDescription="Create a new document." ma:contentTypeScope="" ma:versionID="18a8759320524e51783f13c6663a10d1">
   <xsd:schema xmlns:xsd="http://www.w3.org/2001/XMLSchema" xmlns:xs="http://www.w3.org/2001/XMLSchema" xmlns:p="http://schemas.microsoft.com/office/2006/metadata/properties" xmlns:ns2="44a56295-c29e-4898-8136-a54736c65b82" xmlns:ns3="9675ef8f-b755-4cd6-a742-8cae3d86c4fe" targetNamespace="http://schemas.microsoft.com/office/2006/metadata/properties" ma:root="true" ma:fieldsID="1b693415669a5bc10d56a9234ce5202b" ns2:_="" ns3:_="">
     <xsd:import namespace="44a56295-c29e-4898-8136-a54736c65b82"/>
@@ -36117,16 +36126,15 @@
 </ct:contentTypeSchema>
 </file>
 
-<file path=customXml/item4.xml><?xml version="1.0" encoding="utf-8"?>
-<p:properties xmlns:p="http://schemas.microsoft.com/office/2006/metadata/properties" xmlns:xsi="http://www.w3.org/2001/XMLSchema-instance" xmlns:pc="http://schemas.microsoft.com/office/infopath/2007/PartnerControls">
-  <documentManagement>
-    <Keyword xmlns="44a56295-c29e-4898-8136-a54736c65b82" xsi:nil="true"/>
-    <Descriptions xmlns="44a56295-c29e-4898-8136-a54736c65b82" xsi:nil="true"/>
-  </documentManagement>
-</p:properties>
+<file path=customXml/itemProps1.xml><?xml version="1.0" encoding="utf-8"?>
+<ds:datastoreItem xmlns:ds="http://schemas.openxmlformats.org/officeDocument/2006/customXml" ds:itemID="{3D9D9437-4660-4E6E-9349-9C8386915BD1}">
+  <ds:schemaRefs>
+    <ds:schemaRef ds:uri="Microsoft.SharePoint.Taxonomy.ContentTypeSync"/>
+  </ds:schemaRefs>
+</ds:datastoreItem>
 </file>
 
-<file path=customXml/itemProps1.xml><?xml version="1.0" encoding="utf-8"?>
+<file path=customXml/itemProps2.xml><?xml version="1.0" encoding="utf-8"?>
 <ds:datastoreItem xmlns:ds="http://schemas.openxmlformats.org/officeDocument/2006/customXml" ds:itemID="{CCB085B9-8EF5-4B2C-B089-029492EC23AC}">
   <ds:schemaRefs>
     <ds:schemaRef ds:uri="http://schemas.microsoft.com/sharepoint/v3/contenttype/forms"/>
@@ -36134,15 +36142,24 @@
 </ds:datastoreItem>
 </file>
 
-<file path=customXml/itemProps2.xml><?xml version="1.0" encoding="utf-8"?>
-<ds:datastoreItem xmlns:ds="http://schemas.openxmlformats.org/officeDocument/2006/customXml" ds:itemID="{3D9D9437-4660-4E6E-9349-9C8386915BD1}">
+<file path=customXml/itemProps3.xml><?xml version="1.0" encoding="utf-8"?>
+<ds:datastoreItem xmlns:ds="http://schemas.openxmlformats.org/officeDocument/2006/customXml" ds:itemID="{8E7055A9-979E-42E4-8AE4-11D4A57371C1}">
   <ds:schemaRefs>
-    <ds:schemaRef ds:uri="Microsoft.SharePoint.Taxonomy.ContentTypeSync"/>
+    <ds:schemaRef ds:uri="http://purl.org/dc/terms/"/>
+    <ds:schemaRef ds:uri="9675ef8f-b755-4cd6-a742-8cae3d86c4fe"/>
+    <ds:schemaRef ds:uri="http://schemas.microsoft.com/office/2006/documentManagement/types"/>
+    <ds:schemaRef ds:uri="http://schemas.openxmlformats.org/package/2006/metadata/core-properties"/>
+    <ds:schemaRef ds:uri="http://purl.org/dc/elements/1.1/"/>
+    <ds:schemaRef ds:uri="http://schemas.microsoft.com/office/2006/metadata/properties"/>
+    <ds:schemaRef ds:uri="44a56295-c29e-4898-8136-a54736c65b82"/>
+    <ds:schemaRef ds:uri="http://schemas.microsoft.com/office/infopath/2007/PartnerControls"/>
+    <ds:schemaRef ds:uri="http://www.w3.org/XML/1998/namespace"/>
+    <ds:schemaRef ds:uri="http://purl.org/dc/dcmitype/"/>
   </ds:schemaRefs>
 </ds:datastoreItem>
 </file>
 
-<file path=customXml/itemProps3.xml><?xml version="1.0" encoding="utf-8"?>
+<file path=customXml/itemProps4.xml><?xml version="1.0" encoding="utf-8"?>
 <ds:datastoreItem xmlns:ds="http://schemas.openxmlformats.org/officeDocument/2006/customXml" ds:itemID="{0B5CDA7F-D407-42B2-AFFC-685DACC4A847}">
   <ds:schemaRefs>
     <ds:schemaRef ds:uri="http://schemas.microsoft.com/office/2006/metadata/contentType"/>
@@ -36159,21 +36176,4 @@
     <ds:schemaRef ds:uri="http://schemas.microsoft.com/internal/obd"/>
   </ds:schemaRefs>
 </ds:datastoreItem>
-</file>
-
-<file path=customXml/itemProps4.xml><?xml version="1.0" encoding="utf-8"?>
-<ds:datastoreItem xmlns:ds="http://schemas.openxmlformats.org/officeDocument/2006/customXml" ds:itemID="{8E7055A9-979E-42E4-8AE4-11D4A57371C1}">
-  <ds:schemaRefs>
-    <ds:schemaRef ds:uri="http://purl.org/dc/terms/"/>
-    <ds:schemaRef ds:uri="9675ef8f-b755-4cd6-a742-8cae3d86c4fe"/>
-    <ds:schemaRef ds:uri="http://schemas.microsoft.com/office/2006/documentManagement/types"/>
-    <ds:schemaRef ds:uri="http://schemas.openxmlformats.org/package/2006/metadata/core-properties"/>
-    <ds:schemaRef ds:uri="http://purl.org/dc/elements/1.1/"/>
-    <ds:schemaRef ds:uri="http://schemas.microsoft.com/office/2006/metadata/properties"/>
-    <ds:schemaRef ds:uri="44a56295-c29e-4898-8136-a54736c65b82"/>
-    <ds:schemaRef ds:uri="http://schemas.microsoft.com/office/infopath/2007/PartnerControls"/>
-    <ds:schemaRef ds:uri="http://www.w3.org/XML/1998/namespace"/>
-    <ds:schemaRef ds:uri="http://purl.org/dc/dcmitype/"/>
-  </ds:schemaRefs>
-</ds:datastoreItem>
 </file>